--- a/module-4/4.4-cleaning-missing.pptx
+++ b/module-4/4.4-cleaning-missing.pptx
@@ -7,36 +7,38 @@
     <p:sldMasterId id="2147483651" r:id="rId3"/>
   </p:sldMasterIdLst>
   <p:notesMasterIdLst>
-    <p:notesMasterId r:id="rId13"/>
+    <p:notesMasterId r:id="rId15"/>
   </p:notesMasterIdLst>
   <p:handoutMasterIdLst>
-    <p:handoutMasterId r:id="rId14"/>
+    <p:handoutMasterId r:id="rId16"/>
   </p:handoutMasterIdLst>
   <p:sldIdLst>
     <p:sldId id="285" r:id="rId4"/>
-    <p:sldId id="289" r:id="rId5"/>
-    <p:sldId id="295" r:id="rId6"/>
-    <p:sldId id="298" r:id="rId7"/>
-    <p:sldId id="296" r:id="rId8"/>
-    <p:sldId id="297" r:id="rId9"/>
-    <p:sldId id="299" r:id="rId10"/>
-    <p:sldId id="300" r:id="rId11"/>
-    <p:sldId id="301" r:id="rId12"/>
+    <p:sldId id="341" r:id="rId5"/>
+    <p:sldId id="327" r:id="rId6"/>
+    <p:sldId id="289" r:id="rId7"/>
+    <p:sldId id="295" r:id="rId8"/>
+    <p:sldId id="298" r:id="rId9"/>
+    <p:sldId id="296" r:id="rId10"/>
+    <p:sldId id="297" r:id="rId11"/>
+    <p:sldId id="299" r:id="rId12"/>
+    <p:sldId id="300" r:id="rId13"/>
+    <p:sldId id="301" r:id="rId14"/>
   </p:sldIdLst>
   <p:sldSz cx="12192000" cy="6858000"/>
   <p:notesSz cx="6858000" cy="9144000"/>
   <p:embeddedFontLst>
     <p:embeddedFont>
       <p:font typeface="Adobe Garamond Pro" panose="02020502060506020403" charset="0"/>
-      <p:regular r:id="rId15"/>
-      <p:italic r:id="rId16"/>
+      <p:regular r:id="rId17"/>
+      <p:italic r:id="rId18"/>
     </p:embeddedFont>
     <p:embeddedFont>
       <p:font typeface="Calibri" panose="020F0502020204030204" pitchFamily="34" charset="0"/>
-      <p:regular r:id="rId17"/>
-      <p:bold r:id="rId18"/>
-      <p:italic r:id="rId19"/>
-      <p:boldItalic r:id="rId20"/>
+      <p:regular r:id="rId19"/>
+      <p:bold r:id="rId20"/>
+      <p:italic r:id="rId21"/>
+      <p:boldItalic r:id="rId22"/>
     </p:embeddedFont>
   </p:embeddedFontLst>
   <p:defaultTextStyle>
@@ -250,7 +252,7 @@
           <a:p>
             <a:fld id="{9DAF894A-70DC-1344-8793-A2A3FB288CFE}" type="datetimeFigureOut">
               <a:rPr lang="en-US" smtClean="0"/>
-              <a:t>11/30/2020</a:t>
+              <a:t>4/9/2021</a:t>
             </a:fld>
             <a:endParaRPr lang="en-US"/>
           </a:p>
@@ -427,7 +429,7 @@
           <a:p>
             <a:fld id="{1FC4BE61-C03A-824C-A357-AB09725BFA9E}" type="datetimeFigureOut">
               <a:rPr lang="en-US" smtClean="0"/>
-              <a:t>11/30/2020</a:t>
+              <a:t>4/9/2021</a:t>
             </a:fld>
             <a:endParaRPr lang="en-US"/>
           </a:p>
@@ -692,6 +694,328 @@
     </a:lvl9pPr>
   </p:notesStyle>
 </p:notesMaster>
+</file>
+
+<file path=ppt/notesSlides/notesSlide1.xml><?xml version="1.0" encoding="utf-8"?>
+<p:notes xmlns:a="http://schemas.openxmlformats.org/drawingml/2006/main" xmlns:r="http://schemas.openxmlformats.org/officeDocument/2006/relationships" xmlns:p="http://schemas.openxmlformats.org/presentationml/2006/main">
+  <p:cSld>
+    <p:spTree>
+      <p:nvGrpSpPr>
+        <p:cNvPr id="1" name=""/>
+        <p:cNvGrpSpPr/>
+        <p:nvPr/>
+      </p:nvGrpSpPr>
+      <p:grpSpPr>
+        <a:xfrm>
+          <a:off x="0" y="0"/>
+          <a:ext cx="0" cy="0"/>
+          <a:chOff x="0" y="0"/>
+          <a:chExt cx="0" cy="0"/>
+        </a:xfrm>
+      </p:grpSpPr>
+      <p:sp>
+        <p:nvSpPr>
+          <p:cNvPr id="2" name="Slide Image Placeholder 1"/>
+          <p:cNvSpPr>
+            <a:spLocks noGrp="1" noRot="1" noChangeAspect="1"/>
+          </p:cNvSpPr>
+          <p:nvPr>
+            <p:ph type="sldImg"/>
+          </p:nvPr>
+        </p:nvSpPr>
+        <p:spPr/>
+      </p:sp>
+      <p:sp>
+        <p:nvSpPr>
+          <p:cNvPr id="3" name="Notes Placeholder 2"/>
+          <p:cNvSpPr>
+            <a:spLocks noGrp="1"/>
+          </p:cNvSpPr>
+          <p:nvPr>
+            <p:ph type="body" idx="1"/>
+          </p:nvPr>
+        </p:nvSpPr>
+        <p:spPr/>
+        <p:txBody>
+          <a:bodyPr/>
+          <a:lstStyle/>
+          <a:p>
+            <a:pPr marL="0" marR="0" lvl="0" indent="0" algn="l" defTabSz="914400" rtl="0" eaLnBrk="1" fontAlgn="auto" latinLnBrk="0" hangingPunct="1">
+              <a:lnSpc>
+                <a:spcPct val="100000"/>
+              </a:lnSpc>
+              <a:spcBef>
+                <a:spcPts val="0"/>
+              </a:spcBef>
+              <a:spcAft>
+                <a:spcPts val="0"/>
+              </a:spcAft>
+              <a:buClrTx/>
+              <a:buSzTx/>
+              <a:buFontTx/>
+              <a:buNone/>
+              <a:tabLst/>
+              <a:defRPr/>
+            </a:pPr>
+            <a:endParaRPr lang="en-US" dirty="0"/>
+          </a:p>
+        </p:txBody>
+      </p:sp>
+      <p:sp>
+        <p:nvSpPr>
+          <p:cNvPr id="4" name="Slide Number Placeholder 3"/>
+          <p:cNvSpPr>
+            <a:spLocks noGrp="1"/>
+          </p:cNvSpPr>
+          <p:nvPr>
+            <p:ph type="sldNum" sz="quarter" idx="5"/>
+          </p:nvPr>
+        </p:nvSpPr>
+        <p:spPr/>
+        <p:txBody>
+          <a:bodyPr/>
+          <a:lstStyle/>
+          <a:p>
+            <a:pPr marL="0" marR="0" lvl="0" indent="0" algn="r" defTabSz="914400" rtl="0" eaLnBrk="1" fontAlgn="auto" latinLnBrk="0" hangingPunct="1">
+              <a:lnSpc>
+                <a:spcPct val="100000"/>
+              </a:lnSpc>
+              <a:spcBef>
+                <a:spcPts val="0"/>
+              </a:spcBef>
+              <a:spcAft>
+                <a:spcPts val="0"/>
+              </a:spcAft>
+              <a:buClrTx/>
+              <a:buSzTx/>
+              <a:buFontTx/>
+              <a:buNone/>
+              <a:tabLst/>
+              <a:defRPr/>
+            </a:pPr>
+            <a:fld id="{5707DA70-B503-1645-A111-858C3E791C84}" type="slidenum">
+              <a:rPr kumimoji="0" lang="en-US" sz="1200" b="0" i="0" u="none" strike="noStrike" kern="1200" cap="none" spc="0" normalizeH="0" baseline="0" noProof="0" smtClean="0">
+                <a:ln>
+                  <a:noFill/>
+                </a:ln>
+                <a:solidFill>
+                  <a:prstClr val="black"/>
+                </a:solidFill>
+                <a:effectLst/>
+                <a:uLnTx/>
+                <a:uFillTx/>
+                <a:latin typeface="Calibri" panose="020F0502020204030204"/>
+                <a:ea typeface="+mn-ea"/>
+                <a:cs typeface="+mn-cs"/>
+              </a:rPr>
+              <a:pPr marL="0" marR="0" lvl="0" indent="0" algn="r" defTabSz="914400" rtl="0" eaLnBrk="1" fontAlgn="auto" latinLnBrk="0" hangingPunct="1">
+                <a:lnSpc>
+                  <a:spcPct val="100000"/>
+                </a:lnSpc>
+                <a:spcBef>
+                  <a:spcPts val="0"/>
+                </a:spcBef>
+                <a:spcAft>
+                  <a:spcPts val="0"/>
+                </a:spcAft>
+                <a:buClrTx/>
+                <a:buSzTx/>
+                <a:buFontTx/>
+                <a:buNone/>
+                <a:tabLst/>
+                <a:defRPr/>
+              </a:pPr>
+              <a:t>2</a:t>
+            </a:fld>
+            <a:endParaRPr kumimoji="0" lang="en-US" sz="1200" b="0" i="0" u="none" strike="noStrike" kern="1200" cap="none" spc="0" normalizeH="0" baseline="0" noProof="0">
+              <a:ln>
+                <a:noFill/>
+              </a:ln>
+              <a:solidFill>
+                <a:prstClr val="black"/>
+              </a:solidFill>
+              <a:effectLst/>
+              <a:uLnTx/>
+              <a:uFillTx/>
+              <a:latin typeface="Calibri" panose="020F0502020204030204"/>
+              <a:ea typeface="+mn-ea"/>
+              <a:cs typeface="+mn-cs"/>
+            </a:endParaRPr>
+          </a:p>
+        </p:txBody>
+      </p:sp>
+    </p:spTree>
+    <p:extLst>
+      <p:ext uri="{BB962C8B-B14F-4D97-AF65-F5344CB8AC3E}">
+        <p14:creationId xmlns:p14="http://schemas.microsoft.com/office/powerpoint/2010/main" val="864048608"/>
+      </p:ext>
+    </p:extLst>
+  </p:cSld>
+  <p:clrMapOvr>
+    <a:masterClrMapping/>
+  </p:clrMapOvr>
+</p:notes>
+</file>
+
+<file path=ppt/notesSlides/notesSlide2.xml><?xml version="1.0" encoding="utf-8"?>
+<p:notes xmlns:a="http://schemas.openxmlformats.org/drawingml/2006/main" xmlns:r="http://schemas.openxmlformats.org/officeDocument/2006/relationships" xmlns:p="http://schemas.openxmlformats.org/presentationml/2006/main">
+  <p:cSld>
+    <p:spTree>
+      <p:nvGrpSpPr>
+        <p:cNvPr id="1" name=""/>
+        <p:cNvGrpSpPr/>
+        <p:nvPr/>
+      </p:nvGrpSpPr>
+      <p:grpSpPr>
+        <a:xfrm>
+          <a:off x="0" y="0"/>
+          <a:ext cx="0" cy="0"/>
+          <a:chOff x="0" y="0"/>
+          <a:chExt cx="0" cy="0"/>
+        </a:xfrm>
+      </p:grpSpPr>
+      <p:sp>
+        <p:nvSpPr>
+          <p:cNvPr id="2" name="Slide Image Placeholder 1"/>
+          <p:cNvSpPr>
+            <a:spLocks noGrp="1" noRot="1" noChangeAspect="1"/>
+          </p:cNvSpPr>
+          <p:nvPr>
+            <p:ph type="sldImg"/>
+          </p:nvPr>
+        </p:nvSpPr>
+        <p:spPr/>
+      </p:sp>
+      <p:sp>
+        <p:nvSpPr>
+          <p:cNvPr id="3" name="Notes Placeholder 2"/>
+          <p:cNvSpPr>
+            <a:spLocks noGrp="1"/>
+          </p:cNvSpPr>
+          <p:nvPr>
+            <p:ph type="body" idx="1"/>
+          </p:nvPr>
+        </p:nvSpPr>
+        <p:spPr/>
+        <p:txBody>
+          <a:bodyPr/>
+          <a:lstStyle/>
+          <a:p>
+            <a:pPr marL="0" marR="0" lvl="0" indent="0" algn="l" defTabSz="914400" rtl="0" eaLnBrk="1" fontAlgn="auto" latinLnBrk="0" hangingPunct="1">
+              <a:lnSpc>
+                <a:spcPct val="100000"/>
+              </a:lnSpc>
+              <a:spcBef>
+                <a:spcPts val="0"/>
+              </a:spcBef>
+              <a:spcAft>
+                <a:spcPts val="0"/>
+              </a:spcAft>
+              <a:buClrTx/>
+              <a:buSzTx/>
+              <a:buFontTx/>
+              <a:buNone/>
+              <a:tabLst/>
+              <a:defRPr/>
+            </a:pPr>
+            <a:endParaRPr lang="en-US" dirty="0"/>
+          </a:p>
+        </p:txBody>
+      </p:sp>
+      <p:sp>
+        <p:nvSpPr>
+          <p:cNvPr id="4" name="Slide Number Placeholder 3"/>
+          <p:cNvSpPr>
+            <a:spLocks noGrp="1"/>
+          </p:cNvSpPr>
+          <p:nvPr>
+            <p:ph type="sldNum" sz="quarter" idx="5"/>
+          </p:nvPr>
+        </p:nvSpPr>
+        <p:spPr/>
+        <p:txBody>
+          <a:bodyPr/>
+          <a:lstStyle/>
+          <a:p>
+            <a:pPr marL="0" marR="0" lvl="0" indent="0" algn="r" defTabSz="914400" rtl="0" eaLnBrk="1" fontAlgn="auto" latinLnBrk="0" hangingPunct="1">
+              <a:lnSpc>
+                <a:spcPct val="100000"/>
+              </a:lnSpc>
+              <a:spcBef>
+                <a:spcPts val="0"/>
+              </a:spcBef>
+              <a:spcAft>
+                <a:spcPts val="0"/>
+              </a:spcAft>
+              <a:buClrTx/>
+              <a:buSzTx/>
+              <a:buFontTx/>
+              <a:buNone/>
+              <a:tabLst/>
+              <a:defRPr/>
+            </a:pPr>
+            <a:fld id="{5707DA70-B503-1645-A111-858C3E791C84}" type="slidenum">
+              <a:rPr kumimoji="0" lang="en-US" sz="1200" b="0" i="0" u="none" strike="noStrike" kern="1200" cap="none" spc="0" normalizeH="0" baseline="0" noProof="0" smtClean="0">
+                <a:ln>
+                  <a:noFill/>
+                </a:ln>
+                <a:solidFill>
+                  <a:prstClr val="black"/>
+                </a:solidFill>
+                <a:effectLst/>
+                <a:uLnTx/>
+                <a:uFillTx/>
+                <a:latin typeface="Calibri" panose="020F0502020204030204"/>
+                <a:ea typeface="+mn-ea"/>
+                <a:cs typeface="+mn-cs"/>
+              </a:rPr>
+              <a:pPr marL="0" marR="0" lvl="0" indent="0" algn="r" defTabSz="914400" rtl="0" eaLnBrk="1" fontAlgn="auto" latinLnBrk="0" hangingPunct="1">
+                <a:lnSpc>
+                  <a:spcPct val="100000"/>
+                </a:lnSpc>
+                <a:spcBef>
+                  <a:spcPts val="0"/>
+                </a:spcBef>
+                <a:spcAft>
+                  <a:spcPts val="0"/>
+                </a:spcAft>
+                <a:buClrTx/>
+                <a:buSzTx/>
+                <a:buFontTx/>
+                <a:buNone/>
+                <a:tabLst/>
+                <a:defRPr/>
+              </a:pPr>
+              <a:t>3</a:t>
+            </a:fld>
+            <a:endParaRPr kumimoji="0" lang="en-US" sz="1200" b="0" i="0" u="none" strike="noStrike" kern="1200" cap="none" spc="0" normalizeH="0" baseline="0" noProof="0">
+              <a:ln>
+                <a:noFill/>
+              </a:ln>
+              <a:solidFill>
+                <a:prstClr val="black"/>
+              </a:solidFill>
+              <a:effectLst/>
+              <a:uLnTx/>
+              <a:uFillTx/>
+              <a:latin typeface="Calibri" panose="020F0502020204030204"/>
+              <a:ea typeface="+mn-ea"/>
+              <a:cs typeface="+mn-cs"/>
+            </a:endParaRPr>
+          </a:p>
+        </p:txBody>
+      </p:sp>
+    </p:spTree>
+    <p:extLst>
+      <p:ext uri="{BB962C8B-B14F-4D97-AF65-F5344CB8AC3E}">
+        <p14:creationId xmlns:p14="http://schemas.microsoft.com/office/powerpoint/2010/main" val="4015680290"/>
+      </p:ext>
+    </p:extLst>
+  </p:cSld>
+  <p:clrMapOvr>
+    <a:masterClrMapping/>
+  </p:clrMapOvr>
+</p:notes>
 </file>
 
 <file path=ppt/slideLayouts/slideLayout1.xml><?xml version="1.0" encoding="utf-8"?>
@@ -3431,7 +3755,6791 @@
 </p:sld>
 </file>
 
+<file path=ppt/slides/slide10.xml><?xml version="1.0" encoding="utf-8"?>
+<p:sld xmlns:a="http://schemas.openxmlformats.org/drawingml/2006/main" xmlns:r="http://schemas.openxmlformats.org/officeDocument/2006/relationships" xmlns:p="http://schemas.openxmlformats.org/presentationml/2006/main">
+  <p:cSld>
+    <p:spTree>
+      <p:nvGrpSpPr>
+        <p:cNvPr id="1" name=""/>
+        <p:cNvGrpSpPr/>
+        <p:nvPr/>
+      </p:nvGrpSpPr>
+      <p:grpSpPr>
+        <a:xfrm>
+          <a:off x="0" y="0"/>
+          <a:ext cx="0" cy="0"/>
+          <a:chOff x="0" y="0"/>
+          <a:chExt cx="0" cy="0"/>
+        </a:xfrm>
+      </p:grpSpPr>
+      <p:sp>
+        <p:nvSpPr>
+          <p:cNvPr id="2" name="Title 1">
+            <a:extLst>
+              <a:ext uri="{FF2B5EF4-FFF2-40B4-BE49-F238E27FC236}">
+                <a16:creationId xmlns:a16="http://schemas.microsoft.com/office/drawing/2014/main" id="{779BAE3F-225F-E54E-8145-ECACD7C376FB}"/>
+              </a:ext>
+            </a:extLst>
+          </p:cNvPr>
+          <p:cNvSpPr>
+            <a:spLocks noGrp="1"/>
+          </p:cNvSpPr>
+          <p:nvPr>
+            <p:ph type="title"/>
+          </p:nvPr>
+        </p:nvSpPr>
+        <p:spPr/>
+        <p:txBody>
+          <a:bodyPr/>
+          <a:lstStyle/>
+          <a:p>
+            <a:r>
+              <a:rPr lang="en-US" dirty="0"/>
+              <a:t>Characterizing Missing Data</a:t>
+            </a:r>
+          </a:p>
+        </p:txBody>
+      </p:sp>
+      <p:sp>
+        <p:nvSpPr>
+          <p:cNvPr id="3" name="Content Placeholder 2">
+            <a:extLst>
+              <a:ext uri="{FF2B5EF4-FFF2-40B4-BE49-F238E27FC236}">
+                <a16:creationId xmlns:a16="http://schemas.microsoft.com/office/drawing/2014/main" id="{45C23EAD-4ED8-3F43-8F36-E906632ACC3D}"/>
+              </a:ext>
+            </a:extLst>
+          </p:cNvPr>
+          <p:cNvSpPr>
+            <a:spLocks noGrp="1"/>
+          </p:cNvSpPr>
+          <p:nvPr>
+            <p:ph idx="1"/>
+          </p:nvPr>
+        </p:nvSpPr>
+        <p:spPr/>
+        <p:txBody>
+          <a:bodyPr>
+            <a:normAutofit/>
+          </a:bodyPr>
+          <a:lstStyle/>
+          <a:p>
+            <a:r>
+              <a:rPr lang="en-US" b="1" dirty="0"/>
+              <a:t>Missing Completely at Random (MCAR):</a:t>
+            </a:r>
+            <a:r>
+              <a:rPr lang="en-US" dirty="0"/>
+              <a:t> Probability of missing data in X is unrelated to values of X and unrelated to other attributes</a:t>
+            </a:r>
+          </a:p>
+          <a:p>
+            <a:r>
+              <a:rPr lang="en-US" b="1" dirty="0"/>
+              <a:t>Missing at Random (MAR):</a:t>
+            </a:r>
+            <a:r>
+              <a:rPr lang="en-US" dirty="0"/>
+              <a:t> Probability of missing data in attribute X depends on some other attribute, Y, but not the values of X</a:t>
+            </a:r>
+          </a:p>
+          <a:p>
+            <a:r>
+              <a:rPr lang="en-US" b="1" dirty="0"/>
+              <a:t>Missing Not at Random (MNAR):</a:t>
+            </a:r>
+            <a:r>
+              <a:rPr lang="en-US" dirty="0"/>
+              <a:t> Probability of missing data in attribute X is related to the values of X</a:t>
+            </a:r>
+          </a:p>
+          <a:p>
+            <a:pPr lvl="1"/>
+            <a:endParaRPr lang="en-US" dirty="0"/>
+          </a:p>
+          <a:p>
+            <a:endParaRPr lang="en-US" dirty="0"/>
+          </a:p>
+        </p:txBody>
+      </p:sp>
+      <p:sp>
+        <p:nvSpPr>
+          <p:cNvPr id="4" name="Slide Number Placeholder 3">
+            <a:extLst>
+              <a:ext uri="{FF2B5EF4-FFF2-40B4-BE49-F238E27FC236}">
+                <a16:creationId xmlns:a16="http://schemas.microsoft.com/office/drawing/2014/main" id="{710826A1-E1B7-5743-A0FB-29635DC386DF}"/>
+              </a:ext>
+            </a:extLst>
+          </p:cNvPr>
+          <p:cNvSpPr>
+            <a:spLocks noGrp="1"/>
+          </p:cNvSpPr>
+          <p:nvPr>
+            <p:ph type="sldNum" sz="quarter" idx="12"/>
+          </p:nvPr>
+        </p:nvSpPr>
+        <p:spPr/>
+        <p:txBody>
+          <a:bodyPr/>
+          <a:lstStyle/>
+          <a:p>
+            <a:fld id="{256CE055-ECFD-9048-9FD8-7E2D8656A4F7}" type="slidenum">
+              <a:rPr lang="en-US" smtClean="0"/>
+              <a:t>10</a:t>
+            </a:fld>
+            <a:endParaRPr lang="en-US" dirty="0"/>
+          </a:p>
+        </p:txBody>
+      </p:sp>
+    </p:spTree>
+    <p:extLst>
+      <p:ext uri="{BB962C8B-B14F-4D97-AF65-F5344CB8AC3E}">
+        <p14:creationId xmlns:p14="http://schemas.microsoft.com/office/powerpoint/2010/main" val="2998855554"/>
+      </p:ext>
+    </p:extLst>
+  </p:cSld>
+  <p:clrMapOvr>
+    <a:masterClrMapping/>
+  </p:clrMapOvr>
+  <p:timing>
+    <p:tnLst>
+      <p:par>
+        <p:cTn id="1" dur="indefinite" restart="never" nodeType="tmRoot">
+          <p:childTnLst>
+            <p:seq concurrent="1" nextAc="seek">
+              <p:cTn id="2" dur="indefinite" nodeType="mainSeq">
+                <p:childTnLst>
+                  <p:par>
+                    <p:cTn id="3" fill="hold">
+                      <p:stCondLst>
+                        <p:cond delay="indefinite"/>
+                      </p:stCondLst>
+                      <p:childTnLst>
+                        <p:par>
+                          <p:cTn id="4" fill="hold">
+                            <p:stCondLst>
+                              <p:cond delay="0"/>
+                            </p:stCondLst>
+                            <p:childTnLst>
+                              <p:par>
+                                <p:cTn id="5" presetID="1" presetClass="entr" presetSubtype="0" fill="hold" nodeType="clickEffect">
+                                  <p:stCondLst>
+                                    <p:cond delay="0"/>
+                                  </p:stCondLst>
+                                  <p:childTnLst>
+                                    <p:set>
+                                      <p:cBhvr>
+                                        <p:cTn id="6" dur="1" fill="hold">
+                                          <p:stCondLst>
+                                            <p:cond delay="0"/>
+                                          </p:stCondLst>
+                                        </p:cTn>
+                                        <p:tgtEl>
+                                          <p:spTgt spid="3">
+                                            <p:txEl>
+                                              <p:pRg st="0" end="0"/>
+                                            </p:txEl>
+                                          </p:spTgt>
+                                        </p:tgtEl>
+                                        <p:attrNameLst>
+                                          <p:attrName>style.visibility</p:attrName>
+                                        </p:attrNameLst>
+                                      </p:cBhvr>
+                                      <p:to>
+                                        <p:strVal val="visible"/>
+                                      </p:to>
+                                    </p:set>
+                                  </p:childTnLst>
+                                </p:cTn>
+                              </p:par>
+                              <p:par>
+                                <p:cTn id="7" presetID="1" presetClass="entr" presetSubtype="0" fill="hold" nodeType="withEffect">
+                                  <p:stCondLst>
+                                    <p:cond delay="0"/>
+                                  </p:stCondLst>
+                                  <p:childTnLst>
+                                    <p:set>
+                                      <p:cBhvr>
+                                        <p:cTn id="8" dur="1" fill="hold">
+                                          <p:stCondLst>
+                                            <p:cond delay="0"/>
+                                          </p:stCondLst>
+                                        </p:cTn>
+                                        <p:tgtEl>
+                                          <p:spTgt spid="3">
+                                            <p:txEl>
+                                              <p:pRg st="1" end="1"/>
+                                            </p:txEl>
+                                          </p:spTgt>
+                                        </p:tgtEl>
+                                        <p:attrNameLst>
+                                          <p:attrName>style.visibility</p:attrName>
+                                        </p:attrNameLst>
+                                      </p:cBhvr>
+                                      <p:to>
+                                        <p:strVal val="visible"/>
+                                      </p:to>
+                                    </p:set>
+                                  </p:childTnLst>
+                                </p:cTn>
+                              </p:par>
+                              <p:par>
+                                <p:cTn id="9" presetID="1" presetClass="entr" presetSubtype="0" fill="hold" nodeType="withEffect">
+                                  <p:stCondLst>
+                                    <p:cond delay="0"/>
+                                  </p:stCondLst>
+                                  <p:childTnLst>
+                                    <p:set>
+                                      <p:cBhvr>
+                                        <p:cTn id="10" dur="1" fill="hold">
+                                          <p:stCondLst>
+                                            <p:cond delay="0"/>
+                                          </p:stCondLst>
+                                        </p:cTn>
+                                        <p:tgtEl>
+                                          <p:spTgt spid="3">
+                                            <p:txEl>
+                                              <p:pRg st="2" end="2"/>
+                                            </p:txEl>
+                                          </p:spTgt>
+                                        </p:tgtEl>
+                                        <p:attrNameLst>
+                                          <p:attrName>style.visibility</p:attrName>
+                                        </p:attrNameLst>
+                                      </p:cBhvr>
+                                      <p:to>
+                                        <p:strVal val="visible"/>
+                                      </p:to>
+                                    </p:set>
+                                  </p:childTnLst>
+                                </p:cTn>
+                              </p:par>
+                            </p:childTnLst>
+                          </p:cTn>
+                        </p:par>
+                      </p:childTnLst>
+                    </p:cTn>
+                  </p:par>
+                </p:childTnLst>
+              </p:cTn>
+              <p:prevCondLst>
+                <p:cond evt="onPrev" delay="0">
+                  <p:tgtEl>
+                    <p:sldTgt/>
+                  </p:tgtEl>
+                </p:cond>
+              </p:prevCondLst>
+              <p:nextCondLst>
+                <p:cond evt="onNext" delay="0">
+                  <p:tgtEl>
+                    <p:sldTgt/>
+                  </p:tgtEl>
+                </p:cond>
+              </p:nextCondLst>
+            </p:seq>
+          </p:childTnLst>
+        </p:cTn>
+      </p:par>
+    </p:tnLst>
+  </p:timing>
+</p:sld>
+</file>
+
+<file path=ppt/slides/slide11.xml><?xml version="1.0" encoding="utf-8"?>
+<p:sld xmlns:a="http://schemas.openxmlformats.org/drawingml/2006/main" xmlns:r="http://schemas.openxmlformats.org/officeDocument/2006/relationships" xmlns:p="http://schemas.openxmlformats.org/presentationml/2006/main">
+  <p:cSld>
+    <p:spTree>
+      <p:nvGrpSpPr>
+        <p:cNvPr id="1" name=""/>
+        <p:cNvGrpSpPr/>
+        <p:nvPr/>
+      </p:nvGrpSpPr>
+      <p:grpSpPr>
+        <a:xfrm>
+          <a:off x="0" y="0"/>
+          <a:ext cx="0" cy="0"/>
+          <a:chOff x="0" y="0"/>
+          <a:chExt cx="0" cy="0"/>
+        </a:xfrm>
+      </p:grpSpPr>
+      <p:sp>
+        <p:nvSpPr>
+          <p:cNvPr id="2" name="Title 1">
+            <a:extLst>
+              <a:ext uri="{FF2B5EF4-FFF2-40B4-BE49-F238E27FC236}">
+                <a16:creationId xmlns:a16="http://schemas.microsoft.com/office/drawing/2014/main" id="{779BAE3F-225F-E54E-8145-ECACD7C376FB}"/>
+              </a:ext>
+            </a:extLst>
+          </p:cNvPr>
+          <p:cNvSpPr>
+            <a:spLocks noGrp="1"/>
+          </p:cNvSpPr>
+          <p:nvPr>
+            <p:ph type="title"/>
+          </p:nvPr>
+        </p:nvSpPr>
+        <p:spPr/>
+        <p:txBody>
+          <a:bodyPr/>
+          <a:lstStyle/>
+          <a:p>
+            <a:r>
+              <a:rPr lang="en-US" dirty="0"/>
+              <a:t>Dealing With Missing Data</a:t>
+            </a:r>
+          </a:p>
+        </p:txBody>
+      </p:sp>
+      <p:sp>
+        <p:nvSpPr>
+          <p:cNvPr id="3" name="Content Placeholder 2">
+            <a:extLst>
+              <a:ext uri="{FF2B5EF4-FFF2-40B4-BE49-F238E27FC236}">
+                <a16:creationId xmlns:a16="http://schemas.microsoft.com/office/drawing/2014/main" id="{45C23EAD-4ED8-3F43-8F36-E906632ACC3D}"/>
+              </a:ext>
+            </a:extLst>
+          </p:cNvPr>
+          <p:cNvSpPr>
+            <a:spLocks noGrp="1"/>
+          </p:cNvSpPr>
+          <p:nvPr>
+            <p:ph idx="1"/>
+          </p:nvPr>
+        </p:nvSpPr>
+        <p:spPr/>
+        <p:txBody>
+          <a:bodyPr>
+            <a:normAutofit/>
+          </a:bodyPr>
+          <a:lstStyle/>
+          <a:p>
+            <a:r>
+              <a:rPr lang="en-US" dirty="0"/>
+              <a:t>Do we simply set missing values to NULL / NA?</a:t>
+            </a:r>
+          </a:p>
+          <a:p>
+            <a:pPr lvl="1"/>
+            <a:r>
+              <a:rPr lang="en-US" dirty="0"/>
+              <a:t>How will this impact our ML model?</a:t>
+            </a:r>
+          </a:p>
+          <a:p>
+            <a:r>
+              <a:rPr lang="en-US" dirty="0"/>
+              <a:t>Do we drop the rows (observations) when there is missing data?</a:t>
+            </a:r>
+          </a:p>
+          <a:p>
+            <a:pPr lvl="1"/>
+            <a:r>
+              <a:rPr lang="en-US" dirty="0"/>
+              <a:t>How will this impact our ML model?</a:t>
+            </a:r>
+          </a:p>
+          <a:p>
+            <a:r>
+              <a:rPr lang="en-US" dirty="0"/>
+              <a:t>Do we insert average / estimated values for missing values?</a:t>
+            </a:r>
+          </a:p>
+          <a:p>
+            <a:pPr lvl="1"/>
+            <a:r>
+              <a:rPr lang="en-US" dirty="0"/>
+              <a:t>How will this impact our ML model?</a:t>
+            </a:r>
+          </a:p>
+          <a:p>
+            <a:r>
+              <a:rPr lang="en-US" b="1" dirty="0">
+                <a:solidFill>
+                  <a:schemeClr val="accent1"/>
+                </a:solidFill>
+              </a:rPr>
+              <a:t>How does our decision relate to ML fairness?</a:t>
+            </a:r>
+          </a:p>
+        </p:txBody>
+      </p:sp>
+      <p:sp>
+        <p:nvSpPr>
+          <p:cNvPr id="4" name="Slide Number Placeholder 3">
+            <a:extLst>
+              <a:ext uri="{FF2B5EF4-FFF2-40B4-BE49-F238E27FC236}">
+                <a16:creationId xmlns:a16="http://schemas.microsoft.com/office/drawing/2014/main" id="{710826A1-E1B7-5743-A0FB-29635DC386DF}"/>
+              </a:ext>
+            </a:extLst>
+          </p:cNvPr>
+          <p:cNvSpPr>
+            <a:spLocks noGrp="1"/>
+          </p:cNvSpPr>
+          <p:nvPr>
+            <p:ph type="sldNum" sz="quarter" idx="12"/>
+          </p:nvPr>
+        </p:nvSpPr>
+        <p:spPr/>
+        <p:txBody>
+          <a:bodyPr/>
+          <a:lstStyle/>
+          <a:p>
+            <a:fld id="{256CE055-ECFD-9048-9FD8-7E2D8656A4F7}" type="slidenum">
+              <a:rPr lang="en-US" smtClean="0"/>
+              <a:t>11</a:t>
+            </a:fld>
+            <a:endParaRPr lang="en-US" dirty="0"/>
+          </a:p>
+        </p:txBody>
+      </p:sp>
+    </p:spTree>
+    <p:extLst>
+      <p:ext uri="{BB962C8B-B14F-4D97-AF65-F5344CB8AC3E}">
+        <p14:creationId xmlns:p14="http://schemas.microsoft.com/office/powerpoint/2010/main" val="2981147952"/>
+      </p:ext>
+    </p:extLst>
+  </p:cSld>
+  <p:clrMapOvr>
+    <a:masterClrMapping/>
+  </p:clrMapOvr>
+  <p:timing>
+    <p:tnLst>
+      <p:par>
+        <p:cTn id="1" dur="indefinite" restart="never" nodeType="tmRoot">
+          <p:childTnLst>
+            <p:seq concurrent="1" nextAc="seek">
+              <p:cTn id="2" dur="indefinite" nodeType="mainSeq">
+                <p:childTnLst>
+                  <p:par>
+                    <p:cTn id="3" fill="hold">
+                      <p:stCondLst>
+                        <p:cond delay="indefinite"/>
+                      </p:stCondLst>
+                      <p:childTnLst>
+                        <p:par>
+                          <p:cTn id="4" fill="hold">
+                            <p:stCondLst>
+                              <p:cond delay="0"/>
+                            </p:stCondLst>
+                            <p:childTnLst>
+                              <p:par>
+                                <p:cTn id="5" presetID="1" presetClass="entr" presetSubtype="0" fill="hold" nodeType="clickEffect">
+                                  <p:stCondLst>
+                                    <p:cond delay="0"/>
+                                  </p:stCondLst>
+                                  <p:childTnLst>
+                                    <p:set>
+                                      <p:cBhvr>
+                                        <p:cTn id="6" dur="1" fill="hold">
+                                          <p:stCondLst>
+                                            <p:cond delay="0"/>
+                                          </p:stCondLst>
+                                        </p:cTn>
+                                        <p:tgtEl>
+                                          <p:spTgt spid="3">
+                                            <p:txEl>
+                                              <p:pRg st="0" end="0"/>
+                                            </p:txEl>
+                                          </p:spTgt>
+                                        </p:tgtEl>
+                                        <p:attrNameLst>
+                                          <p:attrName>style.visibility</p:attrName>
+                                        </p:attrNameLst>
+                                      </p:cBhvr>
+                                      <p:to>
+                                        <p:strVal val="visible"/>
+                                      </p:to>
+                                    </p:set>
+                                  </p:childTnLst>
+                                </p:cTn>
+                              </p:par>
+                              <p:par>
+                                <p:cTn id="7" presetID="1" presetClass="entr" presetSubtype="0" fill="hold" nodeType="withEffect">
+                                  <p:stCondLst>
+                                    <p:cond delay="0"/>
+                                  </p:stCondLst>
+                                  <p:childTnLst>
+                                    <p:set>
+                                      <p:cBhvr>
+                                        <p:cTn id="8" dur="1" fill="hold">
+                                          <p:stCondLst>
+                                            <p:cond delay="0"/>
+                                          </p:stCondLst>
+                                        </p:cTn>
+                                        <p:tgtEl>
+                                          <p:spTgt spid="3">
+                                            <p:txEl>
+                                              <p:pRg st="1" end="1"/>
+                                            </p:txEl>
+                                          </p:spTgt>
+                                        </p:tgtEl>
+                                        <p:attrNameLst>
+                                          <p:attrName>style.visibility</p:attrName>
+                                        </p:attrNameLst>
+                                      </p:cBhvr>
+                                      <p:to>
+                                        <p:strVal val="visible"/>
+                                      </p:to>
+                                    </p:set>
+                                  </p:childTnLst>
+                                </p:cTn>
+                              </p:par>
+                              <p:par>
+                                <p:cTn id="9" presetID="1" presetClass="entr" presetSubtype="0" fill="hold" nodeType="withEffect">
+                                  <p:stCondLst>
+                                    <p:cond delay="0"/>
+                                  </p:stCondLst>
+                                  <p:childTnLst>
+                                    <p:set>
+                                      <p:cBhvr>
+                                        <p:cTn id="10" dur="1" fill="hold">
+                                          <p:stCondLst>
+                                            <p:cond delay="0"/>
+                                          </p:stCondLst>
+                                        </p:cTn>
+                                        <p:tgtEl>
+                                          <p:spTgt spid="3">
+                                            <p:txEl>
+                                              <p:pRg st="2" end="2"/>
+                                            </p:txEl>
+                                          </p:spTgt>
+                                        </p:tgtEl>
+                                        <p:attrNameLst>
+                                          <p:attrName>style.visibility</p:attrName>
+                                        </p:attrNameLst>
+                                      </p:cBhvr>
+                                      <p:to>
+                                        <p:strVal val="visible"/>
+                                      </p:to>
+                                    </p:set>
+                                  </p:childTnLst>
+                                </p:cTn>
+                              </p:par>
+                              <p:par>
+                                <p:cTn id="11" presetID="1" presetClass="entr" presetSubtype="0" fill="hold" nodeType="withEffect">
+                                  <p:stCondLst>
+                                    <p:cond delay="0"/>
+                                  </p:stCondLst>
+                                  <p:childTnLst>
+                                    <p:set>
+                                      <p:cBhvr>
+                                        <p:cTn id="12" dur="1" fill="hold">
+                                          <p:stCondLst>
+                                            <p:cond delay="0"/>
+                                          </p:stCondLst>
+                                        </p:cTn>
+                                        <p:tgtEl>
+                                          <p:spTgt spid="3">
+                                            <p:txEl>
+                                              <p:pRg st="3" end="3"/>
+                                            </p:txEl>
+                                          </p:spTgt>
+                                        </p:tgtEl>
+                                        <p:attrNameLst>
+                                          <p:attrName>style.visibility</p:attrName>
+                                        </p:attrNameLst>
+                                      </p:cBhvr>
+                                      <p:to>
+                                        <p:strVal val="visible"/>
+                                      </p:to>
+                                    </p:set>
+                                  </p:childTnLst>
+                                </p:cTn>
+                              </p:par>
+                              <p:par>
+                                <p:cTn id="13" presetID="1" presetClass="entr" presetSubtype="0" fill="hold" nodeType="withEffect">
+                                  <p:stCondLst>
+                                    <p:cond delay="0"/>
+                                  </p:stCondLst>
+                                  <p:childTnLst>
+                                    <p:set>
+                                      <p:cBhvr>
+                                        <p:cTn id="14" dur="1" fill="hold">
+                                          <p:stCondLst>
+                                            <p:cond delay="0"/>
+                                          </p:stCondLst>
+                                        </p:cTn>
+                                        <p:tgtEl>
+                                          <p:spTgt spid="3">
+                                            <p:txEl>
+                                              <p:pRg st="4" end="4"/>
+                                            </p:txEl>
+                                          </p:spTgt>
+                                        </p:tgtEl>
+                                        <p:attrNameLst>
+                                          <p:attrName>style.visibility</p:attrName>
+                                        </p:attrNameLst>
+                                      </p:cBhvr>
+                                      <p:to>
+                                        <p:strVal val="visible"/>
+                                      </p:to>
+                                    </p:set>
+                                  </p:childTnLst>
+                                </p:cTn>
+                              </p:par>
+                              <p:par>
+                                <p:cTn id="15" presetID="1" presetClass="entr" presetSubtype="0" fill="hold" nodeType="withEffect">
+                                  <p:stCondLst>
+                                    <p:cond delay="0"/>
+                                  </p:stCondLst>
+                                  <p:childTnLst>
+                                    <p:set>
+                                      <p:cBhvr>
+                                        <p:cTn id="16" dur="1" fill="hold">
+                                          <p:stCondLst>
+                                            <p:cond delay="0"/>
+                                          </p:stCondLst>
+                                        </p:cTn>
+                                        <p:tgtEl>
+                                          <p:spTgt spid="3">
+                                            <p:txEl>
+                                              <p:pRg st="5" end="5"/>
+                                            </p:txEl>
+                                          </p:spTgt>
+                                        </p:tgtEl>
+                                        <p:attrNameLst>
+                                          <p:attrName>style.visibility</p:attrName>
+                                        </p:attrNameLst>
+                                      </p:cBhvr>
+                                      <p:to>
+                                        <p:strVal val="visible"/>
+                                      </p:to>
+                                    </p:set>
+                                  </p:childTnLst>
+                                </p:cTn>
+                              </p:par>
+                              <p:par>
+                                <p:cTn id="17" presetID="1" presetClass="entr" presetSubtype="0" fill="hold" nodeType="withEffect">
+                                  <p:stCondLst>
+                                    <p:cond delay="0"/>
+                                  </p:stCondLst>
+                                  <p:childTnLst>
+                                    <p:set>
+                                      <p:cBhvr>
+                                        <p:cTn id="18" dur="1" fill="hold">
+                                          <p:stCondLst>
+                                            <p:cond delay="0"/>
+                                          </p:stCondLst>
+                                        </p:cTn>
+                                        <p:tgtEl>
+                                          <p:spTgt spid="3">
+                                            <p:txEl>
+                                              <p:pRg st="6" end="6"/>
+                                            </p:txEl>
+                                          </p:spTgt>
+                                        </p:tgtEl>
+                                        <p:attrNameLst>
+                                          <p:attrName>style.visibility</p:attrName>
+                                        </p:attrNameLst>
+                                      </p:cBhvr>
+                                      <p:to>
+                                        <p:strVal val="visible"/>
+                                      </p:to>
+                                    </p:set>
+                                  </p:childTnLst>
+                                </p:cTn>
+                              </p:par>
+                            </p:childTnLst>
+                          </p:cTn>
+                        </p:par>
+                      </p:childTnLst>
+                    </p:cTn>
+                  </p:par>
+                </p:childTnLst>
+              </p:cTn>
+              <p:prevCondLst>
+                <p:cond evt="onPrev" delay="0">
+                  <p:tgtEl>
+                    <p:sldTgt/>
+                  </p:tgtEl>
+                </p:cond>
+              </p:prevCondLst>
+              <p:nextCondLst>
+                <p:cond evt="onNext" delay="0">
+                  <p:tgtEl>
+                    <p:sldTgt/>
+                  </p:tgtEl>
+                </p:cond>
+              </p:nextCondLst>
+            </p:seq>
+          </p:childTnLst>
+        </p:cTn>
+      </p:par>
+    </p:tnLst>
+  </p:timing>
+</p:sld>
+</file>
+
 <file path=ppt/slides/slide2.xml><?xml version="1.0" encoding="utf-8"?>
+<p:sld xmlns:a="http://schemas.openxmlformats.org/drawingml/2006/main" xmlns:r="http://schemas.openxmlformats.org/officeDocument/2006/relationships" xmlns:p="http://schemas.openxmlformats.org/presentationml/2006/main">
+  <p:cSld>
+    <p:spTree>
+      <p:nvGrpSpPr>
+        <p:cNvPr id="1" name=""/>
+        <p:cNvGrpSpPr/>
+        <p:nvPr/>
+      </p:nvGrpSpPr>
+      <p:grpSpPr>
+        <a:xfrm>
+          <a:off x="0" y="0"/>
+          <a:ext cx="0" cy="0"/>
+          <a:chOff x="0" y="0"/>
+          <a:chExt cx="0" cy="0"/>
+        </a:xfrm>
+      </p:grpSpPr>
+      <p:grpSp>
+        <p:nvGrpSpPr>
+          <p:cNvPr id="77" name="Group 76">
+            <a:extLst>
+              <a:ext uri="{FF2B5EF4-FFF2-40B4-BE49-F238E27FC236}">
+                <a16:creationId xmlns:a16="http://schemas.microsoft.com/office/drawing/2014/main" id="{DB1D22D3-5AEE-794A-82C0-D0D41F7B1DFA}"/>
+              </a:ext>
+            </a:extLst>
+          </p:cNvPr>
+          <p:cNvGrpSpPr/>
+          <p:nvPr/>
+        </p:nvGrpSpPr>
+        <p:grpSpPr>
+          <a:xfrm>
+            <a:off x="9122679" y="3002415"/>
+            <a:ext cx="2379873" cy="1833912"/>
+            <a:chOff x="2537460" y="1444323"/>
+            <a:chExt cx="2240280" cy="933120"/>
+          </a:xfrm>
+        </p:grpSpPr>
+        <p:sp>
+          <p:nvSpPr>
+            <p:cNvPr id="78" name="Rectangle 77">
+              <a:extLst>
+                <a:ext uri="{FF2B5EF4-FFF2-40B4-BE49-F238E27FC236}">
+                  <a16:creationId xmlns:a16="http://schemas.microsoft.com/office/drawing/2014/main" id="{159DF56E-FE57-404E-8806-D30513B2543D}"/>
+                </a:ext>
+              </a:extLst>
+            </p:cNvPr>
+            <p:cNvSpPr/>
+            <p:nvPr/>
+          </p:nvSpPr>
+          <p:spPr>
+            <a:xfrm>
+              <a:off x="2537460" y="1444323"/>
+              <a:ext cx="2240280" cy="390663"/>
+            </a:xfrm>
+            <a:prstGeom prst="rect">
+              <a:avLst/>
+            </a:prstGeom>
+          </p:spPr>
+          <p:style>
+            <a:lnRef idx="2">
+              <a:schemeClr val="accent1">
+                <a:shade val="50000"/>
+              </a:schemeClr>
+            </a:lnRef>
+            <a:fillRef idx="1">
+              <a:schemeClr val="accent1"/>
+            </a:fillRef>
+            <a:effectRef idx="0">
+              <a:schemeClr val="accent1"/>
+            </a:effectRef>
+            <a:fontRef idx="minor">
+              <a:schemeClr val="lt1"/>
+            </a:fontRef>
+          </p:style>
+          <p:txBody>
+            <a:bodyPr rtlCol="0" anchor="ctr"/>
+            <a:lstStyle/>
+            <a:p>
+              <a:pPr marL="0" marR="0" lvl="0" indent="0" algn="ctr" defTabSz="914400" rtl="0" eaLnBrk="1" fontAlgn="auto" latinLnBrk="0" hangingPunct="1">
+                <a:lnSpc>
+                  <a:spcPct val="100000"/>
+                </a:lnSpc>
+                <a:spcBef>
+                  <a:spcPts val="0"/>
+                </a:spcBef>
+                <a:spcAft>
+                  <a:spcPts val="0"/>
+                </a:spcAft>
+                <a:buClrTx/>
+                <a:buSzTx/>
+                <a:buFontTx/>
+                <a:buNone/>
+                <a:tabLst/>
+                <a:defRPr/>
+              </a:pPr>
+              <a:r>
+                <a:rPr kumimoji="0" lang="en-US" sz="2000" b="1" i="0" u="none" strike="noStrike" kern="1200" cap="none" spc="0" normalizeH="0" baseline="0" noProof="0" dirty="0">
+                  <a:ln>
+                    <a:noFill/>
+                  </a:ln>
+                  <a:solidFill>
+                    <a:srgbClr val="FFFFFF"/>
+                  </a:solidFill>
+                  <a:effectLst/>
+                  <a:uLnTx/>
+                  <a:uFillTx/>
+                  <a:latin typeface="Arial" panose="020B0604020202020204"/>
+                  <a:ea typeface="+mn-ea"/>
+                  <a:cs typeface="+mn-cs"/>
+                </a:rPr>
+                <a:t>Deployment</a:t>
+              </a:r>
+            </a:p>
+          </p:txBody>
+        </p:sp>
+        <p:sp>
+          <p:nvSpPr>
+            <p:cNvPr id="79" name="Rectangle 78">
+              <a:extLst>
+                <a:ext uri="{FF2B5EF4-FFF2-40B4-BE49-F238E27FC236}">
+                  <a16:creationId xmlns:a16="http://schemas.microsoft.com/office/drawing/2014/main" id="{CEEEEE2C-0977-EC4D-BEC7-365444A81747}"/>
+                </a:ext>
+              </a:extLst>
+            </p:cNvPr>
+            <p:cNvSpPr/>
+            <p:nvPr/>
+          </p:nvSpPr>
+          <p:spPr>
+            <a:xfrm>
+              <a:off x="2537460" y="1834987"/>
+              <a:ext cx="2240280" cy="542456"/>
+            </a:xfrm>
+            <a:prstGeom prst="rect">
+              <a:avLst/>
+            </a:prstGeom>
+            <a:solidFill>
+              <a:schemeClr val="bg1"/>
+            </a:solidFill>
+          </p:spPr>
+          <p:style>
+            <a:lnRef idx="2">
+              <a:schemeClr val="accent1">
+                <a:shade val="50000"/>
+              </a:schemeClr>
+            </a:lnRef>
+            <a:fillRef idx="1">
+              <a:schemeClr val="accent1"/>
+            </a:fillRef>
+            <a:effectRef idx="0">
+              <a:schemeClr val="accent1"/>
+            </a:effectRef>
+            <a:fontRef idx="minor">
+              <a:schemeClr val="lt1"/>
+            </a:fontRef>
+          </p:style>
+          <p:txBody>
+            <a:bodyPr rtlCol="0" anchor="ctr"/>
+            <a:lstStyle/>
+            <a:p>
+              <a:pPr marL="0" marR="0" lvl="0" indent="0" algn="ctr" defTabSz="914400" rtl="0" eaLnBrk="1" fontAlgn="auto" latinLnBrk="0" hangingPunct="1">
+                <a:lnSpc>
+                  <a:spcPct val="100000"/>
+                </a:lnSpc>
+                <a:spcBef>
+                  <a:spcPts val="0"/>
+                </a:spcBef>
+                <a:spcAft>
+                  <a:spcPts val="0"/>
+                </a:spcAft>
+                <a:buClrTx/>
+                <a:buSzTx/>
+                <a:buFontTx/>
+                <a:buNone/>
+                <a:tabLst/>
+                <a:defRPr/>
+              </a:pPr>
+              <a:r>
+                <a:rPr kumimoji="0" lang="en-US" sz="1600" b="0" i="0" u="none" strike="noStrike" kern="1200" cap="none" spc="0" normalizeH="0" baseline="0" noProof="0" dirty="0">
+                  <a:ln>
+                    <a:noFill/>
+                  </a:ln>
+                  <a:solidFill>
+                    <a:srgbClr val="D8D9D8">
+                      <a:lumMod val="75000"/>
+                    </a:srgbClr>
+                  </a:solidFill>
+                  <a:effectLst/>
+                  <a:uLnTx/>
+                  <a:uFillTx/>
+                  <a:latin typeface="Arial" panose="020B0604020202020204"/>
+                  <a:ea typeface="+mn-ea"/>
+                  <a:cs typeface="+mn-cs"/>
+                </a:rPr>
+                <a:t>Performance</a:t>
+              </a:r>
+            </a:p>
+            <a:p>
+              <a:pPr marL="0" marR="0" lvl="0" indent="0" algn="ctr" defTabSz="914400" rtl="0" eaLnBrk="1" fontAlgn="auto" latinLnBrk="0" hangingPunct="1">
+                <a:lnSpc>
+                  <a:spcPct val="100000"/>
+                </a:lnSpc>
+                <a:spcBef>
+                  <a:spcPts val="0"/>
+                </a:spcBef>
+                <a:spcAft>
+                  <a:spcPts val="0"/>
+                </a:spcAft>
+                <a:buClrTx/>
+                <a:buSzTx/>
+                <a:buFontTx/>
+                <a:buNone/>
+                <a:tabLst/>
+                <a:defRPr/>
+              </a:pPr>
+              <a:r>
+                <a:rPr kumimoji="0" lang="en-US" sz="1600" b="0" i="0" u="none" strike="noStrike" kern="1200" cap="none" spc="0" normalizeH="0" baseline="0" noProof="0" dirty="0">
+                  <a:ln>
+                    <a:noFill/>
+                  </a:ln>
+                  <a:solidFill>
+                    <a:srgbClr val="D8D9D8">
+                      <a:lumMod val="75000"/>
+                    </a:srgbClr>
+                  </a:solidFill>
+                  <a:effectLst/>
+                  <a:uLnTx/>
+                  <a:uFillTx/>
+                  <a:latin typeface="Arial" panose="020B0604020202020204"/>
+                  <a:ea typeface="+mn-ea"/>
+                  <a:cs typeface="+mn-cs"/>
+                </a:rPr>
+                <a:t>Evasion and attacks</a:t>
+              </a:r>
+            </a:p>
+            <a:p>
+              <a:pPr marL="0" marR="0" lvl="0" indent="0" algn="ctr" defTabSz="914400" rtl="0" eaLnBrk="1" fontAlgn="auto" latinLnBrk="0" hangingPunct="1">
+                <a:lnSpc>
+                  <a:spcPct val="100000"/>
+                </a:lnSpc>
+                <a:spcBef>
+                  <a:spcPts val="0"/>
+                </a:spcBef>
+                <a:spcAft>
+                  <a:spcPts val="0"/>
+                </a:spcAft>
+                <a:buClrTx/>
+                <a:buSzTx/>
+                <a:buFontTx/>
+                <a:buNone/>
+                <a:tabLst/>
+                <a:defRPr/>
+              </a:pPr>
+              <a:r>
+                <a:rPr kumimoji="0" lang="en-US" sz="1600" b="0" i="0" u="none" strike="noStrike" kern="1200" cap="none" spc="0" normalizeH="0" baseline="0" noProof="0" dirty="0">
+                  <a:ln>
+                    <a:noFill/>
+                  </a:ln>
+                  <a:solidFill>
+                    <a:srgbClr val="D8D9D8">
+                      <a:lumMod val="75000"/>
+                    </a:srgbClr>
+                  </a:solidFill>
+                  <a:effectLst/>
+                  <a:uLnTx/>
+                  <a:uFillTx/>
+                  <a:latin typeface="Arial" panose="020B0604020202020204"/>
+                  <a:ea typeface="+mn-ea"/>
+                  <a:cs typeface="+mn-cs"/>
+                </a:rPr>
+                <a:t>Model drift</a:t>
+              </a:r>
+            </a:p>
+            <a:p>
+              <a:pPr marL="0" marR="0" lvl="0" indent="0" algn="ctr" defTabSz="914400" rtl="0" eaLnBrk="1" fontAlgn="auto" latinLnBrk="0" hangingPunct="1">
+                <a:lnSpc>
+                  <a:spcPct val="100000"/>
+                </a:lnSpc>
+                <a:spcBef>
+                  <a:spcPts val="0"/>
+                </a:spcBef>
+                <a:spcAft>
+                  <a:spcPts val="0"/>
+                </a:spcAft>
+                <a:buClrTx/>
+                <a:buSzTx/>
+                <a:buFontTx/>
+                <a:buNone/>
+                <a:tabLst/>
+                <a:defRPr/>
+              </a:pPr>
+              <a:r>
+                <a:rPr kumimoji="0" lang="en-US" sz="1600" b="0" i="0" u="none" strike="noStrike" kern="1200" cap="none" spc="0" normalizeH="0" baseline="0" noProof="0" dirty="0">
+                  <a:ln>
+                    <a:noFill/>
+                  </a:ln>
+                  <a:solidFill>
+                    <a:srgbClr val="D8D9D8">
+                      <a:lumMod val="75000"/>
+                    </a:srgbClr>
+                  </a:solidFill>
+                  <a:effectLst/>
+                  <a:uLnTx/>
+                  <a:uFillTx/>
+                  <a:latin typeface="Arial" panose="020B0604020202020204"/>
+                  <a:ea typeface="+mn-ea"/>
+                  <a:cs typeface="+mn-cs"/>
+                </a:rPr>
+                <a:t>Impact on stakeholders</a:t>
+              </a:r>
+            </a:p>
+          </p:txBody>
+        </p:sp>
+      </p:grpSp>
+      <p:grpSp>
+        <p:nvGrpSpPr>
+          <p:cNvPr id="80" name="Group 79">
+            <a:extLst>
+              <a:ext uri="{FF2B5EF4-FFF2-40B4-BE49-F238E27FC236}">
+                <a16:creationId xmlns:a16="http://schemas.microsoft.com/office/drawing/2014/main" id="{547CE830-0AE7-DE42-92D2-A882C95A4293}"/>
+              </a:ext>
+            </a:extLst>
+          </p:cNvPr>
+          <p:cNvGrpSpPr/>
+          <p:nvPr/>
+        </p:nvGrpSpPr>
+        <p:grpSpPr>
+          <a:xfrm>
+            <a:off x="6174260" y="3019324"/>
+            <a:ext cx="2921916" cy="1837944"/>
+            <a:chOff x="6174260" y="3019324"/>
+            <a:chExt cx="2921916" cy="1837944"/>
+          </a:xfrm>
+        </p:grpSpPr>
+        <p:grpSp>
+          <p:nvGrpSpPr>
+            <p:cNvPr id="81" name="Group 80">
+              <a:extLst>
+                <a:ext uri="{FF2B5EF4-FFF2-40B4-BE49-F238E27FC236}">
+                  <a16:creationId xmlns:a16="http://schemas.microsoft.com/office/drawing/2014/main" id="{CF180C12-516B-044D-B995-07D8CF2CCC0A}"/>
+                </a:ext>
+              </a:extLst>
+            </p:cNvPr>
+            <p:cNvGrpSpPr/>
+            <p:nvPr/>
+          </p:nvGrpSpPr>
+          <p:grpSpPr>
+            <a:xfrm>
+              <a:off x="6174260" y="3019324"/>
+              <a:ext cx="2379873" cy="1837944"/>
+              <a:chOff x="2537460" y="1431001"/>
+              <a:chExt cx="2240280" cy="1347250"/>
+            </a:xfrm>
+          </p:grpSpPr>
+          <p:sp>
+            <p:nvSpPr>
+              <p:cNvPr id="83" name="Rectangle 82">
+                <a:extLst>
+                  <a:ext uri="{FF2B5EF4-FFF2-40B4-BE49-F238E27FC236}">
+                    <a16:creationId xmlns:a16="http://schemas.microsoft.com/office/drawing/2014/main" id="{DCFDDA26-FDF5-B24D-94FF-EB63828FC749}"/>
+                  </a:ext>
+                </a:extLst>
+              </p:cNvPr>
+              <p:cNvSpPr/>
+              <p:nvPr/>
+            </p:nvSpPr>
+            <p:spPr>
+              <a:xfrm>
+                <a:off x="2537460" y="1431001"/>
+                <a:ext cx="2240280" cy="557819"/>
+              </a:xfrm>
+              <a:prstGeom prst="rect">
+                <a:avLst/>
+              </a:prstGeom>
+            </p:spPr>
+            <p:style>
+              <a:lnRef idx="2">
+                <a:schemeClr val="accent1">
+                  <a:shade val="50000"/>
+                </a:schemeClr>
+              </a:lnRef>
+              <a:fillRef idx="1">
+                <a:schemeClr val="accent1"/>
+              </a:fillRef>
+              <a:effectRef idx="0">
+                <a:schemeClr val="accent1"/>
+              </a:effectRef>
+              <a:fontRef idx="minor">
+                <a:schemeClr val="lt1"/>
+              </a:fontRef>
+            </p:style>
+            <p:txBody>
+              <a:bodyPr rtlCol="0" anchor="ctr"/>
+              <a:lstStyle/>
+              <a:p>
+                <a:pPr marL="0" marR="0" lvl="0" indent="0" algn="ctr" defTabSz="914400" rtl="0" eaLnBrk="1" fontAlgn="auto" latinLnBrk="0" hangingPunct="1">
+                  <a:lnSpc>
+                    <a:spcPct val="100000"/>
+                  </a:lnSpc>
+                  <a:spcBef>
+                    <a:spcPts val="0"/>
+                  </a:spcBef>
+                  <a:spcAft>
+                    <a:spcPts val="0"/>
+                  </a:spcAft>
+                  <a:buClrTx/>
+                  <a:buSzTx/>
+                  <a:buFontTx/>
+                  <a:buNone/>
+                  <a:tabLst/>
+                  <a:defRPr/>
+                </a:pPr>
+                <a:r>
+                  <a:rPr kumimoji="0" lang="en-US" sz="2000" b="1" i="0" u="none" strike="noStrike" kern="1200" cap="none" spc="0" normalizeH="0" baseline="0" noProof="0" dirty="0">
+                    <a:ln>
+                      <a:noFill/>
+                    </a:ln>
+                    <a:solidFill>
+                      <a:srgbClr val="FFFFFF"/>
+                    </a:solidFill>
+                    <a:effectLst/>
+                    <a:uLnTx/>
+                    <a:uFillTx/>
+                    <a:latin typeface="Arial" panose="020B0604020202020204"/>
+                    <a:ea typeface="+mn-ea"/>
+                    <a:cs typeface="+mn-cs"/>
+                  </a:rPr>
+                  <a:t>Modeling</a:t>
+                </a:r>
+              </a:p>
+            </p:txBody>
+          </p:sp>
+          <p:sp>
+            <p:nvSpPr>
+              <p:cNvPr id="84" name="Rectangle 83">
+                <a:extLst>
+                  <a:ext uri="{FF2B5EF4-FFF2-40B4-BE49-F238E27FC236}">
+                    <a16:creationId xmlns:a16="http://schemas.microsoft.com/office/drawing/2014/main" id="{8865AEB1-5E0A-4D4C-B98B-F3743B7C855F}"/>
+                  </a:ext>
+                </a:extLst>
+              </p:cNvPr>
+              <p:cNvSpPr/>
+              <p:nvPr/>
+            </p:nvSpPr>
+            <p:spPr>
+              <a:xfrm>
+                <a:off x="2537460" y="1988821"/>
+                <a:ext cx="2240280" cy="789430"/>
+              </a:xfrm>
+              <a:prstGeom prst="rect">
+                <a:avLst/>
+              </a:prstGeom>
+              <a:solidFill>
+                <a:schemeClr val="bg1"/>
+              </a:solidFill>
+            </p:spPr>
+            <p:style>
+              <a:lnRef idx="2">
+                <a:schemeClr val="accent1">
+                  <a:shade val="50000"/>
+                </a:schemeClr>
+              </a:lnRef>
+              <a:fillRef idx="1">
+                <a:schemeClr val="accent1"/>
+              </a:fillRef>
+              <a:effectRef idx="0">
+                <a:schemeClr val="accent1"/>
+              </a:effectRef>
+              <a:fontRef idx="minor">
+                <a:schemeClr val="lt1"/>
+              </a:fontRef>
+            </p:style>
+            <p:txBody>
+              <a:bodyPr rtlCol="0" anchor="ctr"/>
+              <a:lstStyle/>
+              <a:p>
+                <a:pPr marL="0" marR="0" lvl="0" indent="0" algn="ctr" defTabSz="914400" rtl="0" eaLnBrk="1" fontAlgn="auto" latinLnBrk="0" hangingPunct="1">
+                  <a:lnSpc>
+                    <a:spcPct val="100000"/>
+                  </a:lnSpc>
+                  <a:spcBef>
+                    <a:spcPts val="0"/>
+                  </a:spcBef>
+                  <a:spcAft>
+                    <a:spcPts val="0"/>
+                  </a:spcAft>
+                  <a:buClrTx/>
+                  <a:buSzTx/>
+                  <a:buFontTx/>
+                  <a:buNone/>
+                  <a:tabLst/>
+                  <a:defRPr/>
+                </a:pPr>
+                <a:r>
+                  <a:rPr kumimoji="0" lang="en-US" sz="1600" b="0" i="0" u="none" strike="noStrike" kern="1200" cap="none" spc="0" normalizeH="0" baseline="0" noProof="0" dirty="0">
+                    <a:ln>
+                      <a:noFill/>
+                    </a:ln>
+                    <a:solidFill>
+                      <a:srgbClr val="D8D9D8">
+                        <a:lumMod val="75000"/>
+                      </a:srgbClr>
+                    </a:solidFill>
+                    <a:effectLst/>
+                    <a:uLnTx/>
+                    <a:uFillTx/>
+                    <a:latin typeface="Arial" panose="020B0604020202020204"/>
+                    <a:ea typeface="+mn-ea"/>
+                    <a:cs typeface="+mn-cs"/>
+                  </a:rPr>
+                  <a:t>Efficiency</a:t>
+                </a:r>
+              </a:p>
+              <a:p>
+                <a:pPr marL="0" marR="0" lvl="0" indent="0" algn="ctr" defTabSz="914400" rtl="0" eaLnBrk="1" fontAlgn="auto" latinLnBrk="0" hangingPunct="1">
+                  <a:lnSpc>
+                    <a:spcPct val="100000"/>
+                  </a:lnSpc>
+                  <a:spcBef>
+                    <a:spcPts val="0"/>
+                  </a:spcBef>
+                  <a:spcAft>
+                    <a:spcPts val="0"/>
+                  </a:spcAft>
+                  <a:buClrTx/>
+                  <a:buSzTx/>
+                  <a:buFontTx/>
+                  <a:buNone/>
+                  <a:tabLst/>
+                  <a:defRPr/>
+                </a:pPr>
+                <a:r>
+                  <a:rPr kumimoji="0" lang="en-US" sz="1600" b="0" i="0" u="none" strike="noStrike" kern="1200" cap="none" spc="0" normalizeH="0" baseline="0" noProof="0" dirty="0">
+                    <a:ln>
+                      <a:noFill/>
+                    </a:ln>
+                    <a:solidFill>
+                      <a:srgbClr val="D8D9D8">
+                        <a:lumMod val="75000"/>
+                      </a:srgbClr>
+                    </a:solidFill>
+                    <a:effectLst/>
+                    <a:uLnTx/>
+                    <a:uFillTx/>
+                    <a:latin typeface="Arial" panose="020B0604020202020204"/>
+                    <a:ea typeface="+mn-ea"/>
+                    <a:cs typeface="+mn-cs"/>
+                  </a:rPr>
+                  <a:t>Accuracy</a:t>
+                </a:r>
+              </a:p>
+              <a:p>
+                <a:pPr marL="0" marR="0" lvl="0" indent="0" algn="ctr" defTabSz="914400" rtl="0" eaLnBrk="1" fontAlgn="auto" latinLnBrk="0" hangingPunct="1">
+                  <a:lnSpc>
+                    <a:spcPct val="100000"/>
+                  </a:lnSpc>
+                  <a:spcBef>
+                    <a:spcPts val="0"/>
+                  </a:spcBef>
+                  <a:spcAft>
+                    <a:spcPts val="0"/>
+                  </a:spcAft>
+                  <a:buClrTx/>
+                  <a:buSzTx/>
+                  <a:buFontTx/>
+                  <a:buNone/>
+                  <a:tabLst/>
+                  <a:defRPr/>
+                </a:pPr>
+                <a:r>
+                  <a:rPr kumimoji="0" lang="en-US" sz="1600" b="0" i="0" u="none" strike="noStrike" kern="1200" cap="none" spc="0" normalizeH="0" baseline="0" noProof="0" dirty="0">
+                    <a:ln>
+                      <a:noFill/>
+                    </a:ln>
+                    <a:solidFill>
+                      <a:srgbClr val="D8D9D8">
+                        <a:lumMod val="75000"/>
+                      </a:srgbClr>
+                    </a:solidFill>
+                    <a:effectLst/>
+                    <a:uLnTx/>
+                    <a:uFillTx/>
+                    <a:latin typeface="Arial" panose="020B0604020202020204"/>
+                    <a:ea typeface="+mn-ea"/>
+                    <a:cs typeface="+mn-cs"/>
+                  </a:rPr>
+                  <a:t>Interpretability</a:t>
+                </a:r>
+              </a:p>
+              <a:p>
+                <a:pPr marL="0" marR="0" lvl="0" indent="0" algn="ctr" defTabSz="914400" rtl="0" eaLnBrk="1" fontAlgn="auto" latinLnBrk="0" hangingPunct="1">
+                  <a:lnSpc>
+                    <a:spcPct val="100000"/>
+                  </a:lnSpc>
+                  <a:spcBef>
+                    <a:spcPts val="0"/>
+                  </a:spcBef>
+                  <a:spcAft>
+                    <a:spcPts val="0"/>
+                  </a:spcAft>
+                  <a:buClrTx/>
+                  <a:buSzTx/>
+                  <a:buFontTx/>
+                  <a:buNone/>
+                  <a:tabLst/>
+                  <a:defRPr/>
+                </a:pPr>
+                <a:r>
+                  <a:rPr kumimoji="0" lang="en-US" sz="1600" b="0" i="0" u="none" strike="noStrike" kern="1200" cap="none" spc="0" normalizeH="0" baseline="0" noProof="0" dirty="0">
+                    <a:ln>
+                      <a:noFill/>
+                    </a:ln>
+                    <a:solidFill>
+                      <a:srgbClr val="D8D9D8">
+                        <a:lumMod val="75000"/>
+                      </a:srgbClr>
+                    </a:solidFill>
+                    <a:effectLst/>
+                    <a:uLnTx/>
+                    <a:uFillTx/>
+                    <a:latin typeface="Arial" panose="020B0604020202020204"/>
+                    <a:ea typeface="+mn-ea"/>
+                    <a:cs typeface="+mn-cs"/>
+                  </a:rPr>
+                  <a:t>Adversarial resistance</a:t>
+                </a:r>
+              </a:p>
+            </p:txBody>
+          </p:sp>
+        </p:grpSp>
+        <p:sp>
+          <p:nvSpPr>
+            <p:cNvPr id="82" name="Right Arrow 81">
+              <a:extLst>
+                <a:ext uri="{FF2B5EF4-FFF2-40B4-BE49-F238E27FC236}">
+                  <a16:creationId xmlns:a16="http://schemas.microsoft.com/office/drawing/2014/main" id="{7529465F-E85B-3349-B4DA-A88F90BE5EB0}"/>
+                </a:ext>
+              </a:extLst>
+            </p:cNvPr>
+            <p:cNvSpPr/>
+            <p:nvPr/>
+          </p:nvSpPr>
+          <p:spPr>
+            <a:xfrm>
+              <a:off x="8771482" y="3831748"/>
+              <a:ext cx="324694" cy="292608"/>
+            </a:xfrm>
+            <a:prstGeom prst="rightArrow">
+              <a:avLst/>
+            </a:prstGeom>
+          </p:spPr>
+          <p:style>
+            <a:lnRef idx="2">
+              <a:schemeClr val="accent1">
+                <a:shade val="50000"/>
+              </a:schemeClr>
+            </a:lnRef>
+            <a:fillRef idx="1">
+              <a:schemeClr val="accent1"/>
+            </a:fillRef>
+            <a:effectRef idx="0">
+              <a:schemeClr val="accent1"/>
+            </a:effectRef>
+            <a:fontRef idx="minor">
+              <a:schemeClr val="lt1"/>
+            </a:fontRef>
+          </p:style>
+          <p:txBody>
+            <a:bodyPr rtlCol="0" anchor="ctr"/>
+            <a:lstStyle/>
+            <a:p>
+              <a:pPr marL="0" marR="0" lvl="0" indent="0" algn="ctr" defTabSz="914400" rtl="0" eaLnBrk="1" fontAlgn="auto" latinLnBrk="0" hangingPunct="1">
+                <a:lnSpc>
+                  <a:spcPct val="100000"/>
+                </a:lnSpc>
+                <a:spcBef>
+                  <a:spcPts val="0"/>
+                </a:spcBef>
+                <a:spcAft>
+                  <a:spcPts val="0"/>
+                </a:spcAft>
+                <a:buClrTx/>
+                <a:buSzTx/>
+                <a:buFontTx/>
+                <a:buNone/>
+                <a:tabLst/>
+                <a:defRPr/>
+              </a:pPr>
+              <a:endParaRPr kumimoji="0" lang="en-US" sz="1800" b="0" i="0" u="none" strike="noStrike" kern="1200" cap="none" spc="0" normalizeH="0" baseline="0" noProof="0">
+                <a:ln>
+                  <a:noFill/>
+                </a:ln>
+                <a:solidFill>
+                  <a:srgbClr val="FFFFFF"/>
+                </a:solidFill>
+                <a:effectLst/>
+                <a:uLnTx/>
+                <a:uFillTx/>
+                <a:latin typeface="Arial" panose="020B0604020202020204"/>
+                <a:ea typeface="+mn-ea"/>
+                <a:cs typeface="+mn-cs"/>
+              </a:endParaRPr>
+            </a:p>
+          </p:txBody>
+        </p:sp>
+      </p:grpSp>
+      <p:grpSp>
+        <p:nvGrpSpPr>
+          <p:cNvPr id="85" name="Group 84">
+            <a:extLst>
+              <a:ext uri="{FF2B5EF4-FFF2-40B4-BE49-F238E27FC236}">
+                <a16:creationId xmlns:a16="http://schemas.microsoft.com/office/drawing/2014/main" id="{6A190AC4-281E-D142-85A7-0EB42BD83FEC}"/>
+              </a:ext>
+            </a:extLst>
+          </p:cNvPr>
+          <p:cNvGrpSpPr/>
+          <p:nvPr/>
+        </p:nvGrpSpPr>
+        <p:grpSpPr>
+          <a:xfrm>
+            <a:off x="2119973" y="157291"/>
+            <a:ext cx="2823827" cy="1379266"/>
+            <a:chOff x="2119973" y="316759"/>
+            <a:chExt cx="2823827" cy="1833908"/>
+          </a:xfrm>
+        </p:grpSpPr>
+        <p:sp>
+          <p:nvSpPr>
+            <p:cNvPr id="86" name="Rectangle 85">
+              <a:extLst>
+                <a:ext uri="{FF2B5EF4-FFF2-40B4-BE49-F238E27FC236}">
+                  <a16:creationId xmlns:a16="http://schemas.microsoft.com/office/drawing/2014/main" id="{76246E91-D086-6648-96C3-70B2B82841FF}"/>
+                </a:ext>
+              </a:extLst>
+            </p:cNvPr>
+            <p:cNvSpPr/>
+            <p:nvPr/>
+          </p:nvSpPr>
+          <p:spPr>
+            <a:xfrm>
+              <a:off x="2119974" y="316759"/>
+              <a:ext cx="2823826" cy="747324"/>
+            </a:xfrm>
+            <a:prstGeom prst="rect">
+              <a:avLst/>
+            </a:prstGeom>
+            <a:solidFill>
+              <a:srgbClr val="002B3B"/>
+            </a:solidFill>
+          </p:spPr>
+          <p:style>
+            <a:lnRef idx="2">
+              <a:schemeClr val="accent1">
+                <a:shade val="50000"/>
+              </a:schemeClr>
+            </a:lnRef>
+            <a:fillRef idx="1">
+              <a:schemeClr val="accent1"/>
+            </a:fillRef>
+            <a:effectRef idx="0">
+              <a:schemeClr val="accent1"/>
+            </a:effectRef>
+            <a:fontRef idx="minor">
+              <a:schemeClr val="lt1"/>
+            </a:fontRef>
+          </p:style>
+          <p:txBody>
+            <a:bodyPr rtlCol="0" anchor="ctr"/>
+            <a:lstStyle/>
+            <a:p>
+              <a:pPr marL="0" marR="0" lvl="0" indent="0" algn="ctr" defTabSz="914400" rtl="0" eaLnBrk="1" fontAlgn="auto" latinLnBrk="0" hangingPunct="1">
+                <a:lnSpc>
+                  <a:spcPct val="100000"/>
+                </a:lnSpc>
+                <a:spcBef>
+                  <a:spcPts val="0"/>
+                </a:spcBef>
+                <a:spcAft>
+                  <a:spcPts val="0"/>
+                </a:spcAft>
+                <a:buClrTx/>
+                <a:buSzTx/>
+                <a:buFontTx/>
+                <a:buNone/>
+                <a:tabLst/>
+                <a:defRPr/>
+              </a:pPr>
+              <a:r>
+                <a:rPr kumimoji="0" lang="en-US" sz="2000" b="1" i="0" u="none" strike="noStrike" kern="1200" cap="none" spc="0" normalizeH="0" baseline="0" noProof="0" dirty="0">
+                  <a:ln>
+                    <a:noFill/>
+                  </a:ln>
+                  <a:solidFill>
+                    <a:srgbClr val="FFFFFF"/>
+                  </a:solidFill>
+                  <a:effectLst/>
+                  <a:uLnTx/>
+                  <a:uFillTx/>
+                  <a:latin typeface="Arial" panose="020B0604020202020204"/>
+                  <a:ea typeface="+mn-ea"/>
+                  <a:cs typeface="+mn-cs"/>
+                </a:rPr>
+                <a:t>Adversaries</a:t>
+              </a:r>
+            </a:p>
+          </p:txBody>
+        </p:sp>
+        <p:sp>
+          <p:nvSpPr>
+            <p:cNvPr id="87" name="Rectangle 86">
+              <a:extLst>
+                <a:ext uri="{FF2B5EF4-FFF2-40B4-BE49-F238E27FC236}">
+                  <a16:creationId xmlns:a16="http://schemas.microsoft.com/office/drawing/2014/main" id="{95C43885-E05D-8642-A476-796414EB713D}"/>
+                </a:ext>
+              </a:extLst>
+            </p:cNvPr>
+            <p:cNvSpPr/>
+            <p:nvPr/>
+          </p:nvSpPr>
+          <p:spPr>
+            <a:xfrm>
+              <a:off x="2119973" y="1064082"/>
+              <a:ext cx="2823826" cy="1086585"/>
+            </a:xfrm>
+            <a:prstGeom prst="rect">
+              <a:avLst/>
+            </a:prstGeom>
+            <a:solidFill>
+              <a:schemeClr val="bg1"/>
+            </a:solidFill>
+          </p:spPr>
+          <p:style>
+            <a:lnRef idx="2">
+              <a:schemeClr val="accent1">
+                <a:shade val="50000"/>
+              </a:schemeClr>
+            </a:lnRef>
+            <a:fillRef idx="1">
+              <a:schemeClr val="accent1"/>
+            </a:fillRef>
+            <a:effectRef idx="0">
+              <a:schemeClr val="accent1"/>
+            </a:effectRef>
+            <a:fontRef idx="minor">
+              <a:schemeClr val="lt1"/>
+            </a:fontRef>
+          </p:style>
+          <p:txBody>
+            <a:bodyPr rtlCol="0" anchor="ctr"/>
+            <a:lstStyle/>
+            <a:p>
+              <a:pPr marL="0" marR="0" lvl="0" indent="0" algn="ctr" defTabSz="914400" rtl="0" eaLnBrk="1" fontAlgn="auto" latinLnBrk="0" hangingPunct="1">
+                <a:lnSpc>
+                  <a:spcPct val="100000"/>
+                </a:lnSpc>
+                <a:spcBef>
+                  <a:spcPts val="0"/>
+                </a:spcBef>
+                <a:spcAft>
+                  <a:spcPts val="0"/>
+                </a:spcAft>
+                <a:buClrTx/>
+                <a:buSzTx/>
+                <a:buFontTx/>
+                <a:buNone/>
+                <a:tabLst/>
+                <a:defRPr/>
+              </a:pPr>
+              <a:r>
+                <a:rPr kumimoji="0" lang="en-US" sz="1600" b="0" i="0" u="none" strike="noStrike" kern="1200" cap="none" spc="0" normalizeH="0" baseline="0" noProof="0" dirty="0">
+                  <a:ln>
+                    <a:noFill/>
+                  </a:ln>
+                  <a:solidFill>
+                    <a:srgbClr val="D8D9D8">
+                      <a:lumMod val="75000"/>
+                    </a:srgbClr>
+                  </a:solidFill>
+                  <a:effectLst/>
+                  <a:uLnTx/>
+                  <a:uFillTx/>
+                  <a:latin typeface="Arial" panose="020B0604020202020204"/>
+                  <a:ea typeface="+mn-ea"/>
+                  <a:cs typeface="+mn-cs"/>
+                </a:rPr>
+                <a:t>Attacker’s goals</a:t>
+              </a:r>
+            </a:p>
+            <a:p>
+              <a:pPr marL="0" marR="0" lvl="0" indent="0" algn="ctr" defTabSz="914400" rtl="0" eaLnBrk="1" fontAlgn="auto" latinLnBrk="0" hangingPunct="1">
+                <a:lnSpc>
+                  <a:spcPct val="100000"/>
+                </a:lnSpc>
+                <a:spcBef>
+                  <a:spcPts val="0"/>
+                </a:spcBef>
+                <a:spcAft>
+                  <a:spcPts val="0"/>
+                </a:spcAft>
+                <a:buClrTx/>
+                <a:buSzTx/>
+                <a:buFontTx/>
+                <a:buNone/>
+                <a:tabLst/>
+                <a:defRPr/>
+              </a:pPr>
+              <a:r>
+                <a:rPr kumimoji="0" lang="en-US" sz="1600" b="0" i="0" u="none" strike="noStrike" kern="1200" cap="none" spc="0" normalizeH="0" baseline="0" noProof="0" dirty="0">
+                  <a:ln>
+                    <a:noFill/>
+                  </a:ln>
+                  <a:solidFill>
+                    <a:srgbClr val="D8D9D8">
+                      <a:lumMod val="75000"/>
+                    </a:srgbClr>
+                  </a:solidFill>
+                  <a:effectLst/>
+                  <a:uLnTx/>
+                  <a:uFillTx/>
+                  <a:latin typeface="Arial" panose="020B0604020202020204"/>
+                  <a:ea typeface="+mn-ea"/>
+                  <a:cs typeface="+mn-cs"/>
+                </a:rPr>
+                <a:t>Attacker’s capabilities</a:t>
+              </a:r>
+            </a:p>
+            <a:p>
+              <a:pPr marL="0" marR="0" lvl="0" indent="0" algn="ctr" defTabSz="914400" rtl="0" eaLnBrk="1" fontAlgn="auto" latinLnBrk="0" hangingPunct="1">
+                <a:lnSpc>
+                  <a:spcPct val="100000"/>
+                </a:lnSpc>
+                <a:spcBef>
+                  <a:spcPts val="0"/>
+                </a:spcBef>
+                <a:spcAft>
+                  <a:spcPts val="0"/>
+                </a:spcAft>
+                <a:buClrTx/>
+                <a:buSzTx/>
+                <a:buFontTx/>
+                <a:buNone/>
+                <a:tabLst/>
+                <a:defRPr/>
+              </a:pPr>
+              <a:r>
+                <a:rPr kumimoji="0" lang="en-US" sz="1600" b="0" i="0" u="none" strike="noStrike" kern="1200" cap="none" spc="0" normalizeH="0" baseline="0" noProof="0" dirty="0">
+                  <a:ln>
+                    <a:noFill/>
+                  </a:ln>
+                  <a:solidFill>
+                    <a:srgbClr val="D8D9D8">
+                      <a:lumMod val="75000"/>
+                    </a:srgbClr>
+                  </a:solidFill>
+                  <a:effectLst/>
+                  <a:uLnTx/>
+                  <a:uFillTx/>
+                  <a:latin typeface="Arial" panose="020B0604020202020204"/>
+                  <a:ea typeface="+mn-ea"/>
+                  <a:cs typeface="+mn-cs"/>
+                </a:rPr>
+                <a:t>Robustness of model/feature</a:t>
+              </a:r>
+            </a:p>
+          </p:txBody>
+        </p:sp>
+      </p:grpSp>
+      <p:grpSp>
+        <p:nvGrpSpPr>
+          <p:cNvPr id="88" name="Group 87">
+            <a:extLst>
+              <a:ext uri="{FF2B5EF4-FFF2-40B4-BE49-F238E27FC236}">
+                <a16:creationId xmlns:a16="http://schemas.microsoft.com/office/drawing/2014/main" id="{6B14134E-AF4E-2E4B-9F47-945123EF3318}"/>
+              </a:ext>
+            </a:extLst>
+          </p:cNvPr>
+          <p:cNvGrpSpPr/>
+          <p:nvPr/>
+        </p:nvGrpSpPr>
+        <p:grpSpPr>
+          <a:xfrm>
+            <a:off x="7413333" y="157291"/>
+            <a:ext cx="2823827" cy="1379266"/>
+            <a:chOff x="7413333" y="398039"/>
+            <a:chExt cx="2823827" cy="1833908"/>
+          </a:xfrm>
+        </p:grpSpPr>
+        <p:sp>
+          <p:nvSpPr>
+            <p:cNvPr id="89" name="Rectangle 88">
+              <a:extLst>
+                <a:ext uri="{FF2B5EF4-FFF2-40B4-BE49-F238E27FC236}">
+                  <a16:creationId xmlns:a16="http://schemas.microsoft.com/office/drawing/2014/main" id="{8AB25FFB-3797-D444-975A-94C1B00EB8A8}"/>
+                </a:ext>
+              </a:extLst>
+            </p:cNvPr>
+            <p:cNvSpPr/>
+            <p:nvPr/>
+          </p:nvSpPr>
+          <p:spPr>
+            <a:xfrm>
+              <a:off x="7413334" y="398039"/>
+              <a:ext cx="2823826" cy="747324"/>
+            </a:xfrm>
+            <a:prstGeom prst="rect">
+              <a:avLst/>
+            </a:prstGeom>
+            <a:solidFill>
+              <a:srgbClr val="002B3B"/>
+            </a:solidFill>
+          </p:spPr>
+          <p:style>
+            <a:lnRef idx="2">
+              <a:schemeClr val="accent1">
+                <a:shade val="50000"/>
+              </a:schemeClr>
+            </a:lnRef>
+            <a:fillRef idx="1">
+              <a:schemeClr val="accent1"/>
+            </a:fillRef>
+            <a:effectRef idx="0">
+              <a:schemeClr val="accent1"/>
+            </a:effectRef>
+            <a:fontRef idx="minor">
+              <a:schemeClr val="lt1"/>
+            </a:fontRef>
+          </p:style>
+          <p:txBody>
+            <a:bodyPr rtlCol="0" anchor="ctr"/>
+            <a:lstStyle/>
+            <a:p>
+              <a:pPr marL="0" marR="0" lvl="0" indent="0" algn="ctr" defTabSz="914400" rtl="0" eaLnBrk="1" fontAlgn="auto" latinLnBrk="0" hangingPunct="1">
+                <a:lnSpc>
+                  <a:spcPct val="100000"/>
+                </a:lnSpc>
+                <a:spcBef>
+                  <a:spcPts val="0"/>
+                </a:spcBef>
+                <a:spcAft>
+                  <a:spcPts val="0"/>
+                </a:spcAft>
+                <a:buClrTx/>
+                <a:buSzTx/>
+                <a:buFontTx/>
+                <a:buNone/>
+                <a:tabLst/>
+                <a:defRPr/>
+              </a:pPr>
+              <a:r>
+                <a:rPr kumimoji="0" lang="en-US" sz="2000" b="1" i="0" u="none" strike="noStrike" kern="1200" cap="none" spc="0" normalizeH="0" baseline="0" noProof="0" dirty="0">
+                  <a:ln>
+                    <a:noFill/>
+                  </a:ln>
+                  <a:solidFill>
+                    <a:srgbClr val="FFFFFF"/>
+                  </a:solidFill>
+                  <a:effectLst/>
+                  <a:uLnTx/>
+                  <a:uFillTx/>
+                  <a:latin typeface="Arial" panose="020B0604020202020204"/>
+                  <a:ea typeface="+mn-ea"/>
+                  <a:cs typeface="+mn-cs"/>
+                </a:rPr>
+                <a:t>Ethics</a:t>
+              </a:r>
+            </a:p>
+          </p:txBody>
+        </p:sp>
+        <p:sp>
+          <p:nvSpPr>
+            <p:cNvPr id="90" name="Rectangle 89">
+              <a:extLst>
+                <a:ext uri="{FF2B5EF4-FFF2-40B4-BE49-F238E27FC236}">
+                  <a16:creationId xmlns:a16="http://schemas.microsoft.com/office/drawing/2014/main" id="{FE1CA3BB-7A9C-F342-97ED-07D5D0D09BB6}"/>
+                </a:ext>
+              </a:extLst>
+            </p:cNvPr>
+            <p:cNvSpPr/>
+            <p:nvPr/>
+          </p:nvSpPr>
+          <p:spPr>
+            <a:xfrm>
+              <a:off x="7413333" y="1145362"/>
+              <a:ext cx="2823826" cy="1086585"/>
+            </a:xfrm>
+            <a:prstGeom prst="rect">
+              <a:avLst/>
+            </a:prstGeom>
+            <a:solidFill>
+              <a:schemeClr val="bg1"/>
+            </a:solidFill>
+          </p:spPr>
+          <p:style>
+            <a:lnRef idx="2">
+              <a:schemeClr val="accent1">
+                <a:shade val="50000"/>
+              </a:schemeClr>
+            </a:lnRef>
+            <a:fillRef idx="1">
+              <a:schemeClr val="accent1"/>
+            </a:fillRef>
+            <a:effectRef idx="0">
+              <a:schemeClr val="accent1"/>
+            </a:effectRef>
+            <a:fontRef idx="minor">
+              <a:schemeClr val="lt1"/>
+            </a:fontRef>
+          </p:style>
+          <p:txBody>
+            <a:bodyPr rtlCol="0" anchor="ctr"/>
+            <a:lstStyle/>
+            <a:p>
+              <a:pPr marL="0" marR="0" lvl="0" indent="0" algn="ctr" defTabSz="914400" rtl="0" eaLnBrk="1" fontAlgn="auto" latinLnBrk="0" hangingPunct="1">
+                <a:lnSpc>
+                  <a:spcPct val="100000"/>
+                </a:lnSpc>
+                <a:spcBef>
+                  <a:spcPts val="0"/>
+                </a:spcBef>
+                <a:spcAft>
+                  <a:spcPts val="0"/>
+                </a:spcAft>
+                <a:buClrTx/>
+                <a:buSzTx/>
+                <a:buFontTx/>
+                <a:buNone/>
+                <a:tabLst/>
+                <a:defRPr/>
+              </a:pPr>
+              <a:r>
+                <a:rPr kumimoji="0" lang="en-US" sz="1600" b="0" i="0" u="none" strike="noStrike" kern="1200" cap="none" spc="0" normalizeH="0" baseline="0" noProof="0" dirty="0">
+                  <a:ln>
+                    <a:noFill/>
+                  </a:ln>
+                  <a:solidFill>
+                    <a:srgbClr val="D8D9D8">
+                      <a:lumMod val="75000"/>
+                    </a:srgbClr>
+                  </a:solidFill>
+                  <a:effectLst/>
+                  <a:uLnTx/>
+                  <a:uFillTx/>
+                  <a:latin typeface="Arial" panose="020B0604020202020204"/>
+                  <a:ea typeface="+mn-ea"/>
+                  <a:cs typeface="+mn-cs"/>
+                </a:rPr>
+                <a:t>Privacy</a:t>
+              </a:r>
+            </a:p>
+            <a:p>
+              <a:pPr marL="0" marR="0" lvl="0" indent="0" algn="ctr" defTabSz="914400" rtl="0" eaLnBrk="1" fontAlgn="auto" latinLnBrk="0" hangingPunct="1">
+                <a:lnSpc>
+                  <a:spcPct val="100000"/>
+                </a:lnSpc>
+                <a:spcBef>
+                  <a:spcPts val="0"/>
+                </a:spcBef>
+                <a:spcAft>
+                  <a:spcPts val="0"/>
+                </a:spcAft>
+                <a:buClrTx/>
+                <a:buSzTx/>
+                <a:buFontTx/>
+                <a:buNone/>
+                <a:tabLst/>
+                <a:defRPr/>
+              </a:pPr>
+              <a:r>
+                <a:rPr kumimoji="0" lang="en-US" sz="1600" b="0" i="0" u="none" strike="noStrike" kern="1200" cap="none" spc="0" normalizeH="0" baseline="0" noProof="0" dirty="0">
+                  <a:ln>
+                    <a:noFill/>
+                  </a:ln>
+                  <a:solidFill>
+                    <a:srgbClr val="D8D9D8">
+                      <a:lumMod val="75000"/>
+                    </a:srgbClr>
+                  </a:solidFill>
+                  <a:effectLst/>
+                  <a:uLnTx/>
+                  <a:uFillTx/>
+                  <a:latin typeface="Arial" panose="020B0604020202020204"/>
+                  <a:ea typeface="+mn-ea"/>
+                  <a:cs typeface="+mn-cs"/>
+                </a:rPr>
+                <a:t>Fairness</a:t>
+              </a:r>
+            </a:p>
+            <a:p>
+              <a:pPr marL="0" marR="0" lvl="0" indent="0" algn="ctr" defTabSz="914400" rtl="0" eaLnBrk="1" fontAlgn="auto" latinLnBrk="0" hangingPunct="1">
+                <a:lnSpc>
+                  <a:spcPct val="100000"/>
+                </a:lnSpc>
+                <a:spcBef>
+                  <a:spcPts val="0"/>
+                </a:spcBef>
+                <a:spcAft>
+                  <a:spcPts val="0"/>
+                </a:spcAft>
+                <a:buClrTx/>
+                <a:buSzTx/>
+                <a:buFontTx/>
+                <a:buNone/>
+                <a:tabLst/>
+                <a:defRPr/>
+              </a:pPr>
+              <a:r>
+                <a:rPr kumimoji="0" lang="en-US" sz="1600" b="0" i="0" u="none" strike="noStrike" kern="1200" cap="none" spc="0" normalizeH="0" baseline="0" noProof="0" dirty="0">
+                  <a:ln>
+                    <a:noFill/>
+                  </a:ln>
+                  <a:solidFill>
+                    <a:srgbClr val="D8D9D8">
+                      <a:lumMod val="75000"/>
+                    </a:srgbClr>
+                  </a:solidFill>
+                  <a:effectLst/>
+                  <a:uLnTx/>
+                  <a:uFillTx/>
+                  <a:latin typeface="Arial" panose="020B0604020202020204"/>
+                  <a:ea typeface="+mn-ea"/>
+                  <a:cs typeface="+mn-cs"/>
+                </a:rPr>
+                <a:t>Transparency</a:t>
+              </a:r>
+            </a:p>
+          </p:txBody>
+        </p:sp>
+      </p:grpSp>
+      <p:sp>
+        <p:nvSpPr>
+          <p:cNvPr id="91" name="TextBox 90">
+            <a:extLst>
+              <a:ext uri="{FF2B5EF4-FFF2-40B4-BE49-F238E27FC236}">
+                <a16:creationId xmlns:a16="http://schemas.microsoft.com/office/drawing/2014/main" id="{78BA6C8E-4BE4-0147-A59D-1F298C038C84}"/>
+              </a:ext>
+            </a:extLst>
+          </p:cNvPr>
+          <p:cNvSpPr txBox="1"/>
+          <p:nvPr/>
+        </p:nvSpPr>
+        <p:spPr>
+          <a:xfrm>
+            <a:off x="8252821" y="1907624"/>
+            <a:ext cx="1133644" cy="369332"/>
+          </a:xfrm>
+          <a:prstGeom prst="rect">
+            <a:avLst/>
+          </a:prstGeom>
+          <a:noFill/>
+        </p:spPr>
+        <p:txBody>
+          <a:bodyPr wrap="none" rtlCol="0">
+            <a:spAutoFit/>
+          </a:bodyPr>
+          <a:lstStyle/>
+          <a:p>
+            <a:pPr marL="0" marR="0" lvl="0" indent="0" algn="l" defTabSz="914400" rtl="0" eaLnBrk="1" fontAlgn="auto" latinLnBrk="0" hangingPunct="1">
+              <a:lnSpc>
+                <a:spcPct val="100000"/>
+              </a:lnSpc>
+              <a:spcBef>
+                <a:spcPts val="0"/>
+              </a:spcBef>
+              <a:spcAft>
+                <a:spcPts val="0"/>
+              </a:spcAft>
+              <a:buClrTx/>
+              <a:buSzTx/>
+              <a:buFontTx/>
+              <a:buNone/>
+              <a:tabLst/>
+              <a:defRPr/>
+            </a:pPr>
+            <a:r>
+              <a:rPr kumimoji="0" lang="en-US" sz="1800" b="0" i="0" u="none" strike="noStrike" kern="1200" cap="none" spc="0" normalizeH="0" baseline="0" noProof="0" dirty="0">
+                <a:ln>
+                  <a:noFill/>
+                </a:ln>
+                <a:solidFill>
+                  <a:srgbClr val="000000"/>
+                </a:solidFill>
+                <a:effectLst/>
+                <a:uLnTx/>
+                <a:uFillTx/>
+                <a:latin typeface="Arial" panose="020B0604020202020204"/>
+                <a:ea typeface="+mn-ea"/>
+                <a:cs typeface="+mn-cs"/>
+              </a:rPr>
+              <a:t>Module 4</a:t>
+            </a:r>
+          </a:p>
+        </p:txBody>
+      </p:sp>
+      <p:sp>
+        <p:nvSpPr>
+          <p:cNvPr id="92" name="Right Brace 91">
+            <a:extLst>
+              <a:ext uri="{FF2B5EF4-FFF2-40B4-BE49-F238E27FC236}">
+                <a16:creationId xmlns:a16="http://schemas.microsoft.com/office/drawing/2014/main" id="{6D230133-D554-E14C-89AB-7A5F4D90B9DA}"/>
+              </a:ext>
+            </a:extLst>
+          </p:cNvPr>
+          <p:cNvSpPr/>
+          <p:nvPr/>
+        </p:nvSpPr>
+        <p:spPr>
+          <a:xfrm rot="5400000">
+            <a:off x="8677878" y="370022"/>
+            <a:ext cx="274320" cy="2743200"/>
+          </a:xfrm>
+          <a:prstGeom prst="rightBrace">
+            <a:avLst/>
+          </a:prstGeom>
+          <a:ln w="31750" cap="flat">
+            <a:miter lim="800000"/>
+          </a:ln>
+        </p:spPr>
+        <p:style>
+          <a:lnRef idx="1">
+            <a:schemeClr val="accent1"/>
+          </a:lnRef>
+          <a:fillRef idx="0">
+            <a:schemeClr val="accent1"/>
+          </a:fillRef>
+          <a:effectRef idx="0">
+            <a:schemeClr val="accent1"/>
+          </a:effectRef>
+          <a:fontRef idx="minor">
+            <a:schemeClr val="tx1"/>
+          </a:fontRef>
+        </p:style>
+        <p:txBody>
+          <a:bodyPr rtlCol="0" anchor="ctr"/>
+          <a:lstStyle/>
+          <a:p>
+            <a:pPr marL="0" marR="0" lvl="0" indent="0" algn="ctr" defTabSz="914400" rtl="0" eaLnBrk="1" fontAlgn="auto" latinLnBrk="0" hangingPunct="1">
+              <a:lnSpc>
+                <a:spcPct val="100000"/>
+              </a:lnSpc>
+              <a:spcBef>
+                <a:spcPts val="0"/>
+              </a:spcBef>
+              <a:spcAft>
+                <a:spcPts val="0"/>
+              </a:spcAft>
+              <a:buClrTx/>
+              <a:buSzTx/>
+              <a:buFontTx/>
+              <a:buNone/>
+              <a:tabLst/>
+              <a:defRPr/>
+            </a:pPr>
+            <a:endParaRPr kumimoji="0" lang="en-US" sz="1800" b="0" i="0" u="none" strike="noStrike" kern="1200" cap="none" spc="0" normalizeH="0" baseline="0" noProof="0">
+              <a:ln>
+                <a:noFill/>
+              </a:ln>
+              <a:solidFill>
+                <a:srgbClr val="000000"/>
+              </a:solidFill>
+              <a:effectLst/>
+              <a:uLnTx/>
+              <a:uFillTx/>
+              <a:latin typeface="Arial" panose="020B0604020202020204"/>
+              <a:ea typeface="+mn-ea"/>
+              <a:cs typeface="+mn-cs"/>
+            </a:endParaRPr>
+          </a:p>
+        </p:txBody>
+      </p:sp>
+      <p:sp>
+        <p:nvSpPr>
+          <p:cNvPr id="93" name="TextBox 92">
+            <a:extLst>
+              <a:ext uri="{FF2B5EF4-FFF2-40B4-BE49-F238E27FC236}">
+                <a16:creationId xmlns:a16="http://schemas.microsoft.com/office/drawing/2014/main" id="{844B2850-F1B8-A14F-ABA2-636346672794}"/>
+              </a:ext>
+            </a:extLst>
+          </p:cNvPr>
+          <p:cNvSpPr txBox="1"/>
+          <p:nvPr/>
+        </p:nvSpPr>
+        <p:spPr>
+          <a:xfrm>
+            <a:off x="2720032" y="1900999"/>
+            <a:ext cx="1633781" cy="369332"/>
+          </a:xfrm>
+          <a:prstGeom prst="rect">
+            <a:avLst/>
+          </a:prstGeom>
+          <a:noFill/>
+        </p:spPr>
+        <p:txBody>
+          <a:bodyPr wrap="none" rtlCol="0">
+            <a:spAutoFit/>
+          </a:bodyPr>
+          <a:lstStyle/>
+          <a:p>
+            <a:pPr marL="0" marR="0" lvl="0" indent="0" algn="l" defTabSz="914400" rtl="0" eaLnBrk="1" fontAlgn="auto" latinLnBrk="0" hangingPunct="1">
+              <a:lnSpc>
+                <a:spcPct val="100000"/>
+              </a:lnSpc>
+              <a:spcBef>
+                <a:spcPts val="0"/>
+              </a:spcBef>
+              <a:spcAft>
+                <a:spcPts val="0"/>
+              </a:spcAft>
+              <a:buClrTx/>
+              <a:buSzTx/>
+              <a:buFontTx/>
+              <a:buNone/>
+              <a:tabLst/>
+              <a:defRPr/>
+            </a:pPr>
+            <a:r>
+              <a:rPr kumimoji="0" lang="en-US" sz="1800" b="0" i="0" u="none" strike="noStrike" kern="1200" cap="none" spc="0" normalizeH="0" baseline="0" noProof="0" dirty="0">
+                <a:ln>
+                  <a:noFill/>
+                </a:ln>
+                <a:solidFill>
+                  <a:srgbClr val="000000"/>
+                </a:solidFill>
+                <a:effectLst/>
+                <a:uLnTx/>
+                <a:uFillTx/>
+                <a:latin typeface="Arial" panose="020B0604020202020204"/>
+                <a:ea typeface="+mn-ea"/>
+                <a:cs typeface="+mn-cs"/>
+              </a:rPr>
+              <a:t>Modules 2 – 4</a:t>
+            </a:r>
+          </a:p>
+        </p:txBody>
+      </p:sp>
+      <p:sp>
+        <p:nvSpPr>
+          <p:cNvPr id="94" name="Right Brace 93">
+            <a:extLst>
+              <a:ext uri="{FF2B5EF4-FFF2-40B4-BE49-F238E27FC236}">
+                <a16:creationId xmlns:a16="http://schemas.microsoft.com/office/drawing/2014/main" id="{A96CE794-0550-4841-A668-1E48C4800572}"/>
+              </a:ext>
+            </a:extLst>
+          </p:cNvPr>
+          <p:cNvSpPr/>
+          <p:nvPr/>
+        </p:nvSpPr>
+        <p:spPr>
+          <a:xfrm rot="5400000">
+            <a:off x="3396880" y="363397"/>
+            <a:ext cx="274320" cy="2743200"/>
+          </a:xfrm>
+          <a:prstGeom prst="rightBrace">
+            <a:avLst/>
+          </a:prstGeom>
+          <a:ln w="31750" cap="flat">
+            <a:miter lim="800000"/>
+          </a:ln>
+        </p:spPr>
+        <p:style>
+          <a:lnRef idx="1">
+            <a:schemeClr val="accent1"/>
+          </a:lnRef>
+          <a:fillRef idx="0">
+            <a:schemeClr val="accent1"/>
+          </a:fillRef>
+          <a:effectRef idx="0">
+            <a:schemeClr val="accent1"/>
+          </a:effectRef>
+          <a:fontRef idx="minor">
+            <a:schemeClr val="tx1"/>
+          </a:fontRef>
+        </p:style>
+        <p:txBody>
+          <a:bodyPr rtlCol="0" anchor="ctr"/>
+          <a:lstStyle/>
+          <a:p>
+            <a:pPr marL="0" marR="0" lvl="0" indent="0" algn="ctr" defTabSz="914400" rtl="0" eaLnBrk="1" fontAlgn="auto" latinLnBrk="0" hangingPunct="1">
+              <a:lnSpc>
+                <a:spcPct val="100000"/>
+              </a:lnSpc>
+              <a:spcBef>
+                <a:spcPts val="0"/>
+              </a:spcBef>
+              <a:spcAft>
+                <a:spcPts val="0"/>
+              </a:spcAft>
+              <a:buClrTx/>
+              <a:buSzTx/>
+              <a:buFontTx/>
+              <a:buNone/>
+              <a:tabLst/>
+              <a:defRPr/>
+            </a:pPr>
+            <a:endParaRPr kumimoji="0" lang="en-US" sz="1800" b="0" i="0" u="none" strike="noStrike" kern="1200" cap="none" spc="0" normalizeH="0" baseline="0" noProof="0">
+              <a:ln>
+                <a:noFill/>
+              </a:ln>
+              <a:solidFill>
+                <a:srgbClr val="000000"/>
+              </a:solidFill>
+              <a:effectLst/>
+              <a:uLnTx/>
+              <a:uFillTx/>
+              <a:latin typeface="Arial" panose="020B0604020202020204"/>
+              <a:ea typeface="+mn-ea"/>
+              <a:cs typeface="+mn-cs"/>
+            </a:endParaRPr>
+          </a:p>
+        </p:txBody>
+      </p:sp>
+      <p:sp>
+        <p:nvSpPr>
+          <p:cNvPr id="95" name="TextBox 94">
+            <a:extLst>
+              <a:ext uri="{FF2B5EF4-FFF2-40B4-BE49-F238E27FC236}">
+                <a16:creationId xmlns:a16="http://schemas.microsoft.com/office/drawing/2014/main" id="{CE1BA7C9-F2E1-B542-ACF4-5EE8B2A0B006}"/>
+              </a:ext>
+            </a:extLst>
+          </p:cNvPr>
+          <p:cNvSpPr txBox="1"/>
+          <p:nvPr/>
+        </p:nvSpPr>
+        <p:spPr>
+          <a:xfrm>
+            <a:off x="5317465" y="5214044"/>
+            <a:ext cx="1133644" cy="369332"/>
+          </a:xfrm>
+          <a:prstGeom prst="rect">
+            <a:avLst/>
+          </a:prstGeom>
+          <a:noFill/>
+        </p:spPr>
+        <p:txBody>
+          <a:bodyPr wrap="none" rtlCol="0">
+            <a:spAutoFit/>
+          </a:bodyPr>
+          <a:lstStyle/>
+          <a:p>
+            <a:pPr marL="0" marR="0" lvl="0" indent="0" algn="l" defTabSz="914400" rtl="0" eaLnBrk="1" fontAlgn="auto" latinLnBrk="0" hangingPunct="1">
+              <a:lnSpc>
+                <a:spcPct val="100000"/>
+              </a:lnSpc>
+              <a:spcBef>
+                <a:spcPts val="0"/>
+              </a:spcBef>
+              <a:spcAft>
+                <a:spcPts val="0"/>
+              </a:spcAft>
+              <a:buClrTx/>
+              <a:buSzTx/>
+              <a:buFontTx/>
+              <a:buNone/>
+              <a:tabLst/>
+              <a:defRPr/>
+            </a:pPr>
+            <a:r>
+              <a:rPr kumimoji="0" lang="en-US" sz="1800" b="0" i="0" u="none" strike="noStrike" kern="1200" cap="none" spc="0" normalizeH="0" baseline="0" noProof="0" dirty="0">
+                <a:ln>
+                  <a:noFill/>
+                </a:ln>
+                <a:solidFill>
+                  <a:srgbClr val="000000"/>
+                </a:solidFill>
+                <a:effectLst/>
+                <a:uLnTx/>
+                <a:uFillTx/>
+                <a:latin typeface="Arial" panose="020B0604020202020204"/>
+                <a:ea typeface="+mn-ea"/>
+                <a:cs typeface="+mn-cs"/>
+              </a:rPr>
+              <a:t>Module 3</a:t>
+            </a:r>
+          </a:p>
+        </p:txBody>
+      </p:sp>
+      <p:sp>
+        <p:nvSpPr>
+          <p:cNvPr id="96" name="Right Brace 95">
+            <a:extLst>
+              <a:ext uri="{FF2B5EF4-FFF2-40B4-BE49-F238E27FC236}">
+                <a16:creationId xmlns:a16="http://schemas.microsoft.com/office/drawing/2014/main" id="{4EEDDEBC-D338-6647-A00D-72D190971090}"/>
+              </a:ext>
+            </a:extLst>
+          </p:cNvPr>
+          <p:cNvSpPr/>
+          <p:nvPr/>
+        </p:nvSpPr>
+        <p:spPr>
+          <a:xfrm rot="5400000">
+            <a:off x="5748284" y="2409998"/>
+            <a:ext cx="274320" cy="5276088"/>
+          </a:xfrm>
+          <a:prstGeom prst="rightBrace">
+            <a:avLst/>
+          </a:prstGeom>
+          <a:ln w="31750" cap="flat">
+            <a:miter lim="800000"/>
+          </a:ln>
+        </p:spPr>
+        <p:style>
+          <a:lnRef idx="1">
+            <a:schemeClr val="accent1"/>
+          </a:lnRef>
+          <a:fillRef idx="0">
+            <a:schemeClr val="accent1"/>
+          </a:fillRef>
+          <a:effectRef idx="0">
+            <a:schemeClr val="accent1"/>
+          </a:effectRef>
+          <a:fontRef idx="minor">
+            <a:schemeClr val="tx1"/>
+          </a:fontRef>
+        </p:style>
+        <p:txBody>
+          <a:bodyPr rtlCol="0" anchor="ctr"/>
+          <a:lstStyle/>
+          <a:p>
+            <a:pPr marL="0" marR="0" lvl="0" indent="0" algn="ctr" defTabSz="914400" rtl="0" eaLnBrk="1" fontAlgn="auto" latinLnBrk="0" hangingPunct="1">
+              <a:lnSpc>
+                <a:spcPct val="100000"/>
+              </a:lnSpc>
+              <a:spcBef>
+                <a:spcPts val="0"/>
+              </a:spcBef>
+              <a:spcAft>
+                <a:spcPts val="0"/>
+              </a:spcAft>
+              <a:buClrTx/>
+              <a:buSzTx/>
+              <a:buFontTx/>
+              <a:buNone/>
+              <a:tabLst/>
+              <a:defRPr/>
+            </a:pPr>
+            <a:endParaRPr kumimoji="0" lang="en-US" sz="1800" b="0" i="0" u="none" strike="noStrike" kern="1200" cap="none" spc="0" normalizeH="0" baseline="0" noProof="0">
+              <a:ln>
+                <a:noFill/>
+              </a:ln>
+              <a:solidFill>
+                <a:srgbClr val="000000"/>
+              </a:solidFill>
+              <a:effectLst/>
+              <a:uLnTx/>
+              <a:uFillTx/>
+              <a:latin typeface="Arial" panose="020B0604020202020204"/>
+              <a:ea typeface="+mn-ea"/>
+              <a:cs typeface="+mn-cs"/>
+            </a:endParaRPr>
+          </a:p>
+        </p:txBody>
+      </p:sp>
+      <p:sp>
+        <p:nvSpPr>
+          <p:cNvPr id="97" name="Arrow: Bent 7">
+            <a:extLst>
+              <a:ext uri="{FF2B5EF4-FFF2-40B4-BE49-F238E27FC236}">
+                <a16:creationId xmlns:a16="http://schemas.microsoft.com/office/drawing/2014/main" id="{A36B21A3-F68E-4846-B1DD-1C4673398873}"/>
+              </a:ext>
+            </a:extLst>
+          </p:cNvPr>
+          <p:cNvSpPr/>
+          <p:nvPr/>
+        </p:nvSpPr>
+        <p:spPr>
+          <a:xfrm rot="5400000">
+            <a:off x="11074872" y="4349213"/>
+            <a:ext cx="1399032" cy="517170"/>
+          </a:xfrm>
+          <a:prstGeom prst="bentArrow">
+            <a:avLst/>
+          </a:prstGeom>
+        </p:spPr>
+        <p:style>
+          <a:lnRef idx="2">
+            <a:schemeClr val="accent1">
+              <a:shade val="50000"/>
+            </a:schemeClr>
+          </a:lnRef>
+          <a:fillRef idx="1">
+            <a:schemeClr val="accent1"/>
+          </a:fillRef>
+          <a:effectRef idx="0">
+            <a:schemeClr val="accent1"/>
+          </a:effectRef>
+          <a:fontRef idx="minor">
+            <a:schemeClr val="lt1"/>
+          </a:fontRef>
+        </p:style>
+        <p:txBody>
+          <a:bodyPr rtlCol="0" anchor="ctr"/>
+          <a:lstStyle/>
+          <a:p>
+            <a:pPr marL="0" marR="0" lvl="0" indent="0" algn="ctr" defTabSz="914400" rtl="0" eaLnBrk="1" fontAlgn="auto" latinLnBrk="0" hangingPunct="1">
+              <a:lnSpc>
+                <a:spcPct val="100000"/>
+              </a:lnSpc>
+              <a:spcBef>
+                <a:spcPts val="0"/>
+              </a:spcBef>
+              <a:spcAft>
+                <a:spcPts val="0"/>
+              </a:spcAft>
+              <a:buClrTx/>
+              <a:buSzTx/>
+              <a:buFontTx/>
+              <a:buNone/>
+              <a:tabLst/>
+              <a:defRPr/>
+            </a:pPr>
+            <a:endParaRPr kumimoji="0" lang="en-US" sz="1800" b="0" i="0" u="none" strike="noStrike" kern="1200" cap="none" spc="0" normalizeH="0" baseline="0" noProof="0">
+              <a:ln>
+                <a:noFill/>
+              </a:ln>
+              <a:solidFill>
+                <a:srgbClr val="000000"/>
+              </a:solidFill>
+              <a:effectLst/>
+              <a:uLnTx/>
+              <a:uFillTx/>
+              <a:latin typeface="Arial" panose="020B0604020202020204"/>
+              <a:ea typeface="+mn-ea"/>
+              <a:cs typeface="+mn-cs"/>
+            </a:endParaRPr>
+          </a:p>
+        </p:txBody>
+      </p:sp>
+      <p:sp>
+        <p:nvSpPr>
+          <p:cNvPr id="98" name="Arrow: Bent 56">
+            <a:extLst>
+              <a:ext uri="{FF2B5EF4-FFF2-40B4-BE49-F238E27FC236}">
+                <a16:creationId xmlns:a16="http://schemas.microsoft.com/office/drawing/2014/main" id="{70A4A42A-83E3-DA4E-85E2-0492BC52FD28}"/>
+              </a:ext>
+            </a:extLst>
+          </p:cNvPr>
+          <p:cNvSpPr/>
+          <p:nvPr/>
+        </p:nvSpPr>
+        <p:spPr>
+          <a:xfrm rot="10800000">
+            <a:off x="1909428" y="5393638"/>
+            <a:ext cx="10058400" cy="517170"/>
+          </a:xfrm>
+          <a:prstGeom prst="bentArrow">
+            <a:avLst/>
+          </a:prstGeom>
+        </p:spPr>
+        <p:style>
+          <a:lnRef idx="2">
+            <a:schemeClr val="accent1">
+              <a:shade val="50000"/>
+            </a:schemeClr>
+          </a:lnRef>
+          <a:fillRef idx="1">
+            <a:schemeClr val="accent1"/>
+          </a:fillRef>
+          <a:effectRef idx="0">
+            <a:schemeClr val="accent1"/>
+          </a:effectRef>
+          <a:fontRef idx="minor">
+            <a:schemeClr val="lt1"/>
+          </a:fontRef>
+        </p:style>
+        <p:txBody>
+          <a:bodyPr rtlCol="0" anchor="ctr"/>
+          <a:lstStyle/>
+          <a:p>
+            <a:pPr marL="0" marR="0" lvl="0" indent="0" algn="ctr" defTabSz="914400" rtl="0" eaLnBrk="1" fontAlgn="auto" latinLnBrk="0" hangingPunct="1">
+              <a:lnSpc>
+                <a:spcPct val="100000"/>
+              </a:lnSpc>
+              <a:spcBef>
+                <a:spcPts val="0"/>
+              </a:spcBef>
+              <a:spcAft>
+                <a:spcPts val="0"/>
+              </a:spcAft>
+              <a:buClrTx/>
+              <a:buSzTx/>
+              <a:buFontTx/>
+              <a:buNone/>
+              <a:tabLst/>
+              <a:defRPr/>
+            </a:pPr>
+            <a:endParaRPr kumimoji="0" lang="en-US" sz="1800" b="0" i="0" u="none" strike="noStrike" kern="1200" cap="none" spc="0" normalizeH="0" baseline="0" noProof="0">
+              <a:ln>
+                <a:noFill/>
+              </a:ln>
+              <a:solidFill>
+                <a:srgbClr val="000000"/>
+              </a:solidFill>
+              <a:effectLst/>
+              <a:uLnTx/>
+              <a:uFillTx/>
+              <a:latin typeface="Arial" panose="020B0604020202020204"/>
+              <a:ea typeface="+mn-ea"/>
+              <a:cs typeface="+mn-cs"/>
+            </a:endParaRPr>
+          </a:p>
+        </p:txBody>
+      </p:sp>
+      <p:grpSp>
+        <p:nvGrpSpPr>
+          <p:cNvPr id="99" name="Group 98">
+            <a:extLst>
+              <a:ext uri="{FF2B5EF4-FFF2-40B4-BE49-F238E27FC236}">
+                <a16:creationId xmlns:a16="http://schemas.microsoft.com/office/drawing/2014/main" id="{660418BF-964A-AE4A-B98B-4EB24B980530}"/>
+              </a:ext>
+            </a:extLst>
+          </p:cNvPr>
+          <p:cNvGrpSpPr/>
+          <p:nvPr/>
+        </p:nvGrpSpPr>
+        <p:grpSpPr>
+          <a:xfrm>
+            <a:off x="3225650" y="3019324"/>
+            <a:ext cx="2731600" cy="1837944"/>
+            <a:chOff x="6174260" y="3019324"/>
+            <a:chExt cx="2731600" cy="1837944"/>
+          </a:xfrm>
+        </p:grpSpPr>
+        <p:grpSp>
+          <p:nvGrpSpPr>
+            <p:cNvPr id="100" name="Group 99">
+              <a:extLst>
+                <a:ext uri="{FF2B5EF4-FFF2-40B4-BE49-F238E27FC236}">
+                  <a16:creationId xmlns:a16="http://schemas.microsoft.com/office/drawing/2014/main" id="{1FC1B7E3-D39F-5748-9843-9D2EF4BDC192}"/>
+                </a:ext>
+              </a:extLst>
+            </p:cNvPr>
+            <p:cNvGrpSpPr/>
+            <p:nvPr/>
+          </p:nvGrpSpPr>
+          <p:grpSpPr>
+            <a:xfrm>
+              <a:off x="6174260" y="3019324"/>
+              <a:ext cx="2379873" cy="1837944"/>
+              <a:chOff x="2537460" y="1431001"/>
+              <a:chExt cx="2240280" cy="1347250"/>
+            </a:xfrm>
+          </p:grpSpPr>
+          <p:sp>
+            <p:nvSpPr>
+              <p:cNvPr id="102" name="Rectangle 101">
+                <a:extLst>
+                  <a:ext uri="{FF2B5EF4-FFF2-40B4-BE49-F238E27FC236}">
+                    <a16:creationId xmlns:a16="http://schemas.microsoft.com/office/drawing/2014/main" id="{5D9F3354-2D9A-A64D-A741-776A2FF722BA}"/>
+                  </a:ext>
+                </a:extLst>
+              </p:cNvPr>
+              <p:cNvSpPr/>
+              <p:nvPr/>
+            </p:nvSpPr>
+            <p:spPr>
+              <a:xfrm>
+                <a:off x="2537460" y="1431001"/>
+                <a:ext cx="2240280" cy="557819"/>
+              </a:xfrm>
+              <a:prstGeom prst="rect">
+                <a:avLst/>
+              </a:prstGeom>
+            </p:spPr>
+            <p:style>
+              <a:lnRef idx="2">
+                <a:schemeClr val="accent1">
+                  <a:shade val="50000"/>
+                </a:schemeClr>
+              </a:lnRef>
+              <a:fillRef idx="1">
+                <a:schemeClr val="accent1"/>
+              </a:fillRef>
+              <a:effectRef idx="0">
+                <a:schemeClr val="accent1"/>
+              </a:effectRef>
+              <a:fontRef idx="minor">
+                <a:schemeClr val="lt1"/>
+              </a:fontRef>
+            </p:style>
+            <p:txBody>
+              <a:bodyPr rtlCol="0" anchor="ctr"/>
+              <a:lstStyle/>
+              <a:p>
+                <a:pPr marL="0" marR="0" lvl="0" indent="0" algn="ctr" defTabSz="914400" rtl="0" eaLnBrk="1" fontAlgn="auto" latinLnBrk="0" hangingPunct="1">
+                  <a:lnSpc>
+                    <a:spcPct val="100000"/>
+                  </a:lnSpc>
+                  <a:spcBef>
+                    <a:spcPts val="0"/>
+                  </a:spcBef>
+                  <a:spcAft>
+                    <a:spcPts val="0"/>
+                  </a:spcAft>
+                  <a:buClrTx/>
+                  <a:buSzTx/>
+                  <a:buFontTx/>
+                  <a:buNone/>
+                  <a:tabLst/>
+                  <a:defRPr/>
+                </a:pPr>
+                <a:r>
+                  <a:rPr kumimoji="0" lang="en-US" sz="2000" b="1" i="0" u="none" strike="noStrike" kern="1200" cap="none" spc="0" normalizeH="0" baseline="0" noProof="0" dirty="0">
+                    <a:ln>
+                      <a:noFill/>
+                    </a:ln>
+                    <a:solidFill>
+                      <a:srgbClr val="FFFFFF"/>
+                    </a:solidFill>
+                    <a:effectLst/>
+                    <a:uLnTx/>
+                    <a:uFillTx/>
+                    <a:latin typeface="Arial" panose="020B0604020202020204"/>
+                    <a:ea typeface="+mn-ea"/>
+                    <a:cs typeface="+mn-cs"/>
+                  </a:rPr>
+                  <a:t>Data Representation</a:t>
+                </a:r>
+              </a:p>
+            </p:txBody>
+          </p:sp>
+          <p:sp>
+            <p:nvSpPr>
+              <p:cNvPr id="103" name="Rectangle 102">
+                <a:extLst>
+                  <a:ext uri="{FF2B5EF4-FFF2-40B4-BE49-F238E27FC236}">
+                    <a16:creationId xmlns:a16="http://schemas.microsoft.com/office/drawing/2014/main" id="{DF284367-0F5D-9D46-A693-333D997C0349}"/>
+                  </a:ext>
+                </a:extLst>
+              </p:cNvPr>
+              <p:cNvSpPr/>
+              <p:nvPr/>
+            </p:nvSpPr>
+            <p:spPr>
+              <a:xfrm>
+                <a:off x="2537460" y="1988821"/>
+                <a:ext cx="2240280" cy="789430"/>
+              </a:xfrm>
+              <a:prstGeom prst="rect">
+                <a:avLst/>
+              </a:prstGeom>
+              <a:solidFill>
+                <a:schemeClr val="bg1"/>
+              </a:solidFill>
+            </p:spPr>
+            <p:style>
+              <a:lnRef idx="2">
+                <a:schemeClr val="accent1">
+                  <a:shade val="50000"/>
+                </a:schemeClr>
+              </a:lnRef>
+              <a:fillRef idx="1">
+                <a:schemeClr val="accent1"/>
+              </a:fillRef>
+              <a:effectRef idx="0">
+                <a:schemeClr val="accent1"/>
+              </a:effectRef>
+              <a:fontRef idx="minor">
+                <a:schemeClr val="lt1"/>
+              </a:fontRef>
+            </p:style>
+            <p:txBody>
+              <a:bodyPr rtlCol="0" anchor="ctr"/>
+              <a:lstStyle/>
+              <a:p>
+                <a:pPr marL="0" marR="0" lvl="0" indent="0" algn="ctr" defTabSz="914400" rtl="0" eaLnBrk="1" fontAlgn="auto" latinLnBrk="0" hangingPunct="1">
+                  <a:lnSpc>
+                    <a:spcPct val="100000"/>
+                  </a:lnSpc>
+                  <a:spcBef>
+                    <a:spcPts val="0"/>
+                  </a:spcBef>
+                  <a:spcAft>
+                    <a:spcPts val="0"/>
+                  </a:spcAft>
+                  <a:buClrTx/>
+                  <a:buSzTx/>
+                  <a:buFontTx/>
+                  <a:buNone/>
+                  <a:tabLst/>
+                  <a:defRPr/>
+                </a:pPr>
+                <a:r>
+                  <a:rPr kumimoji="0" lang="en-US" sz="1600" b="0" i="0" u="none" strike="noStrike" kern="1200" cap="none" spc="0" normalizeH="0" baseline="0" noProof="0" dirty="0">
+                    <a:ln>
+                      <a:noFill/>
+                    </a:ln>
+                    <a:solidFill>
+                      <a:srgbClr val="D8D9D8">
+                        <a:lumMod val="75000"/>
+                      </a:srgbClr>
+                    </a:solidFill>
+                    <a:effectLst/>
+                    <a:uLnTx/>
+                    <a:uFillTx/>
+                    <a:latin typeface="Arial" panose="020B0604020202020204"/>
+                    <a:ea typeface="+mn-ea"/>
+                    <a:cs typeface="+mn-cs"/>
+                  </a:rPr>
+                  <a:t>Data cleaning</a:t>
+                </a:r>
+              </a:p>
+              <a:p>
+                <a:pPr marL="0" marR="0" lvl="0" indent="0" algn="ctr" defTabSz="914400" rtl="0" eaLnBrk="1" fontAlgn="auto" latinLnBrk="0" hangingPunct="1">
+                  <a:lnSpc>
+                    <a:spcPct val="100000"/>
+                  </a:lnSpc>
+                  <a:spcBef>
+                    <a:spcPts val="0"/>
+                  </a:spcBef>
+                  <a:spcAft>
+                    <a:spcPts val="0"/>
+                  </a:spcAft>
+                  <a:buClrTx/>
+                  <a:buSzTx/>
+                  <a:buFontTx/>
+                  <a:buNone/>
+                  <a:tabLst/>
+                  <a:defRPr/>
+                </a:pPr>
+                <a:r>
+                  <a:rPr kumimoji="0" lang="en-US" sz="1600" b="0" i="0" u="none" strike="noStrike" kern="1200" cap="none" spc="0" normalizeH="0" baseline="0" noProof="0" dirty="0">
+                    <a:ln>
+                      <a:noFill/>
+                    </a:ln>
+                    <a:solidFill>
+                      <a:srgbClr val="D8D9D8">
+                        <a:lumMod val="75000"/>
+                      </a:srgbClr>
+                    </a:solidFill>
+                    <a:effectLst/>
+                    <a:uLnTx/>
+                    <a:uFillTx/>
+                    <a:latin typeface="Arial" panose="020B0604020202020204"/>
+                    <a:ea typeface="+mn-ea"/>
+                    <a:cs typeface="+mn-cs"/>
+                  </a:rPr>
+                  <a:t>Missing data</a:t>
+                </a:r>
+              </a:p>
+              <a:p>
+                <a:pPr marL="0" marR="0" lvl="0" indent="0" algn="ctr" defTabSz="914400" rtl="0" eaLnBrk="1" fontAlgn="auto" latinLnBrk="0" hangingPunct="1">
+                  <a:lnSpc>
+                    <a:spcPct val="100000"/>
+                  </a:lnSpc>
+                  <a:spcBef>
+                    <a:spcPts val="0"/>
+                  </a:spcBef>
+                  <a:spcAft>
+                    <a:spcPts val="0"/>
+                  </a:spcAft>
+                  <a:buClrTx/>
+                  <a:buSzTx/>
+                  <a:buFontTx/>
+                  <a:buNone/>
+                  <a:tabLst/>
+                  <a:defRPr/>
+                </a:pPr>
+                <a:r>
+                  <a:rPr kumimoji="0" lang="en-US" sz="1600" b="0" i="0" u="none" strike="noStrike" kern="1200" cap="none" spc="0" normalizeH="0" baseline="0" noProof="0" dirty="0">
+                    <a:ln>
+                      <a:noFill/>
+                    </a:ln>
+                    <a:solidFill>
+                      <a:srgbClr val="D8D9D8">
+                        <a:lumMod val="75000"/>
+                      </a:srgbClr>
+                    </a:solidFill>
+                    <a:effectLst/>
+                    <a:uLnTx/>
+                    <a:uFillTx/>
+                    <a:latin typeface="Arial" panose="020B0604020202020204"/>
+                    <a:ea typeface="+mn-ea"/>
+                    <a:cs typeface="+mn-cs"/>
+                  </a:rPr>
+                  <a:t>Feature selection</a:t>
+                </a:r>
+              </a:p>
+              <a:p>
+                <a:pPr marL="0" marR="0" lvl="0" indent="0" algn="ctr" defTabSz="914400" rtl="0" eaLnBrk="1" fontAlgn="auto" latinLnBrk="0" hangingPunct="1">
+                  <a:lnSpc>
+                    <a:spcPct val="100000"/>
+                  </a:lnSpc>
+                  <a:spcBef>
+                    <a:spcPts val="0"/>
+                  </a:spcBef>
+                  <a:spcAft>
+                    <a:spcPts val="0"/>
+                  </a:spcAft>
+                  <a:buClrTx/>
+                  <a:buSzTx/>
+                  <a:buFontTx/>
+                  <a:buNone/>
+                  <a:tabLst/>
+                  <a:defRPr/>
+                </a:pPr>
+                <a:r>
+                  <a:rPr kumimoji="0" lang="en-US" sz="1600" b="0" i="0" u="none" strike="noStrike" kern="1200" cap="none" spc="0" normalizeH="0" baseline="0" noProof="0" dirty="0">
+                    <a:ln>
+                      <a:noFill/>
+                    </a:ln>
+                    <a:solidFill>
+                      <a:srgbClr val="D8D9D8">
+                        <a:lumMod val="75000"/>
+                      </a:srgbClr>
+                    </a:solidFill>
+                    <a:effectLst/>
+                    <a:uLnTx/>
+                    <a:uFillTx/>
+                    <a:latin typeface="Arial" panose="020B0604020202020204"/>
+                    <a:ea typeface="+mn-ea"/>
+                    <a:cs typeface="+mn-cs"/>
+                  </a:rPr>
+                  <a:t>Consider fairness</a:t>
+                </a:r>
+              </a:p>
+            </p:txBody>
+          </p:sp>
+        </p:grpSp>
+        <p:sp>
+          <p:nvSpPr>
+            <p:cNvPr id="101" name="Right Arrow 41">
+              <a:extLst>
+                <a:ext uri="{FF2B5EF4-FFF2-40B4-BE49-F238E27FC236}">
+                  <a16:creationId xmlns:a16="http://schemas.microsoft.com/office/drawing/2014/main" id="{A5D754ED-D74A-1B46-A3D0-61B5C2AB8942}"/>
+                </a:ext>
+              </a:extLst>
+            </p:cNvPr>
+            <p:cNvSpPr/>
+            <p:nvPr/>
+          </p:nvSpPr>
+          <p:spPr>
+            <a:xfrm>
+              <a:off x="8554674" y="3831748"/>
+              <a:ext cx="351186" cy="292608"/>
+            </a:xfrm>
+            <a:prstGeom prst="rightArrow">
+              <a:avLst/>
+            </a:prstGeom>
+          </p:spPr>
+          <p:style>
+            <a:lnRef idx="2">
+              <a:schemeClr val="accent1">
+                <a:shade val="50000"/>
+              </a:schemeClr>
+            </a:lnRef>
+            <a:fillRef idx="1">
+              <a:schemeClr val="accent1"/>
+            </a:fillRef>
+            <a:effectRef idx="0">
+              <a:schemeClr val="accent1"/>
+            </a:effectRef>
+            <a:fontRef idx="minor">
+              <a:schemeClr val="lt1"/>
+            </a:fontRef>
+          </p:style>
+          <p:txBody>
+            <a:bodyPr rtlCol="0" anchor="ctr"/>
+            <a:lstStyle/>
+            <a:p>
+              <a:pPr marL="0" marR="0" lvl="0" indent="0" algn="ctr" defTabSz="914400" rtl="0" eaLnBrk="1" fontAlgn="auto" latinLnBrk="0" hangingPunct="1">
+                <a:lnSpc>
+                  <a:spcPct val="100000"/>
+                </a:lnSpc>
+                <a:spcBef>
+                  <a:spcPts val="0"/>
+                </a:spcBef>
+                <a:spcAft>
+                  <a:spcPts val="0"/>
+                </a:spcAft>
+                <a:buClrTx/>
+                <a:buSzTx/>
+                <a:buFontTx/>
+                <a:buNone/>
+                <a:tabLst/>
+                <a:defRPr/>
+              </a:pPr>
+              <a:endParaRPr kumimoji="0" lang="en-US" sz="1800" b="0" i="0" u="none" strike="noStrike" kern="1200" cap="none" spc="0" normalizeH="0" baseline="0" noProof="0">
+                <a:ln>
+                  <a:noFill/>
+                </a:ln>
+                <a:solidFill>
+                  <a:srgbClr val="FFFFFF"/>
+                </a:solidFill>
+                <a:effectLst/>
+                <a:uLnTx/>
+                <a:uFillTx/>
+                <a:latin typeface="Arial" panose="020B0604020202020204"/>
+                <a:ea typeface="+mn-ea"/>
+                <a:cs typeface="+mn-cs"/>
+              </a:endParaRPr>
+            </a:p>
+          </p:txBody>
+        </p:sp>
+      </p:grpSp>
+      <p:grpSp>
+        <p:nvGrpSpPr>
+          <p:cNvPr id="104" name="Group 103">
+            <a:extLst>
+              <a:ext uri="{FF2B5EF4-FFF2-40B4-BE49-F238E27FC236}">
+                <a16:creationId xmlns:a16="http://schemas.microsoft.com/office/drawing/2014/main" id="{8B7A915A-F171-474A-BB4D-E48FEC3425B4}"/>
+              </a:ext>
+            </a:extLst>
+          </p:cNvPr>
+          <p:cNvGrpSpPr/>
+          <p:nvPr/>
+        </p:nvGrpSpPr>
+        <p:grpSpPr>
+          <a:xfrm>
+            <a:off x="277036" y="3019324"/>
+            <a:ext cx="2921916" cy="1837944"/>
+            <a:chOff x="6174260" y="3019324"/>
+            <a:chExt cx="2921916" cy="1837944"/>
+          </a:xfrm>
+        </p:grpSpPr>
+        <p:grpSp>
+          <p:nvGrpSpPr>
+            <p:cNvPr id="105" name="Group 104">
+              <a:extLst>
+                <a:ext uri="{FF2B5EF4-FFF2-40B4-BE49-F238E27FC236}">
+                  <a16:creationId xmlns:a16="http://schemas.microsoft.com/office/drawing/2014/main" id="{DB5840AD-4ADE-3B4B-B6D6-E763977C6DE7}"/>
+                </a:ext>
+              </a:extLst>
+            </p:cNvPr>
+            <p:cNvGrpSpPr/>
+            <p:nvPr/>
+          </p:nvGrpSpPr>
+          <p:grpSpPr>
+            <a:xfrm>
+              <a:off x="6174260" y="3019324"/>
+              <a:ext cx="2379873" cy="1837944"/>
+              <a:chOff x="2537460" y="1431001"/>
+              <a:chExt cx="2240280" cy="1347250"/>
+            </a:xfrm>
+          </p:grpSpPr>
+          <p:sp>
+            <p:nvSpPr>
+              <p:cNvPr id="107" name="Rectangle 106">
+                <a:extLst>
+                  <a:ext uri="{FF2B5EF4-FFF2-40B4-BE49-F238E27FC236}">
+                    <a16:creationId xmlns:a16="http://schemas.microsoft.com/office/drawing/2014/main" id="{0349BEB7-B498-8843-9A70-9709DEE53DBC}"/>
+                  </a:ext>
+                </a:extLst>
+              </p:cNvPr>
+              <p:cNvSpPr/>
+              <p:nvPr/>
+            </p:nvSpPr>
+            <p:spPr>
+              <a:xfrm>
+                <a:off x="2537460" y="1431001"/>
+                <a:ext cx="2240280" cy="557819"/>
+              </a:xfrm>
+              <a:prstGeom prst="rect">
+                <a:avLst/>
+              </a:prstGeom>
+            </p:spPr>
+            <p:style>
+              <a:lnRef idx="2">
+                <a:schemeClr val="accent1">
+                  <a:shade val="50000"/>
+                </a:schemeClr>
+              </a:lnRef>
+              <a:fillRef idx="1">
+                <a:schemeClr val="accent1"/>
+              </a:fillRef>
+              <a:effectRef idx="0">
+                <a:schemeClr val="accent1"/>
+              </a:effectRef>
+              <a:fontRef idx="minor">
+                <a:schemeClr val="lt1"/>
+              </a:fontRef>
+            </p:style>
+            <p:txBody>
+              <a:bodyPr rtlCol="0" anchor="ctr"/>
+              <a:lstStyle/>
+              <a:p>
+                <a:pPr marL="0" marR="0" lvl="0" indent="0" algn="ctr" defTabSz="914400" rtl="0" eaLnBrk="1" fontAlgn="auto" latinLnBrk="0" hangingPunct="1">
+                  <a:lnSpc>
+                    <a:spcPct val="100000"/>
+                  </a:lnSpc>
+                  <a:spcBef>
+                    <a:spcPts val="0"/>
+                  </a:spcBef>
+                  <a:spcAft>
+                    <a:spcPts val="0"/>
+                  </a:spcAft>
+                  <a:buClrTx/>
+                  <a:buSzTx/>
+                  <a:buFontTx/>
+                  <a:buNone/>
+                  <a:tabLst/>
+                  <a:defRPr/>
+                </a:pPr>
+                <a:r>
+                  <a:rPr kumimoji="0" lang="en-US" sz="2000" b="1" i="0" u="none" strike="noStrike" kern="1200" cap="none" spc="0" normalizeH="0" baseline="0" noProof="0" dirty="0">
+                    <a:ln>
+                      <a:noFill/>
+                    </a:ln>
+                    <a:solidFill>
+                      <a:srgbClr val="FFFFFF"/>
+                    </a:solidFill>
+                    <a:effectLst/>
+                    <a:uLnTx/>
+                    <a:uFillTx/>
+                    <a:latin typeface="Arial" panose="020B0604020202020204"/>
+                    <a:ea typeface="+mn-ea"/>
+                    <a:cs typeface="+mn-cs"/>
+                  </a:rPr>
+                  <a:t>Identify Goals &amp; Collect Data</a:t>
+                </a:r>
+              </a:p>
+            </p:txBody>
+          </p:sp>
+          <p:sp>
+            <p:nvSpPr>
+              <p:cNvPr id="108" name="Rectangle 107">
+                <a:extLst>
+                  <a:ext uri="{FF2B5EF4-FFF2-40B4-BE49-F238E27FC236}">
+                    <a16:creationId xmlns:a16="http://schemas.microsoft.com/office/drawing/2014/main" id="{B919F090-A984-3643-9ED9-B4935CAB3C55}"/>
+                  </a:ext>
+                </a:extLst>
+              </p:cNvPr>
+              <p:cNvSpPr/>
+              <p:nvPr/>
+            </p:nvSpPr>
+            <p:spPr>
+              <a:xfrm>
+                <a:off x="2537460" y="1988821"/>
+                <a:ext cx="2240280" cy="789430"/>
+              </a:xfrm>
+              <a:prstGeom prst="rect">
+                <a:avLst/>
+              </a:prstGeom>
+              <a:solidFill>
+                <a:schemeClr val="bg1"/>
+              </a:solidFill>
+            </p:spPr>
+            <p:style>
+              <a:lnRef idx="2">
+                <a:schemeClr val="accent1">
+                  <a:shade val="50000"/>
+                </a:schemeClr>
+              </a:lnRef>
+              <a:fillRef idx="1">
+                <a:schemeClr val="accent1"/>
+              </a:fillRef>
+              <a:effectRef idx="0">
+                <a:schemeClr val="accent1"/>
+              </a:effectRef>
+              <a:fontRef idx="minor">
+                <a:schemeClr val="lt1"/>
+              </a:fontRef>
+            </p:style>
+            <p:txBody>
+              <a:bodyPr rtlCol="0" anchor="ctr"/>
+              <a:lstStyle/>
+              <a:p>
+                <a:pPr marL="0" marR="0" lvl="0" indent="0" algn="ctr" defTabSz="914400" rtl="0" eaLnBrk="1" fontAlgn="auto" latinLnBrk="0" hangingPunct="1">
+                  <a:lnSpc>
+                    <a:spcPct val="100000"/>
+                  </a:lnSpc>
+                  <a:spcBef>
+                    <a:spcPts val="0"/>
+                  </a:spcBef>
+                  <a:spcAft>
+                    <a:spcPts val="0"/>
+                  </a:spcAft>
+                  <a:buClrTx/>
+                  <a:buSzTx/>
+                  <a:buFontTx/>
+                  <a:buNone/>
+                  <a:tabLst/>
+                  <a:defRPr/>
+                </a:pPr>
+                <a:r>
+                  <a:rPr kumimoji="0" lang="en-US" sz="1600" b="0" i="0" u="none" strike="noStrike" kern="1200" cap="none" spc="0" normalizeH="0" baseline="0" noProof="0" dirty="0">
+                    <a:ln>
+                      <a:noFill/>
+                    </a:ln>
+                    <a:solidFill>
+                      <a:srgbClr val="D8D9D8">
+                        <a:lumMod val="75000"/>
+                      </a:srgbClr>
+                    </a:solidFill>
+                    <a:effectLst/>
+                    <a:uLnTx/>
+                    <a:uFillTx/>
+                    <a:latin typeface="Arial" panose="020B0604020202020204"/>
+                    <a:ea typeface="+mn-ea"/>
+                    <a:cs typeface="+mn-cs"/>
+                  </a:rPr>
+                  <a:t>Pinpoint needs</a:t>
+                </a:r>
+              </a:p>
+              <a:p>
+                <a:pPr marL="0" marR="0" lvl="0" indent="0" algn="ctr" defTabSz="914400" rtl="0" eaLnBrk="1" fontAlgn="auto" latinLnBrk="0" hangingPunct="1">
+                  <a:lnSpc>
+                    <a:spcPct val="100000"/>
+                  </a:lnSpc>
+                  <a:spcBef>
+                    <a:spcPts val="0"/>
+                  </a:spcBef>
+                  <a:spcAft>
+                    <a:spcPts val="0"/>
+                  </a:spcAft>
+                  <a:buClrTx/>
+                  <a:buSzTx/>
+                  <a:buFontTx/>
+                  <a:buNone/>
+                  <a:tabLst/>
+                  <a:defRPr/>
+                </a:pPr>
+                <a:r>
+                  <a:rPr kumimoji="0" lang="en-US" sz="1600" b="0" i="0" u="none" strike="noStrike" kern="1200" cap="none" spc="0" normalizeH="0" baseline="0" noProof="0" dirty="0">
+                    <a:ln>
+                      <a:noFill/>
+                    </a:ln>
+                    <a:solidFill>
+                      <a:srgbClr val="D8D9D8">
+                        <a:lumMod val="75000"/>
+                      </a:srgbClr>
+                    </a:solidFill>
+                    <a:effectLst/>
+                    <a:uLnTx/>
+                    <a:uFillTx/>
+                    <a:latin typeface="Arial" panose="020B0604020202020204"/>
+                    <a:ea typeface="+mn-ea"/>
+                    <a:cs typeface="+mn-cs"/>
+                  </a:rPr>
+                  <a:t>Data acquisition</a:t>
+                </a:r>
+              </a:p>
+              <a:p>
+                <a:pPr marL="0" marR="0" lvl="0" indent="0" algn="ctr" defTabSz="914400" rtl="0" eaLnBrk="1" fontAlgn="auto" latinLnBrk="0" hangingPunct="1">
+                  <a:lnSpc>
+                    <a:spcPct val="100000"/>
+                  </a:lnSpc>
+                  <a:spcBef>
+                    <a:spcPts val="0"/>
+                  </a:spcBef>
+                  <a:spcAft>
+                    <a:spcPts val="0"/>
+                  </a:spcAft>
+                  <a:buClrTx/>
+                  <a:buSzTx/>
+                  <a:buFontTx/>
+                  <a:buNone/>
+                  <a:tabLst/>
+                  <a:defRPr/>
+                </a:pPr>
+                <a:r>
+                  <a:rPr kumimoji="0" lang="en-US" sz="1600" b="0" i="0" u="none" strike="noStrike" kern="1200" cap="none" spc="0" normalizeH="0" baseline="0" noProof="0" dirty="0">
+                    <a:ln>
+                      <a:noFill/>
+                    </a:ln>
+                    <a:solidFill>
+                      <a:srgbClr val="D8D9D8">
+                        <a:lumMod val="75000"/>
+                      </a:srgbClr>
+                    </a:solidFill>
+                    <a:effectLst/>
+                    <a:uLnTx/>
+                    <a:uFillTx/>
+                    <a:latin typeface="Arial" panose="020B0604020202020204"/>
+                    <a:ea typeface="+mn-ea"/>
+                    <a:cs typeface="+mn-cs"/>
+                  </a:rPr>
+                  <a:t>Data labeling</a:t>
+                </a:r>
+              </a:p>
+              <a:p>
+                <a:pPr marL="0" marR="0" lvl="0" indent="0" algn="ctr" defTabSz="914400" rtl="0" eaLnBrk="1" fontAlgn="auto" latinLnBrk="0" hangingPunct="1">
+                  <a:lnSpc>
+                    <a:spcPct val="100000"/>
+                  </a:lnSpc>
+                  <a:spcBef>
+                    <a:spcPts val="0"/>
+                  </a:spcBef>
+                  <a:spcAft>
+                    <a:spcPts val="0"/>
+                  </a:spcAft>
+                  <a:buClrTx/>
+                  <a:buSzTx/>
+                  <a:buFontTx/>
+                  <a:buNone/>
+                  <a:tabLst/>
+                  <a:defRPr/>
+                </a:pPr>
+                <a:r>
+                  <a:rPr kumimoji="0" lang="en-US" sz="1600" b="0" i="0" u="none" strike="noStrike" kern="1200" cap="none" spc="0" normalizeH="0" baseline="0" noProof="0" dirty="0">
+                    <a:ln>
+                      <a:noFill/>
+                    </a:ln>
+                    <a:solidFill>
+                      <a:srgbClr val="D8D9D8">
+                        <a:lumMod val="75000"/>
+                      </a:srgbClr>
+                    </a:solidFill>
+                    <a:effectLst/>
+                    <a:uLnTx/>
+                    <a:uFillTx/>
+                    <a:latin typeface="Arial" panose="020B0604020202020204"/>
+                    <a:ea typeface="+mn-ea"/>
+                    <a:cs typeface="+mn-cs"/>
+                  </a:rPr>
+                  <a:t>Data exploration</a:t>
+                </a:r>
+              </a:p>
+            </p:txBody>
+          </p:sp>
+        </p:grpSp>
+        <p:sp>
+          <p:nvSpPr>
+            <p:cNvPr id="106" name="Right Arrow 41">
+              <a:extLst>
+                <a:ext uri="{FF2B5EF4-FFF2-40B4-BE49-F238E27FC236}">
+                  <a16:creationId xmlns:a16="http://schemas.microsoft.com/office/drawing/2014/main" id="{8B75A199-98E2-B143-A0FB-CB7FE1AC7C40}"/>
+                </a:ext>
+              </a:extLst>
+            </p:cNvPr>
+            <p:cNvSpPr/>
+            <p:nvPr/>
+          </p:nvSpPr>
+          <p:spPr>
+            <a:xfrm>
+              <a:off x="8554674" y="3831748"/>
+              <a:ext cx="541502" cy="292608"/>
+            </a:xfrm>
+            <a:prstGeom prst="rightArrow">
+              <a:avLst/>
+            </a:prstGeom>
+          </p:spPr>
+          <p:style>
+            <a:lnRef idx="2">
+              <a:schemeClr val="accent1">
+                <a:shade val="50000"/>
+              </a:schemeClr>
+            </a:lnRef>
+            <a:fillRef idx="1">
+              <a:schemeClr val="accent1"/>
+            </a:fillRef>
+            <a:effectRef idx="0">
+              <a:schemeClr val="accent1"/>
+            </a:effectRef>
+            <a:fontRef idx="minor">
+              <a:schemeClr val="lt1"/>
+            </a:fontRef>
+          </p:style>
+          <p:txBody>
+            <a:bodyPr rtlCol="0" anchor="ctr"/>
+            <a:lstStyle/>
+            <a:p>
+              <a:pPr marL="0" marR="0" lvl="0" indent="0" algn="ctr" defTabSz="914400" rtl="0" eaLnBrk="1" fontAlgn="auto" latinLnBrk="0" hangingPunct="1">
+                <a:lnSpc>
+                  <a:spcPct val="100000"/>
+                </a:lnSpc>
+                <a:spcBef>
+                  <a:spcPts val="0"/>
+                </a:spcBef>
+                <a:spcAft>
+                  <a:spcPts val="0"/>
+                </a:spcAft>
+                <a:buClrTx/>
+                <a:buSzTx/>
+                <a:buFontTx/>
+                <a:buNone/>
+                <a:tabLst/>
+                <a:defRPr/>
+              </a:pPr>
+              <a:endParaRPr kumimoji="0" lang="en-US" sz="1800" b="0" i="0" u="none" strike="noStrike" kern="1200" cap="none" spc="0" normalizeH="0" baseline="0" noProof="0">
+                <a:ln>
+                  <a:noFill/>
+                </a:ln>
+                <a:solidFill>
+                  <a:srgbClr val="FFFFFF"/>
+                </a:solidFill>
+                <a:effectLst/>
+                <a:uLnTx/>
+                <a:uFillTx/>
+                <a:latin typeface="Arial" panose="020B0604020202020204"/>
+                <a:ea typeface="+mn-ea"/>
+                <a:cs typeface="+mn-cs"/>
+              </a:endParaRPr>
+            </a:p>
+          </p:txBody>
+        </p:sp>
+      </p:grpSp>
+      <p:sp>
+        <p:nvSpPr>
+          <p:cNvPr id="109" name="TextBox 108">
+            <a:extLst>
+              <a:ext uri="{FF2B5EF4-FFF2-40B4-BE49-F238E27FC236}">
+                <a16:creationId xmlns:a16="http://schemas.microsoft.com/office/drawing/2014/main" id="{9A934E96-463A-0440-A42D-F97DC15561CB}"/>
+              </a:ext>
+            </a:extLst>
+          </p:cNvPr>
+          <p:cNvSpPr txBox="1"/>
+          <p:nvPr/>
+        </p:nvSpPr>
+        <p:spPr>
+          <a:xfrm>
+            <a:off x="6795077" y="2305192"/>
+            <a:ext cx="1133644" cy="369332"/>
+          </a:xfrm>
+          <a:prstGeom prst="rect">
+            <a:avLst/>
+          </a:prstGeom>
+          <a:noFill/>
+        </p:spPr>
+        <p:txBody>
+          <a:bodyPr wrap="none" rtlCol="0">
+            <a:spAutoFit/>
+          </a:bodyPr>
+          <a:lstStyle/>
+          <a:p>
+            <a:pPr marL="0" marR="0" lvl="0" indent="0" algn="l" defTabSz="914400" rtl="0" eaLnBrk="1" fontAlgn="auto" latinLnBrk="0" hangingPunct="1">
+              <a:lnSpc>
+                <a:spcPct val="100000"/>
+              </a:lnSpc>
+              <a:spcBef>
+                <a:spcPts val="0"/>
+              </a:spcBef>
+              <a:spcAft>
+                <a:spcPts val="0"/>
+              </a:spcAft>
+              <a:buClrTx/>
+              <a:buSzTx/>
+              <a:buFontTx/>
+              <a:buNone/>
+              <a:tabLst/>
+              <a:defRPr/>
+            </a:pPr>
+            <a:r>
+              <a:rPr kumimoji="0" lang="en-US" sz="1800" b="0" i="0" u="none" strike="noStrike" kern="1200" cap="none" spc="0" normalizeH="0" baseline="0" noProof="0" dirty="0">
+                <a:ln>
+                  <a:noFill/>
+                </a:ln>
+                <a:solidFill>
+                  <a:srgbClr val="000000"/>
+                </a:solidFill>
+                <a:effectLst/>
+                <a:uLnTx/>
+                <a:uFillTx/>
+                <a:latin typeface="Arial" panose="020B0604020202020204"/>
+                <a:ea typeface="+mn-ea"/>
+                <a:cs typeface="+mn-cs"/>
+              </a:rPr>
+              <a:t>Module 1</a:t>
+            </a:r>
+          </a:p>
+        </p:txBody>
+      </p:sp>
+      <p:sp>
+        <p:nvSpPr>
+          <p:cNvPr id="110" name="Right Brace 109">
+            <a:extLst>
+              <a:ext uri="{FF2B5EF4-FFF2-40B4-BE49-F238E27FC236}">
+                <a16:creationId xmlns:a16="http://schemas.microsoft.com/office/drawing/2014/main" id="{254D9A82-629B-A248-A0BE-A7D5433691F6}"/>
+              </a:ext>
+            </a:extLst>
+          </p:cNvPr>
+          <p:cNvSpPr/>
+          <p:nvPr/>
+        </p:nvSpPr>
+        <p:spPr>
+          <a:xfrm rot="-5400000">
+            <a:off x="7227092" y="1675696"/>
+            <a:ext cx="274320" cy="2331720"/>
+          </a:xfrm>
+          <a:prstGeom prst="rightBrace">
+            <a:avLst/>
+          </a:prstGeom>
+          <a:ln w="31750" cap="flat">
+            <a:miter lim="800000"/>
+          </a:ln>
+        </p:spPr>
+        <p:style>
+          <a:lnRef idx="1">
+            <a:schemeClr val="accent1"/>
+          </a:lnRef>
+          <a:fillRef idx="0">
+            <a:schemeClr val="accent1"/>
+          </a:fillRef>
+          <a:effectRef idx="0">
+            <a:schemeClr val="accent1"/>
+          </a:effectRef>
+          <a:fontRef idx="minor">
+            <a:schemeClr val="tx1"/>
+          </a:fontRef>
+        </p:style>
+        <p:txBody>
+          <a:bodyPr rtlCol="0" anchor="ctr"/>
+          <a:lstStyle/>
+          <a:p>
+            <a:pPr marL="0" marR="0" lvl="0" indent="0" algn="ctr" defTabSz="914400" rtl="0" eaLnBrk="1" fontAlgn="auto" latinLnBrk="0" hangingPunct="1">
+              <a:lnSpc>
+                <a:spcPct val="100000"/>
+              </a:lnSpc>
+              <a:spcBef>
+                <a:spcPts val="0"/>
+              </a:spcBef>
+              <a:spcAft>
+                <a:spcPts val="0"/>
+              </a:spcAft>
+              <a:buClrTx/>
+              <a:buSzTx/>
+              <a:buFontTx/>
+              <a:buNone/>
+              <a:tabLst/>
+              <a:defRPr/>
+            </a:pPr>
+            <a:endParaRPr kumimoji="0" lang="en-US" sz="1800" b="0" i="0" u="none" strike="noStrike" kern="1200" cap="none" spc="0" normalizeH="0" baseline="0" noProof="0">
+              <a:ln>
+                <a:noFill/>
+              </a:ln>
+              <a:solidFill>
+                <a:srgbClr val="000000"/>
+              </a:solidFill>
+              <a:effectLst/>
+              <a:uLnTx/>
+              <a:uFillTx/>
+              <a:latin typeface="Arial" panose="020B0604020202020204"/>
+              <a:ea typeface="+mn-ea"/>
+              <a:cs typeface="+mn-cs"/>
+            </a:endParaRPr>
+          </a:p>
+        </p:txBody>
+      </p:sp>
+      <p:sp>
+        <p:nvSpPr>
+          <p:cNvPr id="111" name="TextBox 110">
+            <a:extLst>
+              <a:ext uri="{FF2B5EF4-FFF2-40B4-BE49-F238E27FC236}">
+                <a16:creationId xmlns:a16="http://schemas.microsoft.com/office/drawing/2014/main" id="{8A0FE001-436E-ED4F-98EB-8778FA9AAE34}"/>
+              </a:ext>
+            </a:extLst>
+          </p:cNvPr>
+          <p:cNvSpPr txBox="1"/>
+          <p:nvPr/>
+        </p:nvSpPr>
+        <p:spPr>
+          <a:xfrm>
+            <a:off x="2368853" y="2305192"/>
+            <a:ext cx="1133644" cy="369332"/>
+          </a:xfrm>
+          <a:prstGeom prst="rect">
+            <a:avLst/>
+          </a:prstGeom>
+          <a:noFill/>
+        </p:spPr>
+        <p:txBody>
+          <a:bodyPr wrap="none" rtlCol="0">
+            <a:spAutoFit/>
+          </a:bodyPr>
+          <a:lstStyle/>
+          <a:p>
+            <a:pPr marL="0" marR="0" lvl="0" indent="0" algn="l" defTabSz="914400" rtl="0" eaLnBrk="1" fontAlgn="auto" latinLnBrk="0" hangingPunct="1">
+              <a:lnSpc>
+                <a:spcPct val="100000"/>
+              </a:lnSpc>
+              <a:spcBef>
+                <a:spcPts val="0"/>
+              </a:spcBef>
+              <a:spcAft>
+                <a:spcPts val="0"/>
+              </a:spcAft>
+              <a:buClrTx/>
+              <a:buSzTx/>
+              <a:buFontTx/>
+              <a:buNone/>
+              <a:tabLst/>
+              <a:defRPr/>
+            </a:pPr>
+            <a:r>
+              <a:rPr kumimoji="0" lang="en-US" sz="1800" b="0" i="0" u="none" strike="noStrike" kern="1200" cap="none" spc="0" normalizeH="0" baseline="0" noProof="0" dirty="0">
+                <a:ln>
+                  <a:noFill/>
+                </a:ln>
+                <a:solidFill>
+                  <a:srgbClr val="000000"/>
+                </a:solidFill>
+                <a:effectLst/>
+                <a:uLnTx/>
+                <a:uFillTx/>
+                <a:latin typeface="Arial" panose="020B0604020202020204"/>
+                <a:ea typeface="+mn-ea"/>
+                <a:cs typeface="+mn-cs"/>
+              </a:rPr>
+              <a:t>Module 2</a:t>
+            </a:r>
+          </a:p>
+        </p:txBody>
+      </p:sp>
+      <p:sp>
+        <p:nvSpPr>
+          <p:cNvPr id="112" name="Right Brace 111">
+            <a:extLst>
+              <a:ext uri="{FF2B5EF4-FFF2-40B4-BE49-F238E27FC236}">
+                <a16:creationId xmlns:a16="http://schemas.microsoft.com/office/drawing/2014/main" id="{44924311-BD86-D840-BB22-6D984C9E88C2}"/>
+              </a:ext>
+            </a:extLst>
+          </p:cNvPr>
+          <p:cNvSpPr/>
+          <p:nvPr/>
+        </p:nvSpPr>
+        <p:spPr>
+          <a:xfrm rot="-5400000">
+            <a:off x="2799672" y="203511"/>
+            <a:ext cx="274320" cy="5276088"/>
+          </a:xfrm>
+          <a:prstGeom prst="rightBrace">
+            <a:avLst/>
+          </a:prstGeom>
+          <a:ln w="31750" cap="flat">
+            <a:miter lim="800000"/>
+          </a:ln>
+        </p:spPr>
+        <p:style>
+          <a:lnRef idx="1">
+            <a:schemeClr val="accent1"/>
+          </a:lnRef>
+          <a:fillRef idx="0">
+            <a:schemeClr val="accent1"/>
+          </a:fillRef>
+          <a:effectRef idx="0">
+            <a:schemeClr val="accent1"/>
+          </a:effectRef>
+          <a:fontRef idx="minor">
+            <a:schemeClr val="tx1"/>
+          </a:fontRef>
+        </p:style>
+        <p:txBody>
+          <a:bodyPr rtlCol="0" anchor="ctr"/>
+          <a:lstStyle/>
+          <a:p>
+            <a:pPr marL="0" marR="0" lvl="0" indent="0" algn="ctr" defTabSz="914400" rtl="0" eaLnBrk="1" fontAlgn="auto" latinLnBrk="0" hangingPunct="1">
+              <a:lnSpc>
+                <a:spcPct val="100000"/>
+              </a:lnSpc>
+              <a:spcBef>
+                <a:spcPts val="0"/>
+              </a:spcBef>
+              <a:spcAft>
+                <a:spcPts val="0"/>
+              </a:spcAft>
+              <a:buClrTx/>
+              <a:buSzTx/>
+              <a:buFontTx/>
+              <a:buNone/>
+              <a:tabLst/>
+              <a:defRPr/>
+            </a:pPr>
+            <a:endParaRPr kumimoji="0" lang="en-US" sz="1800" b="0" i="0" u="none" strike="noStrike" kern="1200" cap="none" spc="0" normalizeH="0" baseline="0" noProof="0">
+              <a:ln>
+                <a:noFill/>
+              </a:ln>
+              <a:solidFill>
+                <a:srgbClr val="000000"/>
+              </a:solidFill>
+              <a:effectLst/>
+              <a:uLnTx/>
+              <a:uFillTx/>
+              <a:latin typeface="Arial" panose="020B0604020202020204"/>
+              <a:ea typeface="+mn-ea"/>
+              <a:cs typeface="+mn-cs"/>
+            </a:endParaRPr>
+          </a:p>
+        </p:txBody>
+      </p:sp>
+      <p:sp>
+        <p:nvSpPr>
+          <p:cNvPr id="113" name="Arrow: Bent 74">
+            <a:extLst>
+              <a:ext uri="{FF2B5EF4-FFF2-40B4-BE49-F238E27FC236}">
+                <a16:creationId xmlns:a16="http://schemas.microsoft.com/office/drawing/2014/main" id="{5E9E6031-7562-FE4A-9614-5C0B0B71C442}"/>
+              </a:ext>
+            </a:extLst>
+          </p:cNvPr>
+          <p:cNvSpPr/>
+          <p:nvPr/>
+        </p:nvSpPr>
+        <p:spPr>
+          <a:xfrm rot="16200000">
+            <a:off x="1098783" y="5103364"/>
+            <a:ext cx="960120" cy="521208"/>
+          </a:xfrm>
+          <a:prstGeom prst="bentArrow">
+            <a:avLst/>
+          </a:prstGeom>
+        </p:spPr>
+        <p:style>
+          <a:lnRef idx="2">
+            <a:schemeClr val="accent1">
+              <a:shade val="50000"/>
+            </a:schemeClr>
+          </a:lnRef>
+          <a:fillRef idx="1">
+            <a:schemeClr val="accent1"/>
+          </a:fillRef>
+          <a:effectRef idx="0">
+            <a:schemeClr val="accent1"/>
+          </a:effectRef>
+          <a:fontRef idx="minor">
+            <a:schemeClr val="lt1"/>
+          </a:fontRef>
+        </p:style>
+        <p:txBody>
+          <a:bodyPr rtlCol="0" anchor="ctr"/>
+          <a:lstStyle/>
+          <a:p>
+            <a:pPr marL="0" marR="0" lvl="0" indent="0" algn="ctr" defTabSz="914400" rtl="0" eaLnBrk="1" fontAlgn="auto" latinLnBrk="0" hangingPunct="1">
+              <a:lnSpc>
+                <a:spcPct val="100000"/>
+              </a:lnSpc>
+              <a:spcBef>
+                <a:spcPts val="0"/>
+              </a:spcBef>
+              <a:spcAft>
+                <a:spcPts val="0"/>
+              </a:spcAft>
+              <a:buClrTx/>
+              <a:buSzTx/>
+              <a:buFontTx/>
+              <a:buNone/>
+              <a:tabLst/>
+              <a:defRPr/>
+            </a:pPr>
+            <a:endParaRPr kumimoji="0" lang="en-US" sz="1800" b="0" i="0" u="none" strike="noStrike" kern="1200" cap="none" spc="0" normalizeH="0" baseline="0" noProof="0">
+              <a:ln>
+                <a:noFill/>
+              </a:ln>
+              <a:solidFill>
+                <a:srgbClr val="000000"/>
+              </a:solidFill>
+              <a:effectLst/>
+              <a:uLnTx/>
+              <a:uFillTx/>
+              <a:latin typeface="Arial" panose="020B0604020202020204"/>
+              <a:ea typeface="+mn-ea"/>
+              <a:cs typeface="+mn-cs"/>
+            </a:endParaRPr>
+          </a:p>
+        </p:txBody>
+      </p:sp>
+      <p:sp>
+        <p:nvSpPr>
+          <p:cNvPr id="40" name="Rectangle 39">
+            <a:extLst>
+              <a:ext uri="{FF2B5EF4-FFF2-40B4-BE49-F238E27FC236}">
+                <a16:creationId xmlns:a16="http://schemas.microsoft.com/office/drawing/2014/main" id="{D06A7E67-1463-4B8A-ADF1-9E23CEF7D86E}"/>
+              </a:ext>
+            </a:extLst>
+          </p:cNvPr>
+          <p:cNvSpPr/>
+          <p:nvPr/>
+        </p:nvSpPr>
+        <p:spPr>
+          <a:xfrm>
+            <a:off x="140303" y="2906839"/>
+            <a:ext cx="2650031" cy="2129487"/>
+          </a:xfrm>
+          <a:prstGeom prst="rect">
+            <a:avLst/>
+          </a:prstGeom>
+          <a:noFill/>
+          <a:ln w="57150">
+            <a:solidFill>
+              <a:schemeClr val="accent1"/>
+            </a:solidFill>
+          </a:ln>
+        </p:spPr>
+        <p:style>
+          <a:lnRef idx="2">
+            <a:schemeClr val="accent1">
+              <a:shade val="50000"/>
+            </a:schemeClr>
+          </a:lnRef>
+          <a:fillRef idx="1">
+            <a:schemeClr val="accent1"/>
+          </a:fillRef>
+          <a:effectRef idx="0">
+            <a:schemeClr val="accent1"/>
+          </a:effectRef>
+          <a:fontRef idx="minor">
+            <a:schemeClr val="lt1"/>
+          </a:fontRef>
+        </p:style>
+        <p:txBody>
+          <a:bodyPr rtlCol="0" anchor="ctr"/>
+          <a:lstStyle/>
+          <a:p>
+            <a:pPr marL="0" marR="0" lvl="0" indent="0" algn="ctr" defTabSz="914400" rtl="0" eaLnBrk="1" fontAlgn="auto" latinLnBrk="0" hangingPunct="1">
+              <a:lnSpc>
+                <a:spcPct val="100000"/>
+              </a:lnSpc>
+              <a:spcBef>
+                <a:spcPts val="0"/>
+              </a:spcBef>
+              <a:spcAft>
+                <a:spcPts val="0"/>
+              </a:spcAft>
+              <a:buClrTx/>
+              <a:buSzTx/>
+              <a:buFontTx/>
+              <a:buNone/>
+              <a:tabLst/>
+              <a:defRPr/>
+            </a:pPr>
+            <a:endParaRPr kumimoji="0" lang="en-US" sz="1800" b="0" i="0" u="none" strike="noStrike" kern="1200" cap="none" spc="0" normalizeH="0" baseline="0" noProof="0">
+              <a:ln>
+                <a:noFill/>
+              </a:ln>
+              <a:solidFill>
+                <a:srgbClr val="FFFFFF"/>
+              </a:solidFill>
+              <a:effectLst/>
+              <a:uLnTx/>
+              <a:uFillTx/>
+              <a:latin typeface="Arial" panose="020B0604020202020204"/>
+              <a:ea typeface="+mn-ea"/>
+              <a:cs typeface="+mn-cs"/>
+            </a:endParaRPr>
+          </a:p>
+        </p:txBody>
+      </p:sp>
+    </p:spTree>
+    <p:extLst>
+      <p:ext uri="{BB962C8B-B14F-4D97-AF65-F5344CB8AC3E}">
+        <p14:creationId xmlns:p14="http://schemas.microsoft.com/office/powerpoint/2010/main" val="486159662"/>
+      </p:ext>
+    </p:extLst>
+  </p:cSld>
+  <p:clrMapOvr>
+    <a:masterClrMapping/>
+  </p:clrMapOvr>
+</p:sld>
+</file>
+
+<file path=ppt/slides/slide3.xml><?xml version="1.0" encoding="utf-8"?>
+<p:sld xmlns:a="http://schemas.openxmlformats.org/drawingml/2006/main" xmlns:r="http://schemas.openxmlformats.org/officeDocument/2006/relationships" xmlns:p="http://schemas.openxmlformats.org/presentationml/2006/main">
+  <p:cSld>
+    <p:spTree>
+      <p:nvGrpSpPr>
+        <p:cNvPr id="1" name=""/>
+        <p:cNvGrpSpPr/>
+        <p:nvPr/>
+      </p:nvGrpSpPr>
+      <p:grpSpPr>
+        <a:xfrm>
+          <a:off x="0" y="0"/>
+          <a:ext cx="0" cy="0"/>
+          <a:chOff x="0" y="0"/>
+          <a:chExt cx="0" cy="0"/>
+        </a:xfrm>
+      </p:grpSpPr>
+      <p:grpSp>
+        <p:nvGrpSpPr>
+          <p:cNvPr id="77" name="Group 76">
+            <a:extLst>
+              <a:ext uri="{FF2B5EF4-FFF2-40B4-BE49-F238E27FC236}">
+                <a16:creationId xmlns:a16="http://schemas.microsoft.com/office/drawing/2014/main" id="{DB1D22D3-5AEE-794A-82C0-D0D41F7B1DFA}"/>
+              </a:ext>
+            </a:extLst>
+          </p:cNvPr>
+          <p:cNvGrpSpPr/>
+          <p:nvPr/>
+        </p:nvGrpSpPr>
+        <p:grpSpPr>
+          <a:xfrm>
+            <a:off x="9122679" y="3002415"/>
+            <a:ext cx="2379873" cy="1833912"/>
+            <a:chOff x="2537460" y="1444323"/>
+            <a:chExt cx="2240280" cy="933120"/>
+          </a:xfrm>
+        </p:grpSpPr>
+        <p:sp>
+          <p:nvSpPr>
+            <p:cNvPr id="78" name="Rectangle 77">
+              <a:extLst>
+                <a:ext uri="{FF2B5EF4-FFF2-40B4-BE49-F238E27FC236}">
+                  <a16:creationId xmlns:a16="http://schemas.microsoft.com/office/drawing/2014/main" id="{159DF56E-FE57-404E-8806-D30513B2543D}"/>
+                </a:ext>
+              </a:extLst>
+            </p:cNvPr>
+            <p:cNvSpPr/>
+            <p:nvPr/>
+          </p:nvSpPr>
+          <p:spPr>
+            <a:xfrm>
+              <a:off x="2537460" y="1444323"/>
+              <a:ext cx="2240280" cy="390663"/>
+            </a:xfrm>
+            <a:prstGeom prst="rect">
+              <a:avLst/>
+            </a:prstGeom>
+          </p:spPr>
+          <p:style>
+            <a:lnRef idx="2">
+              <a:schemeClr val="accent1">
+                <a:shade val="50000"/>
+              </a:schemeClr>
+            </a:lnRef>
+            <a:fillRef idx="1">
+              <a:schemeClr val="accent1"/>
+            </a:fillRef>
+            <a:effectRef idx="0">
+              <a:schemeClr val="accent1"/>
+            </a:effectRef>
+            <a:fontRef idx="minor">
+              <a:schemeClr val="lt1"/>
+            </a:fontRef>
+          </p:style>
+          <p:txBody>
+            <a:bodyPr rtlCol="0" anchor="ctr"/>
+            <a:lstStyle/>
+            <a:p>
+              <a:pPr marL="0" marR="0" lvl="0" indent="0" algn="ctr" defTabSz="914400" rtl="0" eaLnBrk="1" fontAlgn="auto" latinLnBrk="0" hangingPunct="1">
+                <a:lnSpc>
+                  <a:spcPct val="100000"/>
+                </a:lnSpc>
+                <a:spcBef>
+                  <a:spcPts val="0"/>
+                </a:spcBef>
+                <a:spcAft>
+                  <a:spcPts val="0"/>
+                </a:spcAft>
+                <a:buClrTx/>
+                <a:buSzTx/>
+                <a:buFontTx/>
+                <a:buNone/>
+                <a:tabLst/>
+                <a:defRPr/>
+              </a:pPr>
+              <a:r>
+                <a:rPr kumimoji="0" lang="en-US" sz="2000" b="1" i="0" u="none" strike="noStrike" kern="1200" cap="none" spc="0" normalizeH="0" baseline="0" noProof="0" dirty="0">
+                  <a:ln>
+                    <a:noFill/>
+                  </a:ln>
+                  <a:solidFill>
+                    <a:srgbClr val="FFFFFF"/>
+                  </a:solidFill>
+                  <a:effectLst/>
+                  <a:uLnTx/>
+                  <a:uFillTx/>
+                  <a:latin typeface="Arial" panose="020B0604020202020204"/>
+                  <a:ea typeface="+mn-ea"/>
+                  <a:cs typeface="+mn-cs"/>
+                </a:rPr>
+                <a:t>Deployment</a:t>
+              </a:r>
+            </a:p>
+          </p:txBody>
+        </p:sp>
+        <p:sp>
+          <p:nvSpPr>
+            <p:cNvPr id="79" name="Rectangle 78">
+              <a:extLst>
+                <a:ext uri="{FF2B5EF4-FFF2-40B4-BE49-F238E27FC236}">
+                  <a16:creationId xmlns:a16="http://schemas.microsoft.com/office/drawing/2014/main" id="{CEEEEE2C-0977-EC4D-BEC7-365444A81747}"/>
+                </a:ext>
+              </a:extLst>
+            </p:cNvPr>
+            <p:cNvSpPr/>
+            <p:nvPr/>
+          </p:nvSpPr>
+          <p:spPr>
+            <a:xfrm>
+              <a:off x="2537460" y="1834987"/>
+              <a:ext cx="2240280" cy="542456"/>
+            </a:xfrm>
+            <a:prstGeom prst="rect">
+              <a:avLst/>
+            </a:prstGeom>
+            <a:solidFill>
+              <a:schemeClr val="bg1"/>
+            </a:solidFill>
+          </p:spPr>
+          <p:style>
+            <a:lnRef idx="2">
+              <a:schemeClr val="accent1">
+                <a:shade val="50000"/>
+              </a:schemeClr>
+            </a:lnRef>
+            <a:fillRef idx="1">
+              <a:schemeClr val="accent1"/>
+            </a:fillRef>
+            <a:effectRef idx="0">
+              <a:schemeClr val="accent1"/>
+            </a:effectRef>
+            <a:fontRef idx="minor">
+              <a:schemeClr val="lt1"/>
+            </a:fontRef>
+          </p:style>
+          <p:txBody>
+            <a:bodyPr rtlCol="0" anchor="ctr"/>
+            <a:lstStyle/>
+            <a:p>
+              <a:pPr marL="0" marR="0" lvl="0" indent="0" algn="ctr" defTabSz="914400" rtl="0" eaLnBrk="1" fontAlgn="auto" latinLnBrk="0" hangingPunct="1">
+                <a:lnSpc>
+                  <a:spcPct val="100000"/>
+                </a:lnSpc>
+                <a:spcBef>
+                  <a:spcPts val="0"/>
+                </a:spcBef>
+                <a:spcAft>
+                  <a:spcPts val="0"/>
+                </a:spcAft>
+                <a:buClrTx/>
+                <a:buSzTx/>
+                <a:buFontTx/>
+                <a:buNone/>
+                <a:tabLst/>
+                <a:defRPr/>
+              </a:pPr>
+              <a:r>
+                <a:rPr kumimoji="0" lang="en-US" sz="1600" b="0" i="0" u="none" strike="noStrike" kern="1200" cap="none" spc="0" normalizeH="0" baseline="0" noProof="0" dirty="0">
+                  <a:ln>
+                    <a:noFill/>
+                  </a:ln>
+                  <a:solidFill>
+                    <a:srgbClr val="D8D9D8">
+                      <a:lumMod val="75000"/>
+                    </a:srgbClr>
+                  </a:solidFill>
+                  <a:effectLst/>
+                  <a:uLnTx/>
+                  <a:uFillTx/>
+                  <a:latin typeface="Arial" panose="020B0604020202020204"/>
+                  <a:ea typeface="+mn-ea"/>
+                  <a:cs typeface="+mn-cs"/>
+                </a:rPr>
+                <a:t>Performance</a:t>
+              </a:r>
+            </a:p>
+            <a:p>
+              <a:pPr marL="0" marR="0" lvl="0" indent="0" algn="ctr" defTabSz="914400" rtl="0" eaLnBrk="1" fontAlgn="auto" latinLnBrk="0" hangingPunct="1">
+                <a:lnSpc>
+                  <a:spcPct val="100000"/>
+                </a:lnSpc>
+                <a:spcBef>
+                  <a:spcPts val="0"/>
+                </a:spcBef>
+                <a:spcAft>
+                  <a:spcPts val="0"/>
+                </a:spcAft>
+                <a:buClrTx/>
+                <a:buSzTx/>
+                <a:buFontTx/>
+                <a:buNone/>
+                <a:tabLst/>
+                <a:defRPr/>
+              </a:pPr>
+              <a:r>
+                <a:rPr kumimoji="0" lang="en-US" sz="1600" b="0" i="0" u="none" strike="noStrike" kern="1200" cap="none" spc="0" normalizeH="0" baseline="0" noProof="0" dirty="0">
+                  <a:ln>
+                    <a:noFill/>
+                  </a:ln>
+                  <a:solidFill>
+                    <a:srgbClr val="D8D9D8">
+                      <a:lumMod val="75000"/>
+                    </a:srgbClr>
+                  </a:solidFill>
+                  <a:effectLst/>
+                  <a:uLnTx/>
+                  <a:uFillTx/>
+                  <a:latin typeface="Arial" panose="020B0604020202020204"/>
+                  <a:ea typeface="+mn-ea"/>
+                  <a:cs typeface="+mn-cs"/>
+                </a:rPr>
+                <a:t>Evasion and attacks</a:t>
+              </a:r>
+            </a:p>
+            <a:p>
+              <a:pPr marL="0" marR="0" lvl="0" indent="0" algn="ctr" defTabSz="914400" rtl="0" eaLnBrk="1" fontAlgn="auto" latinLnBrk="0" hangingPunct="1">
+                <a:lnSpc>
+                  <a:spcPct val="100000"/>
+                </a:lnSpc>
+                <a:spcBef>
+                  <a:spcPts val="0"/>
+                </a:spcBef>
+                <a:spcAft>
+                  <a:spcPts val="0"/>
+                </a:spcAft>
+                <a:buClrTx/>
+                <a:buSzTx/>
+                <a:buFontTx/>
+                <a:buNone/>
+                <a:tabLst/>
+                <a:defRPr/>
+              </a:pPr>
+              <a:r>
+                <a:rPr kumimoji="0" lang="en-US" sz="1600" b="0" i="0" u="none" strike="noStrike" kern="1200" cap="none" spc="0" normalizeH="0" baseline="0" noProof="0" dirty="0">
+                  <a:ln>
+                    <a:noFill/>
+                  </a:ln>
+                  <a:solidFill>
+                    <a:srgbClr val="D8D9D8">
+                      <a:lumMod val="75000"/>
+                    </a:srgbClr>
+                  </a:solidFill>
+                  <a:effectLst/>
+                  <a:uLnTx/>
+                  <a:uFillTx/>
+                  <a:latin typeface="Arial" panose="020B0604020202020204"/>
+                  <a:ea typeface="+mn-ea"/>
+                  <a:cs typeface="+mn-cs"/>
+                </a:rPr>
+                <a:t>Model drift</a:t>
+              </a:r>
+            </a:p>
+            <a:p>
+              <a:pPr marL="0" marR="0" lvl="0" indent="0" algn="ctr" defTabSz="914400" rtl="0" eaLnBrk="1" fontAlgn="auto" latinLnBrk="0" hangingPunct="1">
+                <a:lnSpc>
+                  <a:spcPct val="100000"/>
+                </a:lnSpc>
+                <a:spcBef>
+                  <a:spcPts val="0"/>
+                </a:spcBef>
+                <a:spcAft>
+                  <a:spcPts val="0"/>
+                </a:spcAft>
+                <a:buClrTx/>
+                <a:buSzTx/>
+                <a:buFontTx/>
+                <a:buNone/>
+                <a:tabLst/>
+                <a:defRPr/>
+              </a:pPr>
+              <a:r>
+                <a:rPr kumimoji="0" lang="en-US" sz="1600" b="0" i="0" u="none" strike="noStrike" kern="1200" cap="none" spc="0" normalizeH="0" baseline="0" noProof="0" dirty="0">
+                  <a:ln>
+                    <a:noFill/>
+                  </a:ln>
+                  <a:solidFill>
+                    <a:srgbClr val="D8D9D8">
+                      <a:lumMod val="75000"/>
+                    </a:srgbClr>
+                  </a:solidFill>
+                  <a:effectLst/>
+                  <a:uLnTx/>
+                  <a:uFillTx/>
+                  <a:latin typeface="Arial" panose="020B0604020202020204"/>
+                  <a:ea typeface="+mn-ea"/>
+                  <a:cs typeface="+mn-cs"/>
+                </a:rPr>
+                <a:t>Impact on stakeholders</a:t>
+              </a:r>
+            </a:p>
+          </p:txBody>
+        </p:sp>
+      </p:grpSp>
+      <p:grpSp>
+        <p:nvGrpSpPr>
+          <p:cNvPr id="80" name="Group 79">
+            <a:extLst>
+              <a:ext uri="{FF2B5EF4-FFF2-40B4-BE49-F238E27FC236}">
+                <a16:creationId xmlns:a16="http://schemas.microsoft.com/office/drawing/2014/main" id="{547CE830-0AE7-DE42-92D2-A882C95A4293}"/>
+              </a:ext>
+            </a:extLst>
+          </p:cNvPr>
+          <p:cNvGrpSpPr/>
+          <p:nvPr/>
+        </p:nvGrpSpPr>
+        <p:grpSpPr>
+          <a:xfrm>
+            <a:off x="6174260" y="3019324"/>
+            <a:ext cx="2921916" cy="1837944"/>
+            <a:chOff x="6174260" y="3019324"/>
+            <a:chExt cx="2921916" cy="1837944"/>
+          </a:xfrm>
+        </p:grpSpPr>
+        <p:grpSp>
+          <p:nvGrpSpPr>
+            <p:cNvPr id="81" name="Group 80">
+              <a:extLst>
+                <a:ext uri="{FF2B5EF4-FFF2-40B4-BE49-F238E27FC236}">
+                  <a16:creationId xmlns:a16="http://schemas.microsoft.com/office/drawing/2014/main" id="{CF180C12-516B-044D-B995-07D8CF2CCC0A}"/>
+                </a:ext>
+              </a:extLst>
+            </p:cNvPr>
+            <p:cNvGrpSpPr/>
+            <p:nvPr/>
+          </p:nvGrpSpPr>
+          <p:grpSpPr>
+            <a:xfrm>
+              <a:off x="6174260" y="3019324"/>
+              <a:ext cx="2379873" cy="1837944"/>
+              <a:chOff x="2537460" y="1431001"/>
+              <a:chExt cx="2240280" cy="1347250"/>
+            </a:xfrm>
+          </p:grpSpPr>
+          <p:sp>
+            <p:nvSpPr>
+              <p:cNvPr id="83" name="Rectangle 82">
+                <a:extLst>
+                  <a:ext uri="{FF2B5EF4-FFF2-40B4-BE49-F238E27FC236}">
+                    <a16:creationId xmlns:a16="http://schemas.microsoft.com/office/drawing/2014/main" id="{DCFDDA26-FDF5-B24D-94FF-EB63828FC749}"/>
+                  </a:ext>
+                </a:extLst>
+              </p:cNvPr>
+              <p:cNvSpPr/>
+              <p:nvPr/>
+            </p:nvSpPr>
+            <p:spPr>
+              <a:xfrm>
+                <a:off x="2537460" y="1431001"/>
+                <a:ext cx="2240280" cy="557819"/>
+              </a:xfrm>
+              <a:prstGeom prst="rect">
+                <a:avLst/>
+              </a:prstGeom>
+            </p:spPr>
+            <p:style>
+              <a:lnRef idx="2">
+                <a:schemeClr val="accent1">
+                  <a:shade val="50000"/>
+                </a:schemeClr>
+              </a:lnRef>
+              <a:fillRef idx="1">
+                <a:schemeClr val="accent1"/>
+              </a:fillRef>
+              <a:effectRef idx="0">
+                <a:schemeClr val="accent1"/>
+              </a:effectRef>
+              <a:fontRef idx="minor">
+                <a:schemeClr val="lt1"/>
+              </a:fontRef>
+            </p:style>
+            <p:txBody>
+              <a:bodyPr rtlCol="0" anchor="ctr"/>
+              <a:lstStyle/>
+              <a:p>
+                <a:pPr marL="0" marR="0" lvl="0" indent="0" algn="ctr" defTabSz="914400" rtl="0" eaLnBrk="1" fontAlgn="auto" latinLnBrk="0" hangingPunct="1">
+                  <a:lnSpc>
+                    <a:spcPct val="100000"/>
+                  </a:lnSpc>
+                  <a:spcBef>
+                    <a:spcPts val="0"/>
+                  </a:spcBef>
+                  <a:spcAft>
+                    <a:spcPts val="0"/>
+                  </a:spcAft>
+                  <a:buClrTx/>
+                  <a:buSzTx/>
+                  <a:buFontTx/>
+                  <a:buNone/>
+                  <a:tabLst/>
+                  <a:defRPr/>
+                </a:pPr>
+                <a:r>
+                  <a:rPr kumimoji="0" lang="en-US" sz="2000" b="1" i="0" u="none" strike="noStrike" kern="1200" cap="none" spc="0" normalizeH="0" baseline="0" noProof="0" dirty="0">
+                    <a:ln>
+                      <a:noFill/>
+                    </a:ln>
+                    <a:solidFill>
+                      <a:srgbClr val="FFFFFF"/>
+                    </a:solidFill>
+                    <a:effectLst/>
+                    <a:uLnTx/>
+                    <a:uFillTx/>
+                    <a:latin typeface="Arial" panose="020B0604020202020204"/>
+                    <a:ea typeface="+mn-ea"/>
+                    <a:cs typeface="+mn-cs"/>
+                  </a:rPr>
+                  <a:t>Modeling</a:t>
+                </a:r>
+              </a:p>
+            </p:txBody>
+          </p:sp>
+          <p:sp>
+            <p:nvSpPr>
+              <p:cNvPr id="84" name="Rectangle 83">
+                <a:extLst>
+                  <a:ext uri="{FF2B5EF4-FFF2-40B4-BE49-F238E27FC236}">
+                    <a16:creationId xmlns:a16="http://schemas.microsoft.com/office/drawing/2014/main" id="{8865AEB1-5E0A-4D4C-B98B-F3743B7C855F}"/>
+                  </a:ext>
+                </a:extLst>
+              </p:cNvPr>
+              <p:cNvSpPr/>
+              <p:nvPr/>
+            </p:nvSpPr>
+            <p:spPr>
+              <a:xfrm>
+                <a:off x="2537460" y="1988821"/>
+                <a:ext cx="2240280" cy="789430"/>
+              </a:xfrm>
+              <a:prstGeom prst="rect">
+                <a:avLst/>
+              </a:prstGeom>
+              <a:solidFill>
+                <a:schemeClr val="bg1"/>
+              </a:solidFill>
+            </p:spPr>
+            <p:style>
+              <a:lnRef idx="2">
+                <a:schemeClr val="accent1">
+                  <a:shade val="50000"/>
+                </a:schemeClr>
+              </a:lnRef>
+              <a:fillRef idx="1">
+                <a:schemeClr val="accent1"/>
+              </a:fillRef>
+              <a:effectRef idx="0">
+                <a:schemeClr val="accent1"/>
+              </a:effectRef>
+              <a:fontRef idx="minor">
+                <a:schemeClr val="lt1"/>
+              </a:fontRef>
+            </p:style>
+            <p:txBody>
+              <a:bodyPr rtlCol="0" anchor="ctr"/>
+              <a:lstStyle/>
+              <a:p>
+                <a:pPr marL="0" marR="0" lvl="0" indent="0" algn="ctr" defTabSz="914400" rtl="0" eaLnBrk="1" fontAlgn="auto" latinLnBrk="0" hangingPunct="1">
+                  <a:lnSpc>
+                    <a:spcPct val="100000"/>
+                  </a:lnSpc>
+                  <a:spcBef>
+                    <a:spcPts val="0"/>
+                  </a:spcBef>
+                  <a:spcAft>
+                    <a:spcPts val="0"/>
+                  </a:spcAft>
+                  <a:buClrTx/>
+                  <a:buSzTx/>
+                  <a:buFontTx/>
+                  <a:buNone/>
+                  <a:tabLst/>
+                  <a:defRPr/>
+                </a:pPr>
+                <a:r>
+                  <a:rPr kumimoji="0" lang="en-US" sz="1600" b="0" i="0" u="none" strike="noStrike" kern="1200" cap="none" spc="0" normalizeH="0" baseline="0" noProof="0" dirty="0">
+                    <a:ln>
+                      <a:noFill/>
+                    </a:ln>
+                    <a:solidFill>
+                      <a:srgbClr val="D8D9D8">
+                        <a:lumMod val="75000"/>
+                      </a:srgbClr>
+                    </a:solidFill>
+                    <a:effectLst/>
+                    <a:uLnTx/>
+                    <a:uFillTx/>
+                    <a:latin typeface="Arial" panose="020B0604020202020204"/>
+                    <a:ea typeface="+mn-ea"/>
+                    <a:cs typeface="+mn-cs"/>
+                  </a:rPr>
+                  <a:t>Efficiency</a:t>
+                </a:r>
+              </a:p>
+              <a:p>
+                <a:pPr marL="0" marR="0" lvl="0" indent="0" algn="ctr" defTabSz="914400" rtl="0" eaLnBrk="1" fontAlgn="auto" latinLnBrk="0" hangingPunct="1">
+                  <a:lnSpc>
+                    <a:spcPct val="100000"/>
+                  </a:lnSpc>
+                  <a:spcBef>
+                    <a:spcPts val="0"/>
+                  </a:spcBef>
+                  <a:spcAft>
+                    <a:spcPts val="0"/>
+                  </a:spcAft>
+                  <a:buClrTx/>
+                  <a:buSzTx/>
+                  <a:buFontTx/>
+                  <a:buNone/>
+                  <a:tabLst/>
+                  <a:defRPr/>
+                </a:pPr>
+                <a:r>
+                  <a:rPr kumimoji="0" lang="en-US" sz="1600" b="0" i="0" u="none" strike="noStrike" kern="1200" cap="none" spc="0" normalizeH="0" baseline="0" noProof="0" dirty="0">
+                    <a:ln>
+                      <a:noFill/>
+                    </a:ln>
+                    <a:solidFill>
+                      <a:srgbClr val="D8D9D8">
+                        <a:lumMod val="75000"/>
+                      </a:srgbClr>
+                    </a:solidFill>
+                    <a:effectLst/>
+                    <a:uLnTx/>
+                    <a:uFillTx/>
+                    <a:latin typeface="Arial" panose="020B0604020202020204"/>
+                    <a:ea typeface="+mn-ea"/>
+                    <a:cs typeface="+mn-cs"/>
+                  </a:rPr>
+                  <a:t>Accuracy</a:t>
+                </a:r>
+              </a:p>
+              <a:p>
+                <a:pPr marL="0" marR="0" lvl="0" indent="0" algn="ctr" defTabSz="914400" rtl="0" eaLnBrk="1" fontAlgn="auto" latinLnBrk="0" hangingPunct="1">
+                  <a:lnSpc>
+                    <a:spcPct val="100000"/>
+                  </a:lnSpc>
+                  <a:spcBef>
+                    <a:spcPts val="0"/>
+                  </a:spcBef>
+                  <a:spcAft>
+                    <a:spcPts val="0"/>
+                  </a:spcAft>
+                  <a:buClrTx/>
+                  <a:buSzTx/>
+                  <a:buFontTx/>
+                  <a:buNone/>
+                  <a:tabLst/>
+                  <a:defRPr/>
+                </a:pPr>
+                <a:r>
+                  <a:rPr kumimoji="0" lang="en-US" sz="1600" b="0" i="0" u="none" strike="noStrike" kern="1200" cap="none" spc="0" normalizeH="0" baseline="0" noProof="0" dirty="0">
+                    <a:ln>
+                      <a:noFill/>
+                    </a:ln>
+                    <a:solidFill>
+                      <a:srgbClr val="D8D9D8">
+                        <a:lumMod val="75000"/>
+                      </a:srgbClr>
+                    </a:solidFill>
+                    <a:effectLst/>
+                    <a:uLnTx/>
+                    <a:uFillTx/>
+                    <a:latin typeface="Arial" panose="020B0604020202020204"/>
+                    <a:ea typeface="+mn-ea"/>
+                    <a:cs typeface="+mn-cs"/>
+                  </a:rPr>
+                  <a:t>Interpretability</a:t>
+                </a:r>
+              </a:p>
+              <a:p>
+                <a:pPr marL="0" marR="0" lvl="0" indent="0" algn="ctr" defTabSz="914400" rtl="0" eaLnBrk="1" fontAlgn="auto" latinLnBrk="0" hangingPunct="1">
+                  <a:lnSpc>
+                    <a:spcPct val="100000"/>
+                  </a:lnSpc>
+                  <a:spcBef>
+                    <a:spcPts val="0"/>
+                  </a:spcBef>
+                  <a:spcAft>
+                    <a:spcPts val="0"/>
+                  </a:spcAft>
+                  <a:buClrTx/>
+                  <a:buSzTx/>
+                  <a:buFontTx/>
+                  <a:buNone/>
+                  <a:tabLst/>
+                  <a:defRPr/>
+                </a:pPr>
+                <a:r>
+                  <a:rPr kumimoji="0" lang="en-US" sz="1600" b="0" i="0" u="none" strike="noStrike" kern="1200" cap="none" spc="0" normalizeH="0" baseline="0" noProof="0" dirty="0">
+                    <a:ln>
+                      <a:noFill/>
+                    </a:ln>
+                    <a:solidFill>
+                      <a:srgbClr val="D8D9D8">
+                        <a:lumMod val="75000"/>
+                      </a:srgbClr>
+                    </a:solidFill>
+                    <a:effectLst/>
+                    <a:uLnTx/>
+                    <a:uFillTx/>
+                    <a:latin typeface="Arial" panose="020B0604020202020204"/>
+                    <a:ea typeface="+mn-ea"/>
+                    <a:cs typeface="+mn-cs"/>
+                  </a:rPr>
+                  <a:t>Adversarial resistance</a:t>
+                </a:r>
+              </a:p>
+            </p:txBody>
+          </p:sp>
+        </p:grpSp>
+        <p:sp>
+          <p:nvSpPr>
+            <p:cNvPr id="82" name="Right Arrow 81">
+              <a:extLst>
+                <a:ext uri="{FF2B5EF4-FFF2-40B4-BE49-F238E27FC236}">
+                  <a16:creationId xmlns:a16="http://schemas.microsoft.com/office/drawing/2014/main" id="{7529465F-E85B-3349-B4DA-A88F90BE5EB0}"/>
+                </a:ext>
+              </a:extLst>
+            </p:cNvPr>
+            <p:cNvSpPr/>
+            <p:nvPr/>
+          </p:nvSpPr>
+          <p:spPr>
+            <a:xfrm>
+              <a:off x="8771482" y="3831748"/>
+              <a:ext cx="324694" cy="292608"/>
+            </a:xfrm>
+            <a:prstGeom prst="rightArrow">
+              <a:avLst/>
+            </a:prstGeom>
+          </p:spPr>
+          <p:style>
+            <a:lnRef idx="2">
+              <a:schemeClr val="accent1">
+                <a:shade val="50000"/>
+              </a:schemeClr>
+            </a:lnRef>
+            <a:fillRef idx="1">
+              <a:schemeClr val="accent1"/>
+            </a:fillRef>
+            <a:effectRef idx="0">
+              <a:schemeClr val="accent1"/>
+            </a:effectRef>
+            <a:fontRef idx="minor">
+              <a:schemeClr val="lt1"/>
+            </a:fontRef>
+          </p:style>
+          <p:txBody>
+            <a:bodyPr rtlCol="0" anchor="ctr"/>
+            <a:lstStyle/>
+            <a:p>
+              <a:pPr marL="0" marR="0" lvl="0" indent="0" algn="ctr" defTabSz="914400" rtl="0" eaLnBrk="1" fontAlgn="auto" latinLnBrk="0" hangingPunct="1">
+                <a:lnSpc>
+                  <a:spcPct val="100000"/>
+                </a:lnSpc>
+                <a:spcBef>
+                  <a:spcPts val="0"/>
+                </a:spcBef>
+                <a:spcAft>
+                  <a:spcPts val="0"/>
+                </a:spcAft>
+                <a:buClrTx/>
+                <a:buSzTx/>
+                <a:buFontTx/>
+                <a:buNone/>
+                <a:tabLst/>
+                <a:defRPr/>
+              </a:pPr>
+              <a:endParaRPr kumimoji="0" lang="en-US" sz="1800" b="0" i="0" u="none" strike="noStrike" kern="1200" cap="none" spc="0" normalizeH="0" baseline="0" noProof="0">
+                <a:ln>
+                  <a:noFill/>
+                </a:ln>
+                <a:solidFill>
+                  <a:srgbClr val="FFFFFF"/>
+                </a:solidFill>
+                <a:effectLst/>
+                <a:uLnTx/>
+                <a:uFillTx/>
+                <a:latin typeface="Arial" panose="020B0604020202020204"/>
+                <a:ea typeface="+mn-ea"/>
+                <a:cs typeface="+mn-cs"/>
+              </a:endParaRPr>
+            </a:p>
+          </p:txBody>
+        </p:sp>
+      </p:grpSp>
+      <p:grpSp>
+        <p:nvGrpSpPr>
+          <p:cNvPr id="85" name="Group 84">
+            <a:extLst>
+              <a:ext uri="{FF2B5EF4-FFF2-40B4-BE49-F238E27FC236}">
+                <a16:creationId xmlns:a16="http://schemas.microsoft.com/office/drawing/2014/main" id="{6A190AC4-281E-D142-85A7-0EB42BD83FEC}"/>
+              </a:ext>
+            </a:extLst>
+          </p:cNvPr>
+          <p:cNvGrpSpPr/>
+          <p:nvPr/>
+        </p:nvGrpSpPr>
+        <p:grpSpPr>
+          <a:xfrm>
+            <a:off x="2119973" y="157291"/>
+            <a:ext cx="2823827" cy="1379266"/>
+            <a:chOff x="2119973" y="316759"/>
+            <a:chExt cx="2823827" cy="1833908"/>
+          </a:xfrm>
+        </p:grpSpPr>
+        <p:sp>
+          <p:nvSpPr>
+            <p:cNvPr id="86" name="Rectangle 85">
+              <a:extLst>
+                <a:ext uri="{FF2B5EF4-FFF2-40B4-BE49-F238E27FC236}">
+                  <a16:creationId xmlns:a16="http://schemas.microsoft.com/office/drawing/2014/main" id="{76246E91-D086-6648-96C3-70B2B82841FF}"/>
+                </a:ext>
+              </a:extLst>
+            </p:cNvPr>
+            <p:cNvSpPr/>
+            <p:nvPr/>
+          </p:nvSpPr>
+          <p:spPr>
+            <a:xfrm>
+              <a:off x="2119974" y="316759"/>
+              <a:ext cx="2823826" cy="747324"/>
+            </a:xfrm>
+            <a:prstGeom prst="rect">
+              <a:avLst/>
+            </a:prstGeom>
+            <a:solidFill>
+              <a:srgbClr val="002B3B"/>
+            </a:solidFill>
+          </p:spPr>
+          <p:style>
+            <a:lnRef idx="2">
+              <a:schemeClr val="accent1">
+                <a:shade val="50000"/>
+              </a:schemeClr>
+            </a:lnRef>
+            <a:fillRef idx="1">
+              <a:schemeClr val="accent1"/>
+            </a:fillRef>
+            <a:effectRef idx="0">
+              <a:schemeClr val="accent1"/>
+            </a:effectRef>
+            <a:fontRef idx="minor">
+              <a:schemeClr val="lt1"/>
+            </a:fontRef>
+          </p:style>
+          <p:txBody>
+            <a:bodyPr rtlCol="0" anchor="ctr"/>
+            <a:lstStyle/>
+            <a:p>
+              <a:pPr marL="0" marR="0" lvl="0" indent="0" algn="ctr" defTabSz="914400" rtl="0" eaLnBrk="1" fontAlgn="auto" latinLnBrk="0" hangingPunct="1">
+                <a:lnSpc>
+                  <a:spcPct val="100000"/>
+                </a:lnSpc>
+                <a:spcBef>
+                  <a:spcPts val="0"/>
+                </a:spcBef>
+                <a:spcAft>
+                  <a:spcPts val="0"/>
+                </a:spcAft>
+                <a:buClrTx/>
+                <a:buSzTx/>
+                <a:buFontTx/>
+                <a:buNone/>
+                <a:tabLst/>
+                <a:defRPr/>
+              </a:pPr>
+              <a:r>
+                <a:rPr kumimoji="0" lang="en-US" sz="2000" b="1" i="0" u="none" strike="noStrike" kern="1200" cap="none" spc="0" normalizeH="0" baseline="0" noProof="0" dirty="0">
+                  <a:ln>
+                    <a:noFill/>
+                  </a:ln>
+                  <a:solidFill>
+                    <a:srgbClr val="FFFFFF"/>
+                  </a:solidFill>
+                  <a:effectLst/>
+                  <a:uLnTx/>
+                  <a:uFillTx/>
+                  <a:latin typeface="Arial" panose="020B0604020202020204"/>
+                  <a:ea typeface="+mn-ea"/>
+                  <a:cs typeface="+mn-cs"/>
+                </a:rPr>
+                <a:t>Adversaries</a:t>
+              </a:r>
+            </a:p>
+          </p:txBody>
+        </p:sp>
+        <p:sp>
+          <p:nvSpPr>
+            <p:cNvPr id="87" name="Rectangle 86">
+              <a:extLst>
+                <a:ext uri="{FF2B5EF4-FFF2-40B4-BE49-F238E27FC236}">
+                  <a16:creationId xmlns:a16="http://schemas.microsoft.com/office/drawing/2014/main" id="{95C43885-E05D-8642-A476-796414EB713D}"/>
+                </a:ext>
+              </a:extLst>
+            </p:cNvPr>
+            <p:cNvSpPr/>
+            <p:nvPr/>
+          </p:nvSpPr>
+          <p:spPr>
+            <a:xfrm>
+              <a:off x="2119973" y="1064082"/>
+              <a:ext cx="2823826" cy="1086585"/>
+            </a:xfrm>
+            <a:prstGeom prst="rect">
+              <a:avLst/>
+            </a:prstGeom>
+            <a:solidFill>
+              <a:schemeClr val="bg1"/>
+            </a:solidFill>
+          </p:spPr>
+          <p:style>
+            <a:lnRef idx="2">
+              <a:schemeClr val="accent1">
+                <a:shade val="50000"/>
+              </a:schemeClr>
+            </a:lnRef>
+            <a:fillRef idx="1">
+              <a:schemeClr val="accent1"/>
+            </a:fillRef>
+            <a:effectRef idx="0">
+              <a:schemeClr val="accent1"/>
+            </a:effectRef>
+            <a:fontRef idx="minor">
+              <a:schemeClr val="lt1"/>
+            </a:fontRef>
+          </p:style>
+          <p:txBody>
+            <a:bodyPr rtlCol="0" anchor="ctr"/>
+            <a:lstStyle/>
+            <a:p>
+              <a:pPr marL="0" marR="0" lvl="0" indent="0" algn="ctr" defTabSz="914400" rtl="0" eaLnBrk="1" fontAlgn="auto" latinLnBrk="0" hangingPunct="1">
+                <a:lnSpc>
+                  <a:spcPct val="100000"/>
+                </a:lnSpc>
+                <a:spcBef>
+                  <a:spcPts val="0"/>
+                </a:spcBef>
+                <a:spcAft>
+                  <a:spcPts val="0"/>
+                </a:spcAft>
+                <a:buClrTx/>
+                <a:buSzTx/>
+                <a:buFontTx/>
+                <a:buNone/>
+                <a:tabLst/>
+                <a:defRPr/>
+              </a:pPr>
+              <a:r>
+                <a:rPr kumimoji="0" lang="en-US" sz="1600" b="0" i="0" u="none" strike="noStrike" kern="1200" cap="none" spc="0" normalizeH="0" baseline="0" noProof="0" dirty="0">
+                  <a:ln>
+                    <a:noFill/>
+                  </a:ln>
+                  <a:solidFill>
+                    <a:srgbClr val="D8D9D8">
+                      <a:lumMod val="75000"/>
+                    </a:srgbClr>
+                  </a:solidFill>
+                  <a:effectLst/>
+                  <a:uLnTx/>
+                  <a:uFillTx/>
+                  <a:latin typeface="Arial" panose="020B0604020202020204"/>
+                  <a:ea typeface="+mn-ea"/>
+                  <a:cs typeface="+mn-cs"/>
+                </a:rPr>
+                <a:t>Attacker’s goals</a:t>
+              </a:r>
+            </a:p>
+            <a:p>
+              <a:pPr marL="0" marR="0" lvl="0" indent="0" algn="ctr" defTabSz="914400" rtl="0" eaLnBrk="1" fontAlgn="auto" latinLnBrk="0" hangingPunct="1">
+                <a:lnSpc>
+                  <a:spcPct val="100000"/>
+                </a:lnSpc>
+                <a:spcBef>
+                  <a:spcPts val="0"/>
+                </a:spcBef>
+                <a:spcAft>
+                  <a:spcPts val="0"/>
+                </a:spcAft>
+                <a:buClrTx/>
+                <a:buSzTx/>
+                <a:buFontTx/>
+                <a:buNone/>
+                <a:tabLst/>
+                <a:defRPr/>
+              </a:pPr>
+              <a:r>
+                <a:rPr kumimoji="0" lang="en-US" sz="1600" b="0" i="0" u="none" strike="noStrike" kern="1200" cap="none" spc="0" normalizeH="0" baseline="0" noProof="0" dirty="0">
+                  <a:ln>
+                    <a:noFill/>
+                  </a:ln>
+                  <a:solidFill>
+                    <a:srgbClr val="D8D9D8">
+                      <a:lumMod val="75000"/>
+                    </a:srgbClr>
+                  </a:solidFill>
+                  <a:effectLst/>
+                  <a:uLnTx/>
+                  <a:uFillTx/>
+                  <a:latin typeface="Arial" panose="020B0604020202020204"/>
+                  <a:ea typeface="+mn-ea"/>
+                  <a:cs typeface="+mn-cs"/>
+                </a:rPr>
+                <a:t>Attacker’s capabilities</a:t>
+              </a:r>
+            </a:p>
+            <a:p>
+              <a:pPr marL="0" marR="0" lvl="0" indent="0" algn="ctr" defTabSz="914400" rtl="0" eaLnBrk="1" fontAlgn="auto" latinLnBrk="0" hangingPunct="1">
+                <a:lnSpc>
+                  <a:spcPct val="100000"/>
+                </a:lnSpc>
+                <a:spcBef>
+                  <a:spcPts val="0"/>
+                </a:spcBef>
+                <a:spcAft>
+                  <a:spcPts val="0"/>
+                </a:spcAft>
+                <a:buClrTx/>
+                <a:buSzTx/>
+                <a:buFontTx/>
+                <a:buNone/>
+                <a:tabLst/>
+                <a:defRPr/>
+              </a:pPr>
+              <a:r>
+                <a:rPr kumimoji="0" lang="en-US" sz="1600" b="0" i="0" u="none" strike="noStrike" kern="1200" cap="none" spc="0" normalizeH="0" baseline="0" noProof="0" dirty="0">
+                  <a:ln>
+                    <a:noFill/>
+                  </a:ln>
+                  <a:solidFill>
+                    <a:srgbClr val="D8D9D8">
+                      <a:lumMod val="75000"/>
+                    </a:srgbClr>
+                  </a:solidFill>
+                  <a:effectLst/>
+                  <a:uLnTx/>
+                  <a:uFillTx/>
+                  <a:latin typeface="Arial" panose="020B0604020202020204"/>
+                  <a:ea typeface="+mn-ea"/>
+                  <a:cs typeface="+mn-cs"/>
+                </a:rPr>
+                <a:t>Robustness of model/feature</a:t>
+              </a:r>
+            </a:p>
+          </p:txBody>
+        </p:sp>
+      </p:grpSp>
+      <p:grpSp>
+        <p:nvGrpSpPr>
+          <p:cNvPr id="88" name="Group 87">
+            <a:extLst>
+              <a:ext uri="{FF2B5EF4-FFF2-40B4-BE49-F238E27FC236}">
+                <a16:creationId xmlns:a16="http://schemas.microsoft.com/office/drawing/2014/main" id="{6B14134E-AF4E-2E4B-9F47-945123EF3318}"/>
+              </a:ext>
+            </a:extLst>
+          </p:cNvPr>
+          <p:cNvGrpSpPr/>
+          <p:nvPr/>
+        </p:nvGrpSpPr>
+        <p:grpSpPr>
+          <a:xfrm>
+            <a:off x="7413333" y="157291"/>
+            <a:ext cx="2823827" cy="1379266"/>
+            <a:chOff x="7413333" y="398039"/>
+            <a:chExt cx="2823827" cy="1833908"/>
+          </a:xfrm>
+        </p:grpSpPr>
+        <p:sp>
+          <p:nvSpPr>
+            <p:cNvPr id="89" name="Rectangle 88">
+              <a:extLst>
+                <a:ext uri="{FF2B5EF4-FFF2-40B4-BE49-F238E27FC236}">
+                  <a16:creationId xmlns:a16="http://schemas.microsoft.com/office/drawing/2014/main" id="{8AB25FFB-3797-D444-975A-94C1B00EB8A8}"/>
+                </a:ext>
+              </a:extLst>
+            </p:cNvPr>
+            <p:cNvSpPr/>
+            <p:nvPr/>
+          </p:nvSpPr>
+          <p:spPr>
+            <a:xfrm>
+              <a:off x="7413334" y="398039"/>
+              <a:ext cx="2823826" cy="747324"/>
+            </a:xfrm>
+            <a:prstGeom prst="rect">
+              <a:avLst/>
+            </a:prstGeom>
+            <a:solidFill>
+              <a:srgbClr val="002B3B"/>
+            </a:solidFill>
+          </p:spPr>
+          <p:style>
+            <a:lnRef idx="2">
+              <a:schemeClr val="accent1">
+                <a:shade val="50000"/>
+              </a:schemeClr>
+            </a:lnRef>
+            <a:fillRef idx="1">
+              <a:schemeClr val="accent1"/>
+            </a:fillRef>
+            <a:effectRef idx="0">
+              <a:schemeClr val="accent1"/>
+            </a:effectRef>
+            <a:fontRef idx="minor">
+              <a:schemeClr val="lt1"/>
+            </a:fontRef>
+          </p:style>
+          <p:txBody>
+            <a:bodyPr rtlCol="0" anchor="ctr"/>
+            <a:lstStyle/>
+            <a:p>
+              <a:pPr marL="0" marR="0" lvl="0" indent="0" algn="ctr" defTabSz="914400" rtl="0" eaLnBrk="1" fontAlgn="auto" latinLnBrk="0" hangingPunct="1">
+                <a:lnSpc>
+                  <a:spcPct val="100000"/>
+                </a:lnSpc>
+                <a:spcBef>
+                  <a:spcPts val="0"/>
+                </a:spcBef>
+                <a:spcAft>
+                  <a:spcPts val="0"/>
+                </a:spcAft>
+                <a:buClrTx/>
+                <a:buSzTx/>
+                <a:buFontTx/>
+                <a:buNone/>
+                <a:tabLst/>
+                <a:defRPr/>
+              </a:pPr>
+              <a:r>
+                <a:rPr kumimoji="0" lang="en-US" sz="2000" b="1" i="0" u="none" strike="noStrike" kern="1200" cap="none" spc="0" normalizeH="0" baseline="0" noProof="0" dirty="0">
+                  <a:ln>
+                    <a:noFill/>
+                  </a:ln>
+                  <a:solidFill>
+                    <a:srgbClr val="FFFFFF"/>
+                  </a:solidFill>
+                  <a:effectLst/>
+                  <a:uLnTx/>
+                  <a:uFillTx/>
+                  <a:latin typeface="Arial" panose="020B0604020202020204"/>
+                  <a:ea typeface="+mn-ea"/>
+                  <a:cs typeface="+mn-cs"/>
+                </a:rPr>
+                <a:t>Ethics</a:t>
+              </a:r>
+            </a:p>
+          </p:txBody>
+        </p:sp>
+        <p:sp>
+          <p:nvSpPr>
+            <p:cNvPr id="90" name="Rectangle 89">
+              <a:extLst>
+                <a:ext uri="{FF2B5EF4-FFF2-40B4-BE49-F238E27FC236}">
+                  <a16:creationId xmlns:a16="http://schemas.microsoft.com/office/drawing/2014/main" id="{FE1CA3BB-7A9C-F342-97ED-07D5D0D09BB6}"/>
+                </a:ext>
+              </a:extLst>
+            </p:cNvPr>
+            <p:cNvSpPr/>
+            <p:nvPr/>
+          </p:nvSpPr>
+          <p:spPr>
+            <a:xfrm>
+              <a:off x="7413333" y="1145362"/>
+              <a:ext cx="2823826" cy="1086585"/>
+            </a:xfrm>
+            <a:prstGeom prst="rect">
+              <a:avLst/>
+            </a:prstGeom>
+            <a:solidFill>
+              <a:schemeClr val="bg1"/>
+            </a:solidFill>
+          </p:spPr>
+          <p:style>
+            <a:lnRef idx="2">
+              <a:schemeClr val="accent1">
+                <a:shade val="50000"/>
+              </a:schemeClr>
+            </a:lnRef>
+            <a:fillRef idx="1">
+              <a:schemeClr val="accent1"/>
+            </a:fillRef>
+            <a:effectRef idx="0">
+              <a:schemeClr val="accent1"/>
+            </a:effectRef>
+            <a:fontRef idx="minor">
+              <a:schemeClr val="lt1"/>
+            </a:fontRef>
+          </p:style>
+          <p:txBody>
+            <a:bodyPr rtlCol="0" anchor="ctr"/>
+            <a:lstStyle/>
+            <a:p>
+              <a:pPr marL="0" marR="0" lvl="0" indent="0" algn="ctr" defTabSz="914400" rtl="0" eaLnBrk="1" fontAlgn="auto" latinLnBrk="0" hangingPunct="1">
+                <a:lnSpc>
+                  <a:spcPct val="100000"/>
+                </a:lnSpc>
+                <a:spcBef>
+                  <a:spcPts val="0"/>
+                </a:spcBef>
+                <a:spcAft>
+                  <a:spcPts val="0"/>
+                </a:spcAft>
+                <a:buClrTx/>
+                <a:buSzTx/>
+                <a:buFontTx/>
+                <a:buNone/>
+                <a:tabLst/>
+                <a:defRPr/>
+              </a:pPr>
+              <a:r>
+                <a:rPr kumimoji="0" lang="en-US" sz="1600" b="0" i="0" u="none" strike="noStrike" kern="1200" cap="none" spc="0" normalizeH="0" baseline="0" noProof="0" dirty="0">
+                  <a:ln>
+                    <a:noFill/>
+                  </a:ln>
+                  <a:solidFill>
+                    <a:srgbClr val="D8D9D8">
+                      <a:lumMod val="75000"/>
+                    </a:srgbClr>
+                  </a:solidFill>
+                  <a:effectLst/>
+                  <a:uLnTx/>
+                  <a:uFillTx/>
+                  <a:latin typeface="Arial" panose="020B0604020202020204"/>
+                  <a:ea typeface="+mn-ea"/>
+                  <a:cs typeface="+mn-cs"/>
+                </a:rPr>
+                <a:t>Privacy</a:t>
+              </a:r>
+            </a:p>
+            <a:p>
+              <a:pPr marL="0" marR="0" lvl="0" indent="0" algn="ctr" defTabSz="914400" rtl="0" eaLnBrk="1" fontAlgn="auto" latinLnBrk="0" hangingPunct="1">
+                <a:lnSpc>
+                  <a:spcPct val="100000"/>
+                </a:lnSpc>
+                <a:spcBef>
+                  <a:spcPts val="0"/>
+                </a:spcBef>
+                <a:spcAft>
+                  <a:spcPts val="0"/>
+                </a:spcAft>
+                <a:buClrTx/>
+                <a:buSzTx/>
+                <a:buFontTx/>
+                <a:buNone/>
+                <a:tabLst/>
+                <a:defRPr/>
+              </a:pPr>
+              <a:r>
+                <a:rPr kumimoji="0" lang="en-US" sz="1600" b="0" i="0" u="none" strike="noStrike" kern="1200" cap="none" spc="0" normalizeH="0" baseline="0" noProof="0" dirty="0">
+                  <a:ln>
+                    <a:noFill/>
+                  </a:ln>
+                  <a:solidFill>
+                    <a:srgbClr val="D8D9D8">
+                      <a:lumMod val="75000"/>
+                    </a:srgbClr>
+                  </a:solidFill>
+                  <a:effectLst/>
+                  <a:uLnTx/>
+                  <a:uFillTx/>
+                  <a:latin typeface="Arial" panose="020B0604020202020204"/>
+                  <a:ea typeface="+mn-ea"/>
+                  <a:cs typeface="+mn-cs"/>
+                </a:rPr>
+                <a:t>Fairness</a:t>
+              </a:r>
+            </a:p>
+            <a:p>
+              <a:pPr marL="0" marR="0" lvl="0" indent="0" algn="ctr" defTabSz="914400" rtl="0" eaLnBrk="1" fontAlgn="auto" latinLnBrk="0" hangingPunct="1">
+                <a:lnSpc>
+                  <a:spcPct val="100000"/>
+                </a:lnSpc>
+                <a:spcBef>
+                  <a:spcPts val="0"/>
+                </a:spcBef>
+                <a:spcAft>
+                  <a:spcPts val="0"/>
+                </a:spcAft>
+                <a:buClrTx/>
+                <a:buSzTx/>
+                <a:buFontTx/>
+                <a:buNone/>
+                <a:tabLst/>
+                <a:defRPr/>
+              </a:pPr>
+              <a:r>
+                <a:rPr kumimoji="0" lang="en-US" sz="1600" b="0" i="0" u="none" strike="noStrike" kern="1200" cap="none" spc="0" normalizeH="0" baseline="0" noProof="0" dirty="0">
+                  <a:ln>
+                    <a:noFill/>
+                  </a:ln>
+                  <a:solidFill>
+                    <a:srgbClr val="D8D9D8">
+                      <a:lumMod val="75000"/>
+                    </a:srgbClr>
+                  </a:solidFill>
+                  <a:effectLst/>
+                  <a:uLnTx/>
+                  <a:uFillTx/>
+                  <a:latin typeface="Arial" panose="020B0604020202020204"/>
+                  <a:ea typeface="+mn-ea"/>
+                  <a:cs typeface="+mn-cs"/>
+                </a:rPr>
+                <a:t>Transparency</a:t>
+              </a:r>
+            </a:p>
+          </p:txBody>
+        </p:sp>
+      </p:grpSp>
+      <p:sp>
+        <p:nvSpPr>
+          <p:cNvPr id="91" name="TextBox 90">
+            <a:extLst>
+              <a:ext uri="{FF2B5EF4-FFF2-40B4-BE49-F238E27FC236}">
+                <a16:creationId xmlns:a16="http://schemas.microsoft.com/office/drawing/2014/main" id="{78BA6C8E-4BE4-0147-A59D-1F298C038C84}"/>
+              </a:ext>
+            </a:extLst>
+          </p:cNvPr>
+          <p:cNvSpPr txBox="1"/>
+          <p:nvPr/>
+        </p:nvSpPr>
+        <p:spPr>
+          <a:xfrm>
+            <a:off x="8252821" y="1907624"/>
+            <a:ext cx="1133644" cy="369332"/>
+          </a:xfrm>
+          <a:prstGeom prst="rect">
+            <a:avLst/>
+          </a:prstGeom>
+          <a:noFill/>
+        </p:spPr>
+        <p:txBody>
+          <a:bodyPr wrap="none" rtlCol="0">
+            <a:spAutoFit/>
+          </a:bodyPr>
+          <a:lstStyle/>
+          <a:p>
+            <a:pPr marL="0" marR="0" lvl="0" indent="0" algn="l" defTabSz="914400" rtl="0" eaLnBrk="1" fontAlgn="auto" latinLnBrk="0" hangingPunct="1">
+              <a:lnSpc>
+                <a:spcPct val="100000"/>
+              </a:lnSpc>
+              <a:spcBef>
+                <a:spcPts val="0"/>
+              </a:spcBef>
+              <a:spcAft>
+                <a:spcPts val="0"/>
+              </a:spcAft>
+              <a:buClrTx/>
+              <a:buSzTx/>
+              <a:buFontTx/>
+              <a:buNone/>
+              <a:tabLst/>
+              <a:defRPr/>
+            </a:pPr>
+            <a:r>
+              <a:rPr kumimoji="0" lang="en-US" sz="1800" b="0" i="0" u="none" strike="noStrike" kern="1200" cap="none" spc="0" normalizeH="0" baseline="0" noProof="0" dirty="0">
+                <a:ln>
+                  <a:noFill/>
+                </a:ln>
+                <a:solidFill>
+                  <a:srgbClr val="000000"/>
+                </a:solidFill>
+                <a:effectLst/>
+                <a:uLnTx/>
+                <a:uFillTx/>
+                <a:latin typeface="Arial" panose="020B0604020202020204"/>
+                <a:ea typeface="+mn-ea"/>
+                <a:cs typeface="+mn-cs"/>
+              </a:rPr>
+              <a:t>Module 4</a:t>
+            </a:r>
+          </a:p>
+        </p:txBody>
+      </p:sp>
+      <p:sp>
+        <p:nvSpPr>
+          <p:cNvPr id="92" name="Right Brace 91">
+            <a:extLst>
+              <a:ext uri="{FF2B5EF4-FFF2-40B4-BE49-F238E27FC236}">
+                <a16:creationId xmlns:a16="http://schemas.microsoft.com/office/drawing/2014/main" id="{6D230133-D554-E14C-89AB-7A5F4D90B9DA}"/>
+              </a:ext>
+            </a:extLst>
+          </p:cNvPr>
+          <p:cNvSpPr/>
+          <p:nvPr/>
+        </p:nvSpPr>
+        <p:spPr>
+          <a:xfrm rot="5400000">
+            <a:off x="8677878" y="370022"/>
+            <a:ext cx="274320" cy="2743200"/>
+          </a:xfrm>
+          <a:prstGeom prst="rightBrace">
+            <a:avLst/>
+          </a:prstGeom>
+          <a:ln w="31750" cap="flat">
+            <a:miter lim="800000"/>
+          </a:ln>
+        </p:spPr>
+        <p:style>
+          <a:lnRef idx="1">
+            <a:schemeClr val="accent1"/>
+          </a:lnRef>
+          <a:fillRef idx="0">
+            <a:schemeClr val="accent1"/>
+          </a:fillRef>
+          <a:effectRef idx="0">
+            <a:schemeClr val="accent1"/>
+          </a:effectRef>
+          <a:fontRef idx="minor">
+            <a:schemeClr val="tx1"/>
+          </a:fontRef>
+        </p:style>
+        <p:txBody>
+          <a:bodyPr rtlCol="0" anchor="ctr"/>
+          <a:lstStyle/>
+          <a:p>
+            <a:pPr marL="0" marR="0" lvl="0" indent="0" algn="ctr" defTabSz="914400" rtl="0" eaLnBrk="1" fontAlgn="auto" latinLnBrk="0" hangingPunct="1">
+              <a:lnSpc>
+                <a:spcPct val="100000"/>
+              </a:lnSpc>
+              <a:spcBef>
+                <a:spcPts val="0"/>
+              </a:spcBef>
+              <a:spcAft>
+                <a:spcPts val="0"/>
+              </a:spcAft>
+              <a:buClrTx/>
+              <a:buSzTx/>
+              <a:buFontTx/>
+              <a:buNone/>
+              <a:tabLst/>
+              <a:defRPr/>
+            </a:pPr>
+            <a:endParaRPr kumimoji="0" lang="en-US" sz="1800" b="0" i="0" u="none" strike="noStrike" kern="1200" cap="none" spc="0" normalizeH="0" baseline="0" noProof="0">
+              <a:ln>
+                <a:noFill/>
+              </a:ln>
+              <a:solidFill>
+                <a:srgbClr val="000000"/>
+              </a:solidFill>
+              <a:effectLst/>
+              <a:uLnTx/>
+              <a:uFillTx/>
+              <a:latin typeface="Arial" panose="020B0604020202020204"/>
+              <a:ea typeface="+mn-ea"/>
+              <a:cs typeface="+mn-cs"/>
+            </a:endParaRPr>
+          </a:p>
+        </p:txBody>
+      </p:sp>
+      <p:sp>
+        <p:nvSpPr>
+          <p:cNvPr id="93" name="TextBox 92">
+            <a:extLst>
+              <a:ext uri="{FF2B5EF4-FFF2-40B4-BE49-F238E27FC236}">
+                <a16:creationId xmlns:a16="http://schemas.microsoft.com/office/drawing/2014/main" id="{844B2850-F1B8-A14F-ABA2-636346672794}"/>
+              </a:ext>
+            </a:extLst>
+          </p:cNvPr>
+          <p:cNvSpPr txBox="1"/>
+          <p:nvPr/>
+        </p:nvSpPr>
+        <p:spPr>
+          <a:xfrm>
+            <a:off x="2720032" y="1900999"/>
+            <a:ext cx="1633781" cy="369332"/>
+          </a:xfrm>
+          <a:prstGeom prst="rect">
+            <a:avLst/>
+          </a:prstGeom>
+          <a:noFill/>
+        </p:spPr>
+        <p:txBody>
+          <a:bodyPr wrap="none" rtlCol="0">
+            <a:spAutoFit/>
+          </a:bodyPr>
+          <a:lstStyle/>
+          <a:p>
+            <a:pPr marL="0" marR="0" lvl="0" indent="0" algn="l" defTabSz="914400" rtl="0" eaLnBrk="1" fontAlgn="auto" latinLnBrk="0" hangingPunct="1">
+              <a:lnSpc>
+                <a:spcPct val="100000"/>
+              </a:lnSpc>
+              <a:spcBef>
+                <a:spcPts val="0"/>
+              </a:spcBef>
+              <a:spcAft>
+                <a:spcPts val="0"/>
+              </a:spcAft>
+              <a:buClrTx/>
+              <a:buSzTx/>
+              <a:buFontTx/>
+              <a:buNone/>
+              <a:tabLst/>
+              <a:defRPr/>
+            </a:pPr>
+            <a:r>
+              <a:rPr kumimoji="0" lang="en-US" sz="1800" b="0" i="0" u="none" strike="noStrike" kern="1200" cap="none" spc="0" normalizeH="0" baseline="0" noProof="0" dirty="0">
+                <a:ln>
+                  <a:noFill/>
+                </a:ln>
+                <a:solidFill>
+                  <a:srgbClr val="000000"/>
+                </a:solidFill>
+                <a:effectLst/>
+                <a:uLnTx/>
+                <a:uFillTx/>
+                <a:latin typeface="Arial" panose="020B0604020202020204"/>
+                <a:ea typeface="+mn-ea"/>
+                <a:cs typeface="+mn-cs"/>
+              </a:rPr>
+              <a:t>Modules 2 – 4</a:t>
+            </a:r>
+          </a:p>
+        </p:txBody>
+      </p:sp>
+      <p:sp>
+        <p:nvSpPr>
+          <p:cNvPr id="94" name="Right Brace 93">
+            <a:extLst>
+              <a:ext uri="{FF2B5EF4-FFF2-40B4-BE49-F238E27FC236}">
+                <a16:creationId xmlns:a16="http://schemas.microsoft.com/office/drawing/2014/main" id="{A96CE794-0550-4841-A668-1E48C4800572}"/>
+              </a:ext>
+            </a:extLst>
+          </p:cNvPr>
+          <p:cNvSpPr/>
+          <p:nvPr/>
+        </p:nvSpPr>
+        <p:spPr>
+          <a:xfrm rot="5400000">
+            <a:off x="3396880" y="363397"/>
+            <a:ext cx="274320" cy="2743200"/>
+          </a:xfrm>
+          <a:prstGeom prst="rightBrace">
+            <a:avLst/>
+          </a:prstGeom>
+          <a:ln w="31750" cap="flat">
+            <a:miter lim="800000"/>
+          </a:ln>
+        </p:spPr>
+        <p:style>
+          <a:lnRef idx="1">
+            <a:schemeClr val="accent1"/>
+          </a:lnRef>
+          <a:fillRef idx="0">
+            <a:schemeClr val="accent1"/>
+          </a:fillRef>
+          <a:effectRef idx="0">
+            <a:schemeClr val="accent1"/>
+          </a:effectRef>
+          <a:fontRef idx="minor">
+            <a:schemeClr val="tx1"/>
+          </a:fontRef>
+        </p:style>
+        <p:txBody>
+          <a:bodyPr rtlCol="0" anchor="ctr"/>
+          <a:lstStyle/>
+          <a:p>
+            <a:pPr marL="0" marR="0" lvl="0" indent="0" algn="ctr" defTabSz="914400" rtl="0" eaLnBrk="1" fontAlgn="auto" latinLnBrk="0" hangingPunct="1">
+              <a:lnSpc>
+                <a:spcPct val="100000"/>
+              </a:lnSpc>
+              <a:spcBef>
+                <a:spcPts val="0"/>
+              </a:spcBef>
+              <a:spcAft>
+                <a:spcPts val="0"/>
+              </a:spcAft>
+              <a:buClrTx/>
+              <a:buSzTx/>
+              <a:buFontTx/>
+              <a:buNone/>
+              <a:tabLst/>
+              <a:defRPr/>
+            </a:pPr>
+            <a:endParaRPr kumimoji="0" lang="en-US" sz="1800" b="0" i="0" u="none" strike="noStrike" kern="1200" cap="none" spc="0" normalizeH="0" baseline="0" noProof="0">
+              <a:ln>
+                <a:noFill/>
+              </a:ln>
+              <a:solidFill>
+                <a:srgbClr val="000000"/>
+              </a:solidFill>
+              <a:effectLst/>
+              <a:uLnTx/>
+              <a:uFillTx/>
+              <a:latin typeface="Arial" panose="020B0604020202020204"/>
+              <a:ea typeface="+mn-ea"/>
+              <a:cs typeface="+mn-cs"/>
+            </a:endParaRPr>
+          </a:p>
+        </p:txBody>
+      </p:sp>
+      <p:sp>
+        <p:nvSpPr>
+          <p:cNvPr id="95" name="TextBox 94">
+            <a:extLst>
+              <a:ext uri="{FF2B5EF4-FFF2-40B4-BE49-F238E27FC236}">
+                <a16:creationId xmlns:a16="http://schemas.microsoft.com/office/drawing/2014/main" id="{CE1BA7C9-F2E1-B542-ACF4-5EE8B2A0B006}"/>
+              </a:ext>
+            </a:extLst>
+          </p:cNvPr>
+          <p:cNvSpPr txBox="1"/>
+          <p:nvPr/>
+        </p:nvSpPr>
+        <p:spPr>
+          <a:xfrm>
+            <a:off x="5317465" y="5214044"/>
+            <a:ext cx="1133644" cy="369332"/>
+          </a:xfrm>
+          <a:prstGeom prst="rect">
+            <a:avLst/>
+          </a:prstGeom>
+          <a:noFill/>
+        </p:spPr>
+        <p:txBody>
+          <a:bodyPr wrap="none" rtlCol="0">
+            <a:spAutoFit/>
+          </a:bodyPr>
+          <a:lstStyle/>
+          <a:p>
+            <a:pPr marL="0" marR="0" lvl="0" indent="0" algn="l" defTabSz="914400" rtl="0" eaLnBrk="1" fontAlgn="auto" latinLnBrk="0" hangingPunct="1">
+              <a:lnSpc>
+                <a:spcPct val="100000"/>
+              </a:lnSpc>
+              <a:spcBef>
+                <a:spcPts val="0"/>
+              </a:spcBef>
+              <a:spcAft>
+                <a:spcPts val="0"/>
+              </a:spcAft>
+              <a:buClrTx/>
+              <a:buSzTx/>
+              <a:buFontTx/>
+              <a:buNone/>
+              <a:tabLst/>
+              <a:defRPr/>
+            </a:pPr>
+            <a:r>
+              <a:rPr kumimoji="0" lang="en-US" sz="1800" b="0" i="0" u="none" strike="noStrike" kern="1200" cap="none" spc="0" normalizeH="0" baseline="0" noProof="0" dirty="0">
+                <a:ln>
+                  <a:noFill/>
+                </a:ln>
+                <a:solidFill>
+                  <a:srgbClr val="000000"/>
+                </a:solidFill>
+                <a:effectLst/>
+                <a:uLnTx/>
+                <a:uFillTx/>
+                <a:latin typeface="Arial" panose="020B0604020202020204"/>
+                <a:ea typeface="+mn-ea"/>
+                <a:cs typeface="+mn-cs"/>
+              </a:rPr>
+              <a:t>Module 3</a:t>
+            </a:r>
+          </a:p>
+        </p:txBody>
+      </p:sp>
+      <p:sp>
+        <p:nvSpPr>
+          <p:cNvPr id="96" name="Right Brace 95">
+            <a:extLst>
+              <a:ext uri="{FF2B5EF4-FFF2-40B4-BE49-F238E27FC236}">
+                <a16:creationId xmlns:a16="http://schemas.microsoft.com/office/drawing/2014/main" id="{4EEDDEBC-D338-6647-A00D-72D190971090}"/>
+              </a:ext>
+            </a:extLst>
+          </p:cNvPr>
+          <p:cNvSpPr/>
+          <p:nvPr/>
+        </p:nvSpPr>
+        <p:spPr>
+          <a:xfrm rot="5400000">
+            <a:off x="5748284" y="2409998"/>
+            <a:ext cx="274320" cy="5276088"/>
+          </a:xfrm>
+          <a:prstGeom prst="rightBrace">
+            <a:avLst/>
+          </a:prstGeom>
+          <a:ln w="31750" cap="flat">
+            <a:miter lim="800000"/>
+          </a:ln>
+        </p:spPr>
+        <p:style>
+          <a:lnRef idx="1">
+            <a:schemeClr val="accent1"/>
+          </a:lnRef>
+          <a:fillRef idx="0">
+            <a:schemeClr val="accent1"/>
+          </a:fillRef>
+          <a:effectRef idx="0">
+            <a:schemeClr val="accent1"/>
+          </a:effectRef>
+          <a:fontRef idx="minor">
+            <a:schemeClr val="tx1"/>
+          </a:fontRef>
+        </p:style>
+        <p:txBody>
+          <a:bodyPr rtlCol="0" anchor="ctr"/>
+          <a:lstStyle/>
+          <a:p>
+            <a:pPr marL="0" marR="0" lvl="0" indent="0" algn="ctr" defTabSz="914400" rtl="0" eaLnBrk="1" fontAlgn="auto" latinLnBrk="0" hangingPunct="1">
+              <a:lnSpc>
+                <a:spcPct val="100000"/>
+              </a:lnSpc>
+              <a:spcBef>
+                <a:spcPts val="0"/>
+              </a:spcBef>
+              <a:spcAft>
+                <a:spcPts val="0"/>
+              </a:spcAft>
+              <a:buClrTx/>
+              <a:buSzTx/>
+              <a:buFontTx/>
+              <a:buNone/>
+              <a:tabLst/>
+              <a:defRPr/>
+            </a:pPr>
+            <a:endParaRPr kumimoji="0" lang="en-US" sz="1800" b="0" i="0" u="none" strike="noStrike" kern="1200" cap="none" spc="0" normalizeH="0" baseline="0" noProof="0">
+              <a:ln>
+                <a:noFill/>
+              </a:ln>
+              <a:solidFill>
+                <a:srgbClr val="000000"/>
+              </a:solidFill>
+              <a:effectLst/>
+              <a:uLnTx/>
+              <a:uFillTx/>
+              <a:latin typeface="Arial" panose="020B0604020202020204"/>
+              <a:ea typeface="+mn-ea"/>
+              <a:cs typeface="+mn-cs"/>
+            </a:endParaRPr>
+          </a:p>
+        </p:txBody>
+      </p:sp>
+      <p:sp>
+        <p:nvSpPr>
+          <p:cNvPr id="97" name="Arrow: Bent 7">
+            <a:extLst>
+              <a:ext uri="{FF2B5EF4-FFF2-40B4-BE49-F238E27FC236}">
+                <a16:creationId xmlns:a16="http://schemas.microsoft.com/office/drawing/2014/main" id="{A36B21A3-F68E-4846-B1DD-1C4673398873}"/>
+              </a:ext>
+            </a:extLst>
+          </p:cNvPr>
+          <p:cNvSpPr/>
+          <p:nvPr/>
+        </p:nvSpPr>
+        <p:spPr>
+          <a:xfrm rot="5400000">
+            <a:off x="11074872" y="4349213"/>
+            <a:ext cx="1399032" cy="517170"/>
+          </a:xfrm>
+          <a:prstGeom prst="bentArrow">
+            <a:avLst/>
+          </a:prstGeom>
+        </p:spPr>
+        <p:style>
+          <a:lnRef idx="2">
+            <a:schemeClr val="accent1">
+              <a:shade val="50000"/>
+            </a:schemeClr>
+          </a:lnRef>
+          <a:fillRef idx="1">
+            <a:schemeClr val="accent1"/>
+          </a:fillRef>
+          <a:effectRef idx="0">
+            <a:schemeClr val="accent1"/>
+          </a:effectRef>
+          <a:fontRef idx="minor">
+            <a:schemeClr val="lt1"/>
+          </a:fontRef>
+        </p:style>
+        <p:txBody>
+          <a:bodyPr rtlCol="0" anchor="ctr"/>
+          <a:lstStyle/>
+          <a:p>
+            <a:pPr marL="0" marR="0" lvl="0" indent="0" algn="ctr" defTabSz="914400" rtl="0" eaLnBrk="1" fontAlgn="auto" latinLnBrk="0" hangingPunct="1">
+              <a:lnSpc>
+                <a:spcPct val="100000"/>
+              </a:lnSpc>
+              <a:spcBef>
+                <a:spcPts val="0"/>
+              </a:spcBef>
+              <a:spcAft>
+                <a:spcPts val="0"/>
+              </a:spcAft>
+              <a:buClrTx/>
+              <a:buSzTx/>
+              <a:buFontTx/>
+              <a:buNone/>
+              <a:tabLst/>
+              <a:defRPr/>
+            </a:pPr>
+            <a:endParaRPr kumimoji="0" lang="en-US" sz="1800" b="0" i="0" u="none" strike="noStrike" kern="1200" cap="none" spc="0" normalizeH="0" baseline="0" noProof="0">
+              <a:ln>
+                <a:noFill/>
+              </a:ln>
+              <a:solidFill>
+                <a:srgbClr val="000000"/>
+              </a:solidFill>
+              <a:effectLst/>
+              <a:uLnTx/>
+              <a:uFillTx/>
+              <a:latin typeface="Arial" panose="020B0604020202020204"/>
+              <a:ea typeface="+mn-ea"/>
+              <a:cs typeface="+mn-cs"/>
+            </a:endParaRPr>
+          </a:p>
+        </p:txBody>
+      </p:sp>
+      <p:sp>
+        <p:nvSpPr>
+          <p:cNvPr id="98" name="Arrow: Bent 56">
+            <a:extLst>
+              <a:ext uri="{FF2B5EF4-FFF2-40B4-BE49-F238E27FC236}">
+                <a16:creationId xmlns:a16="http://schemas.microsoft.com/office/drawing/2014/main" id="{70A4A42A-83E3-DA4E-85E2-0492BC52FD28}"/>
+              </a:ext>
+            </a:extLst>
+          </p:cNvPr>
+          <p:cNvSpPr/>
+          <p:nvPr/>
+        </p:nvSpPr>
+        <p:spPr>
+          <a:xfrm rot="10800000">
+            <a:off x="1909428" y="5393638"/>
+            <a:ext cx="10058400" cy="517170"/>
+          </a:xfrm>
+          <a:prstGeom prst="bentArrow">
+            <a:avLst/>
+          </a:prstGeom>
+        </p:spPr>
+        <p:style>
+          <a:lnRef idx="2">
+            <a:schemeClr val="accent1">
+              <a:shade val="50000"/>
+            </a:schemeClr>
+          </a:lnRef>
+          <a:fillRef idx="1">
+            <a:schemeClr val="accent1"/>
+          </a:fillRef>
+          <a:effectRef idx="0">
+            <a:schemeClr val="accent1"/>
+          </a:effectRef>
+          <a:fontRef idx="minor">
+            <a:schemeClr val="lt1"/>
+          </a:fontRef>
+        </p:style>
+        <p:txBody>
+          <a:bodyPr rtlCol="0" anchor="ctr"/>
+          <a:lstStyle/>
+          <a:p>
+            <a:pPr marL="0" marR="0" lvl="0" indent="0" algn="ctr" defTabSz="914400" rtl="0" eaLnBrk="1" fontAlgn="auto" latinLnBrk="0" hangingPunct="1">
+              <a:lnSpc>
+                <a:spcPct val="100000"/>
+              </a:lnSpc>
+              <a:spcBef>
+                <a:spcPts val="0"/>
+              </a:spcBef>
+              <a:spcAft>
+                <a:spcPts val="0"/>
+              </a:spcAft>
+              <a:buClrTx/>
+              <a:buSzTx/>
+              <a:buFontTx/>
+              <a:buNone/>
+              <a:tabLst/>
+              <a:defRPr/>
+            </a:pPr>
+            <a:endParaRPr kumimoji="0" lang="en-US" sz="1800" b="0" i="0" u="none" strike="noStrike" kern="1200" cap="none" spc="0" normalizeH="0" baseline="0" noProof="0">
+              <a:ln>
+                <a:noFill/>
+              </a:ln>
+              <a:solidFill>
+                <a:srgbClr val="000000"/>
+              </a:solidFill>
+              <a:effectLst/>
+              <a:uLnTx/>
+              <a:uFillTx/>
+              <a:latin typeface="Arial" panose="020B0604020202020204"/>
+              <a:ea typeface="+mn-ea"/>
+              <a:cs typeface="+mn-cs"/>
+            </a:endParaRPr>
+          </a:p>
+        </p:txBody>
+      </p:sp>
+      <p:grpSp>
+        <p:nvGrpSpPr>
+          <p:cNvPr id="99" name="Group 98">
+            <a:extLst>
+              <a:ext uri="{FF2B5EF4-FFF2-40B4-BE49-F238E27FC236}">
+                <a16:creationId xmlns:a16="http://schemas.microsoft.com/office/drawing/2014/main" id="{660418BF-964A-AE4A-B98B-4EB24B980530}"/>
+              </a:ext>
+            </a:extLst>
+          </p:cNvPr>
+          <p:cNvGrpSpPr/>
+          <p:nvPr/>
+        </p:nvGrpSpPr>
+        <p:grpSpPr>
+          <a:xfrm>
+            <a:off x="3225650" y="3019324"/>
+            <a:ext cx="2731600" cy="1837944"/>
+            <a:chOff x="6174260" y="3019324"/>
+            <a:chExt cx="2731600" cy="1837944"/>
+          </a:xfrm>
+        </p:grpSpPr>
+        <p:grpSp>
+          <p:nvGrpSpPr>
+            <p:cNvPr id="100" name="Group 99">
+              <a:extLst>
+                <a:ext uri="{FF2B5EF4-FFF2-40B4-BE49-F238E27FC236}">
+                  <a16:creationId xmlns:a16="http://schemas.microsoft.com/office/drawing/2014/main" id="{1FC1B7E3-D39F-5748-9843-9D2EF4BDC192}"/>
+                </a:ext>
+              </a:extLst>
+            </p:cNvPr>
+            <p:cNvGrpSpPr/>
+            <p:nvPr/>
+          </p:nvGrpSpPr>
+          <p:grpSpPr>
+            <a:xfrm>
+              <a:off x="6174260" y="3019324"/>
+              <a:ext cx="2379873" cy="1837944"/>
+              <a:chOff x="2537460" y="1431001"/>
+              <a:chExt cx="2240280" cy="1347250"/>
+            </a:xfrm>
+          </p:grpSpPr>
+          <p:sp>
+            <p:nvSpPr>
+              <p:cNvPr id="102" name="Rectangle 101">
+                <a:extLst>
+                  <a:ext uri="{FF2B5EF4-FFF2-40B4-BE49-F238E27FC236}">
+                    <a16:creationId xmlns:a16="http://schemas.microsoft.com/office/drawing/2014/main" id="{5D9F3354-2D9A-A64D-A741-776A2FF722BA}"/>
+                  </a:ext>
+                </a:extLst>
+              </p:cNvPr>
+              <p:cNvSpPr/>
+              <p:nvPr/>
+            </p:nvSpPr>
+            <p:spPr>
+              <a:xfrm>
+                <a:off x="2537460" y="1431001"/>
+                <a:ext cx="2240280" cy="557819"/>
+              </a:xfrm>
+              <a:prstGeom prst="rect">
+                <a:avLst/>
+              </a:prstGeom>
+            </p:spPr>
+            <p:style>
+              <a:lnRef idx="2">
+                <a:schemeClr val="accent1">
+                  <a:shade val="50000"/>
+                </a:schemeClr>
+              </a:lnRef>
+              <a:fillRef idx="1">
+                <a:schemeClr val="accent1"/>
+              </a:fillRef>
+              <a:effectRef idx="0">
+                <a:schemeClr val="accent1"/>
+              </a:effectRef>
+              <a:fontRef idx="minor">
+                <a:schemeClr val="lt1"/>
+              </a:fontRef>
+            </p:style>
+            <p:txBody>
+              <a:bodyPr rtlCol="0" anchor="ctr"/>
+              <a:lstStyle/>
+              <a:p>
+                <a:pPr marL="0" marR="0" lvl="0" indent="0" algn="ctr" defTabSz="914400" rtl="0" eaLnBrk="1" fontAlgn="auto" latinLnBrk="0" hangingPunct="1">
+                  <a:lnSpc>
+                    <a:spcPct val="100000"/>
+                  </a:lnSpc>
+                  <a:spcBef>
+                    <a:spcPts val="0"/>
+                  </a:spcBef>
+                  <a:spcAft>
+                    <a:spcPts val="0"/>
+                  </a:spcAft>
+                  <a:buClrTx/>
+                  <a:buSzTx/>
+                  <a:buFontTx/>
+                  <a:buNone/>
+                  <a:tabLst/>
+                  <a:defRPr/>
+                </a:pPr>
+                <a:r>
+                  <a:rPr kumimoji="0" lang="en-US" sz="2000" b="1" i="0" u="none" strike="noStrike" kern="1200" cap="none" spc="0" normalizeH="0" baseline="0" noProof="0" dirty="0">
+                    <a:ln>
+                      <a:noFill/>
+                    </a:ln>
+                    <a:solidFill>
+                      <a:srgbClr val="FFFFFF"/>
+                    </a:solidFill>
+                    <a:effectLst/>
+                    <a:uLnTx/>
+                    <a:uFillTx/>
+                    <a:latin typeface="Arial" panose="020B0604020202020204"/>
+                    <a:ea typeface="+mn-ea"/>
+                    <a:cs typeface="+mn-cs"/>
+                  </a:rPr>
+                  <a:t>Data Representation</a:t>
+                </a:r>
+              </a:p>
+            </p:txBody>
+          </p:sp>
+          <p:sp>
+            <p:nvSpPr>
+              <p:cNvPr id="103" name="Rectangle 102">
+                <a:extLst>
+                  <a:ext uri="{FF2B5EF4-FFF2-40B4-BE49-F238E27FC236}">
+                    <a16:creationId xmlns:a16="http://schemas.microsoft.com/office/drawing/2014/main" id="{DF284367-0F5D-9D46-A693-333D997C0349}"/>
+                  </a:ext>
+                </a:extLst>
+              </p:cNvPr>
+              <p:cNvSpPr/>
+              <p:nvPr/>
+            </p:nvSpPr>
+            <p:spPr>
+              <a:xfrm>
+                <a:off x="2537460" y="1988821"/>
+                <a:ext cx="2240280" cy="789430"/>
+              </a:xfrm>
+              <a:prstGeom prst="rect">
+                <a:avLst/>
+              </a:prstGeom>
+              <a:solidFill>
+                <a:schemeClr val="bg1"/>
+              </a:solidFill>
+            </p:spPr>
+            <p:style>
+              <a:lnRef idx="2">
+                <a:schemeClr val="accent1">
+                  <a:shade val="50000"/>
+                </a:schemeClr>
+              </a:lnRef>
+              <a:fillRef idx="1">
+                <a:schemeClr val="accent1"/>
+              </a:fillRef>
+              <a:effectRef idx="0">
+                <a:schemeClr val="accent1"/>
+              </a:effectRef>
+              <a:fontRef idx="minor">
+                <a:schemeClr val="lt1"/>
+              </a:fontRef>
+            </p:style>
+            <p:txBody>
+              <a:bodyPr rtlCol="0" anchor="ctr"/>
+              <a:lstStyle/>
+              <a:p>
+                <a:pPr marL="0" marR="0" lvl="0" indent="0" algn="ctr" defTabSz="914400" rtl="0" eaLnBrk="1" fontAlgn="auto" latinLnBrk="0" hangingPunct="1">
+                  <a:lnSpc>
+                    <a:spcPct val="100000"/>
+                  </a:lnSpc>
+                  <a:spcBef>
+                    <a:spcPts val="0"/>
+                  </a:spcBef>
+                  <a:spcAft>
+                    <a:spcPts val="0"/>
+                  </a:spcAft>
+                  <a:buClrTx/>
+                  <a:buSzTx/>
+                  <a:buFontTx/>
+                  <a:buNone/>
+                  <a:tabLst/>
+                  <a:defRPr/>
+                </a:pPr>
+                <a:r>
+                  <a:rPr kumimoji="0" lang="en-US" sz="1600" b="0" i="0" u="none" strike="noStrike" kern="1200" cap="none" spc="0" normalizeH="0" baseline="0" noProof="0" dirty="0">
+                    <a:ln>
+                      <a:noFill/>
+                    </a:ln>
+                    <a:solidFill>
+                      <a:srgbClr val="D8D9D8">
+                        <a:lumMod val="75000"/>
+                      </a:srgbClr>
+                    </a:solidFill>
+                    <a:effectLst/>
+                    <a:uLnTx/>
+                    <a:uFillTx/>
+                    <a:latin typeface="Arial" panose="020B0604020202020204"/>
+                    <a:ea typeface="+mn-ea"/>
+                    <a:cs typeface="+mn-cs"/>
+                  </a:rPr>
+                  <a:t>Data cleaning</a:t>
+                </a:r>
+              </a:p>
+              <a:p>
+                <a:pPr marL="0" marR="0" lvl="0" indent="0" algn="ctr" defTabSz="914400" rtl="0" eaLnBrk="1" fontAlgn="auto" latinLnBrk="0" hangingPunct="1">
+                  <a:lnSpc>
+                    <a:spcPct val="100000"/>
+                  </a:lnSpc>
+                  <a:spcBef>
+                    <a:spcPts val="0"/>
+                  </a:spcBef>
+                  <a:spcAft>
+                    <a:spcPts val="0"/>
+                  </a:spcAft>
+                  <a:buClrTx/>
+                  <a:buSzTx/>
+                  <a:buFontTx/>
+                  <a:buNone/>
+                  <a:tabLst/>
+                  <a:defRPr/>
+                </a:pPr>
+                <a:r>
+                  <a:rPr kumimoji="0" lang="en-US" sz="1600" b="0" i="0" u="none" strike="noStrike" kern="1200" cap="none" spc="0" normalizeH="0" baseline="0" noProof="0" dirty="0">
+                    <a:ln>
+                      <a:noFill/>
+                    </a:ln>
+                    <a:solidFill>
+                      <a:srgbClr val="D8D9D8">
+                        <a:lumMod val="75000"/>
+                      </a:srgbClr>
+                    </a:solidFill>
+                    <a:effectLst/>
+                    <a:uLnTx/>
+                    <a:uFillTx/>
+                    <a:latin typeface="Arial" panose="020B0604020202020204"/>
+                    <a:ea typeface="+mn-ea"/>
+                    <a:cs typeface="+mn-cs"/>
+                  </a:rPr>
+                  <a:t>Missing data</a:t>
+                </a:r>
+              </a:p>
+              <a:p>
+                <a:pPr marL="0" marR="0" lvl="0" indent="0" algn="ctr" defTabSz="914400" rtl="0" eaLnBrk="1" fontAlgn="auto" latinLnBrk="0" hangingPunct="1">
+                  <a:lnSpc>
+                    <a:spcPct val="100000"/>
+                  </a:lnSpc>
+                  <a:spcBef>
+                    <a:spcPts val="0"/>
+                  </a:spcBef>
+                  <a:spcAft>
+                    <a:spcPts val="0"/>
+                  </a:spcAft>
+                  <a:buClrTx/>
+                  <a:buSzTx/>
+                  <a:buFontTx/>
+                  <a:buNone/>
+                  <a:tabLst/>
+                  <a:defRPr/>
+                </a:pPr>
+                <a:r>
+                  <a:rPr kumimoji="0" lang="en-US" sz="1600" b="0" i="0" u="none" strike="noStrike" kern="1200" cap="none" spc="0" normalizeH="0" baseline="0" noProof="0" dirty="0">
+                    <a:ln>
+                      <a:noFill/>
+                    </a:ln>
+                    <a:solidFill>
+                      <a:srgbClr val="D8D9D8">
+                        <a:lumMod val="75000"/>
+                      </a:srgbClr>
+                    </a:solidFill>
+                    <a:effectLst/>
+                    <a:uLnTx/>
+                    <a:uFillTx/>
+                    <a:latin typeface="Arial" panose="020B0604020202020204"/>
+                    <a:ea typeface="+mn-ea"/>
+                    <a:cs typeface="+mn-cs"/>
+                  </a:rPr>
+                  <a:t>Feature selection</a:t>
+                </a:r>
+              </a:p>
+              <a:p>
+                <a:pPr marL="0" marR="0" lvl="0" indent="0" algn="ctr" defTabSz="914400" rtl="0" eaLnBrk="1" fontAlgn="auto" latinLnBrk="0" hangingPunct="1">
+                  <a:lnSpc>
+                    <a:spcPct val="100000"/>
+                  </a:lnSpc>
+                  <a:spcBef>
+                    <a:spcPts val="0"/>
+                  </a:spcBef>
+                  <a:spcAft>
+                    <a:spcPts val="0"/>
+                  </a:spcAft>
+                  <a:buClrTx/>
+                  <a:buSzTx/>
+                  <a:buFontTx/>
+                  <a:buNone/>
+                  <a:tabLst/>
+                  <a:defRPr/>
+                </a:pPr>
+                <a:r>
+                  <a:rPr kumimoji="0" lang="en-US" sz="1600" b="0" i="0" u="none" strike="noStrike" kern="1200" cap="none" spc="0" normalizeH="0" baseline="0" noProof="0" dirty="0">
+                    <a:ln>
+                      <a:noFill/>
+                    </a:ln>
+                    <a:solidFill>
+                      <a:srgbClr val="D8D9D8">
+                        <a:lumMod val="75000"/>
+                      </a:srgbClr>
+                    </a:solidFill>
+                    <a:effectLst/>
+                    <a:uLnTx/>
+                    <a:uFillTx/>
+                    <a:latin typeface="Arial" panose="020B0604020202020204"/>
+                    <a:ea typeface="+mn-ea"/>
+                    <a:cs typeface="+mn-cs"/>
+                  </a:rPr>
+                  <a:t>Consider fairness</a:t>
+                </a:r>
+              </a:p>
+            </p:txBody>
+          </p:sp>
+        </p:grpSp>
+        <p:sp>
+          <p:nvSpPr>
+            <p:cNvPr id="101" name="Right Arrow 41">
+              <a:extLst>
+                <a:ext uri="{FF2B5EF4-FFF2-40B4-BE49-F238E27FC236}">
+                  <a16:creationId xmlns:a16="http://schemas.microsoft.com/office/drawing/2014/main" id="{A5D754ED-D74A-1B46-A3D0-61B5C2AB8942}"/>
+                </a:ext>
+              </a:extLst>
+            </p:cNvPr>
+            <p:cNvSpPr/>
+            <p:nvPr/>
+          </p:nvSpPr>
+          <p:spPr>
+            <a:xfrm>
+              <a:off x="8554674" y="3831748"/>
+              <a:ext cx="351186" cy="292608"/>
+            </a:xfrm>
+            <a:prstGeom prst="rightArrow">
+              <a:avLst/>
+            </a:prstGeom>
+          </p:spPr>
+          <p:style>
+            <a:lnRef idx="2">
+              <a:schemeClr val="accent1">
+                <a:shade val="50000"/>
+              </a:schemeClr>
+            </a:lnRef>
+            <a:fillRef idx="1">
+              <a:schemeClr val="accent1"/>
+            </a:fillRef>
+            <a:effectRef idx="0">
+              <a:schemeClr val="accent1"/>
+            </a:effectRef>
+            <a:fontRef idx="minor">
+              <a:schemeClr val="lt1"/>
+            </a:fontRef>
+          </p:style>
+          <p:txBody>
+            <a:bodyPr rtlCol="0" anchor="ctr"/>
+            <a:lstStyle/>
+            <a:p>
+              <a:pPr marL="0" marR="0" lvl="0" indent="0" algn="ctr" defTabSz="914400" rtl="0" eaLnBrk="1" fontAlgn="auto" latinLnBrk="0" hangingPunct="1">
+                <a:lnSpc>
+                  <a:spcPct val="100000"/>
+                </a:lnSpc>
+                <a:spcBef>
+                  <a:spcPts val="0"/>
+                </a:spcBef>
+                <a:spcAft>
+                  <a:spcPts val="0"/>
+                </a:spcAft>
+                <a:buClrTx/>
+                <a:buSzTx/>
+                <a:buFontTx/>
+                <a:buNone/>
+                <a:tabLst/>
+                <a:defRPr/>
+              </a:pPr>
+              <a:endParaRPr kumimoji="0" lang="en-US" sz="1800" b="0" i="0" u="none" strike="noStrike" kern="1200" cap="none" spc="0" normalizeH="0" baseline="0" noProof="0">
+                <a:ln>
+                  <a:noFill/>
+                </a:ln>
+                <a:solidFill>
+                  <a:srgbClr val="FFFFFF"/>
+                </a:solidFill>
+                <a:effectLst/>
+                <a:uLnTx/>
+                <a:uFillTx/>
+                <a:latin typeface="Arial" panose="020B0604020202020204"/>
+                <a:ea typeface="+mn-ea"/>
+                <a:cs typeface="+mn-cs"/>
+              </a:endParaRPr>
+            </a:p>
+          </p:txBody>
+        </p:sp>
+      </p:grpSp>
+      <p:grpSp>
+        <p:nvGrpSpPr>
+          <p:cNvPr id="104" name="Group 103">
+            <a:extLst>
+              <a:ext uri="{FF2B5EF4-FFF2-40B4-BE49-F238E27FC236}">
+                <a16:creationId xmlns:a16="http://schemas.microsoft.com/office/drawing/2014/main" id="{8B7A915A-F171-474A-BB4D-E48FEC3425B4}"/>
+              </a:ext>
+            </a:extLst>
+          </p:cNvPr>
+          <p:cNvGrpSpPr/>
+          <p:nvPr/>
+        </p:nvGrpSpPr>
+        <p:grpSpPr>
+          <a:xfrm>
+            <a:off x="277036" y="3019324"/>
+            <a:ext cx="2921916" cy="1837944"/>
+            <a:chOff x="6174260" y="3019324"/>
+            <a:chExt cx="2921916" cy="1837944"/>
+          </a:xfrm>
+        </p:grpSpPr>
+        <p:grpSp>
+          <p:nvGrpSpPr>
+            <p:cNvPr id="105" name="Group 104">
+              <a:extLst>
+                <a:ext uri="{FF2B5EF4-FFF2-40B4-BE49-F238E27FC236}">
+                  <a16:creationId xmlns:a16="http://schemas.microsoft.com/office/drawing/2014/main" id="{DB5840AD-4ADE-3B4B-B6D6-E763977C6DE7}"/>
+                </a:ext>
+              </a:extLst>
+            </p:cNvPr>
+            <p:cNvGrpSpPr/>
+            <p:nvPr/>
+          </p:nvGrpSpPr>
+          <p:grpSpPr>
+            <a:xfrm>
+              <a:off x="6174260" y="3019324"/>
+              <a:ext cx="2379873" cy="1837944"/>
+              <a:chOff x="2537460" y="1431001"/>
+              <a:chExt cx="2240280" cy="1347250"/>
+            </a:xfrm>
+          </p:grpSpPr>
+          <p:sp>
+            <p:nvSpPr>
+              <p:cNvPr id="107" name="Rectangle 106">
+                <a:extLst>
+                  <a:ext uri="{FF2B5EF4-FFF2-40B4-BE49-F238E27FC236}">
+                    <a16:creationId xmlns:a16="http://schemas.microsoft.com/office/drawing/2014/main" id="{0349BEB7-B498-8843-9A70-9709DEE53DBC}"/>
+                  </a:ext>
+                </a:extLst>
+              </p:cNvPr>
+              <p:cNvSpPr/>
+              <p:nvPr/>
+            </p:nvSpPr>
+            <p:spPr>
+              <a:xfrm>
+                <a:off x="2537460" y="1431001"/>
+                <a:ext cx="2240280" cy="557819"/>
+              </a:xfrm>
+              <a:prstGeom prst="rect">
+                <a:avLst/>
+              </a:prstGeom>
+            </p:spPr>
+            <p:style>
+              <a:lnRef idx="2">
+                <a:schemeClr val="accent1">
+                  <a:shade val="50000"/>
+                </a:schemeClr>
+              </a:lnRef>
+              <a:fillRef idx="1">
+                <a:schemeClr val="accent1"/>
+              </a:fillRef>
+              <a:effectRef idx="0">
+                <a:schemeClr val="accent1"/>
+              </a:effectRef>
+              <a:fontRef idx="minor">
+                <a:schemeClr val="lt1"/>
+              </a:fontRef>
+            </p:style>
+            <p:txBody>
+              <a:bodyPr rtlCol="0" anchor="ctr"/>
+              <a:lstStyle/>
+              <a:p>
+                <a:pPr marL="0" marR="0" lvl="0" indent="0" algn="ctr" defTabSz="914400" rtl="0" eaLnBrk="1" fontAlgn="auto" latinLnBrk="0" hangingPunct="1">
+                  <a:lnSpc>
+                    <a:spcPct val="100000"/>
+                  </a:lnSpc>
+                  <a:spcBef>
+                    <a:spcPts val="0"/>
+                  </a:spcBef>
+                  <a:spcAft>
+                    <a:spcPts val="0"/>
+                  </a:spcAft>
+                  <a:buClrTx/>
+                  <a:buSzTx/>
+                  <a:buFontTx/>
+                  <a:buNone/>
+                  <a:tabLst/>
+                  <a:defRPr/>
+                </a:pPr>
+                <a:r>
+                  <a:rPr kumimoji="0" lang="en-US" sz="2000" b="1" i="0" u="none" strike="noStrike" kern="1200" cap="none" spc="0" normalizeH="0" baseline="0" noProof="0" dirty="0">
+                    <a:ln>
+                      <a:noFill/>
+                    </a:ln>
+                    <a:solidFill>
+                      <a:srgbClr val="FFFFFF"/>
+                    </a:solidFill>
+                    <a:effectLst/>
+                    <a:uLnTx/>
+                    <a:uFillTx/>
+                    <a:latin typeface="Arial" panose="020B0604020202020204"/>
+                    <a:ea typeface="+mn-ea"/>
+                    <a:cs typeface="+mn-cs"/>
+                  </a:rPr>
+                  <a:t>Identify Goals &amp; Collect Data</a:t>
+                </a:r>
+              </a:p>
+            </p:txBody>
+          </p:sp>
+          <p:sp>
+            <p:nvSpPr>
+              <p:cNvPr id="108" name="Rectangle 107">
+                <a:extLst>
+                  <a:ext uri="{FF2B5EF4-FFF2-40B4-BE49-F238E27FC236}">
+                    <a16:creationId xmlns:a16="http://schemas.microsoft.com/office/drawing/2014/main" id="{B919F090-A984-3643-9ED9-B4935CAB3C55}"/>
+                  </a:ext>
+                </a:extLst>
+              </p:cNvPr>
+              <p:cNvSpPr/>
+              <p:nvPr/>
+            </p:nvSpPr>
+            <p:spPr>
+              <a:xfrm>
+                <a:off x="2537460" y="1988821"/>
+                <a:ext cx="2240280" cy="789430"/>
+              </a:xfrm>
+              <a:prstGeom prst="rect">
+                <a:avLst/>
+              </a:prstGeom>
+              <a:solidFill>
+                <a:schemeClr val="bg1"/>
+              </a:solidFill>
+            </p:spPr>
+            <p:style>
+              <a:lnRef idx="2">
+                <a:schemeClr val="accent1">
+                  <a:shade val="50000"/>
+                </a:schemeClr>
+              </a:lnRef>
+              <a:fillRef idx="1">
+                <a:schemeClr val="accent1"/>
+              </a:fillRef>
+              <a:effectRef idx="0">
+                <a:schemeClr val="accent1"/>
+              </a:effectRef>
+              <a:fontRef idx="minor">
+                <a:schemeClr val="lt1"/>
+              </a:fontRef>
+            </p:style>
+            <p:txBody>
+              <a:bodyPr rtlCol="0" anchor="ctr"/>
+              <a:lstStyle/>
+              <a:p>
+                <a:pPr marL="0" marR="0" lvl="0" indent="0" algn="ctr" defTabSz="914400" rtl="0" eaLnBrk="1" fontAlgn="auto" latinLnBrk="0" hangingPunct="1">
+                  <a:lnSpc>
+                    <a:spcPct val="100000"/>
+                  </a:lnSpc>
+                  <a:spcBef>
+                    <a:spcPts val="0"/>
+                  </a:spcBef>
+                  <a:spcAft>
+                    <a:spcPts val="0"/>
+                  </a:spcAft>
+                  <a:buClrTx/>
+                  <a:buSzTx/>
+                  <a:buFontTx/>
+                  <a:buNone/>
+                  <a:tabLst/>
+                  <a:defRPr/>
+                </a:pPr>
+                <a:r>
+                  <a:rPr kumimoji="0" lang="en-US" sz="1600" b="0" i="0" u="none" strike="noStrike" kern="1200" cap="none" spc="0" normalizeH="0" baseline="0" noProof="0" dirty="0">
+                    <a:ln>
+                      <a:noFill/>
+                    </a:ln>
+                    <a:solidFill>
+                      <a:srgbClr val="D8D9D8">
+                        <a:lumMod val="75000"/>
+                      </a:srgbClr>
+                    </a:solidFill>
+                    <a:effectLst/>
+                    <a:uLnTx/>
+                    <a:uFillTx/>
+                    <a:latin typeface="Arial" panose="020B0604020202020204"/>
+                    <a:ea typeface="+mn-ea"/>
+                    <a:cs typeface="+mn-cs"/>
+                  </a:rPr>
+                  <a:t>Pinpoint needs</a:t>
+                </a:r>
+              </a:p>
+              <a:p>
+                <a:pPr marL="0" marR="0" lvl="0" indent="0" algn="ctr" defTabSz="914400" rtl="0" eaLnBrk="1" fontAlgn="auto" latinLnBrk="0" hangingPunct="1">
+                  <a:lnSpc>
+                    <a:spcPct val="100000"/>
+                  </a:lnSpc>
+                  <a:spcBef>
+                    <a:spcPts val="0"/>
+                  </a:spcBef>
+                  <a:spcAft>
+                    <a:spcPts val="0"/>
+                  </a:spcAft>
+                  <a:buClrTx/>
+                  <a:buSzTx/>
+                  <a:buFontTx/>
+                  <a:buNone/>
+                  <a:tabLst/>
+                  <a:defRPr/>
+                </a:pPr>
+                <a:r>
+                  <a:rPr kumimoji="0" lang="en-US" sz="1600" b="0" i="0" u="none" strike="noStrike" kern="1200" cap="none" spc="0" normalizeH="0" baseline="0" noProof="0" dirty="0">
+                    <a:ln>
+                      <a:noFill/>
+                    </a:ln>
+                    <a:solidFill>
+                      <a:srgbClr val="D8D9D8">
+                        <a:lumMod val="75000"/>
+                      </a:srgbClr>
+                    </a:solidFill>
+                    <a:effectLst/>
+                    <a:uLnTx/>
+                    <a:uFillTx/>
+                    <a:latin typeface="Arial" panose="020B0604020202020204"/>
+                    <a:ea typeface="+mn-ea"/>
+                    <a:cs typeface="+mn-cs"/>
+                  </a:rPr>
+                  <a:t>Data acquisition</a:t>
+                </a:r>
+              </a:p>
+              <a:p>
+                <a:pPr marL="0" marR="0" lvl="0" indent="0" algn="ctr" defTabSz="914400" rtl="0" eaLnBrk="1" fontAlgn="auto" latinLnBrk="0" hangingPunct="1">
+                  <a:lnSpc>
+                    <a:spcPct val="100000"/>
+                  </a:lnSpc>
+                  <a:spcBef>
+                    <a:spcPts val="0"/>
+                  </a:spcBef>
+                  <a:spcAft>
+                    <a:spcPts val="0"/>
+                  </a:spcAft>
+                  <a:buClrTx/>
+                  <a:buSzTx/>
+                  <a:buFontTx/>
+                  <a:buNone/>
+                  <a:tabLst/>
+                  <a:defRPr/>
+                </a:pPr>
+                <a:r>
+                  <a:rPr kumimoji="0" lang="en-US" sz="1600" b="0" i="0" u="none" strike="noStrike" kern="1200" cap="none" spc="0" normalizeH="0" baseline="0" noProof="0" dirty="0">
+                    <a:ln>
+                      <a:noFill/>
+                    </a:ln>
+                    <a:solidFill>
+                      <a:srgbClr val="D8D9D8">
+                        <a:lumMod val="75000"/>
+                      </a:srgbClr>
+                    </a:solidFill>
+                    <a:effectLst/>
+                    <a:uLnTx/>
+                    <a:uFillTx/>
+                    <a:latin typeface="Arial" panose="020B0604020202020204"/>
+                    <a:ea typeface="+mn-ea"/>
+                    <a:cs typeface="+mn-cs"/>
+                  </a:rPr>
+                  <a:t>Data labeling</a:t>
+                </a:r>
+              </a:p>
+              <a:p>
+                <a:pPr marL="0" marR="0" lvl="0" indent="0" algn="ctr" defTabSz="914400" rtl="0" eaLnBrk="1" fontAlgn="auto" latinLnBrk="0" hangingPunct="1">
+                  <a:lnSpc>
+                    <a:spcPct val="100000"/>
+                  </a:lnSpc>
+                  <a:spcBef>
+                    <a:spcPts val="0"/>
+                  </a:spcBef>
+                  <a:spcAft>
+                    <a:spcPts val="0"/>
+                  </a:spcAft>
+                  <a:buClrTx/>
+                  <a:buSzTx/>
+                  <a:buFontTx/>
+                  <a:buNone/>
+                  <a:tabLst/>
+                  <a:defRPr/>
+                </a:pPr>
+                <a:r>
+                  <a:rPr kumimoji="0" lang="en-US" sz="1600" b="0" i="0" u="none" strike="noStrike" kern="1200" cap="none" spc="0" normalizeH="0" baseline="0" noProof="0" dirty="0">
+                    <a:ln>
+                      <a:noFill/>
+                    </a:ln>
+                    <a:solidFill>
+                      <a:srgbClr val="D8D9D8">
+                        <a:lumMod val="75000"/>
+                      </a:srgbClr>
+                    </a:solidFill>
+                    <a:effectLst/>
+                    <a:uLnTx/>
+                    <a:uFillTx/>
+                    <a:latin typeface="Arial" panose="020B0604020202020204"/>
+                    <a:ea typeface="+mn-ea"/>
+                    <a:cs typeface="+mn-cs"/>
+                  </a:rPr>
+                  <a:t>Data exploration</a:t>
+                </a:r>
+              </a:p>
+            </p:txBody>
+          </p:sp>
+        </p:grpSp>
+        <p:sp>
+          <p:nvSpPr>
+            <p:cNvPr id="106" name="Right Arrow 41">
+              <a:extLst>
+                <a:ext uri="{FF2B5EF4-FFF2-40B4-BE49-F238E27FC236}">
+                  <a16:creationId xmlns:a16="http://schemas.microsoft.com/office/drawing/2014/main" id="{8B75A199-98E2-B143-A0FB-CB7FE1AC7C40}"/>
+                </a:ext>
+              </a:extLst>
+            </p:cNvPr>
+            <p:cNvSpPr/>
+            <p:nvPr/>
+          </p:nvSpPr>
+          <p:spPr>
+            <a:xfrm>
+              <a:off x="8554674" y="3831748"/>
+              <a:ext cx="541502" cy="292608"/>
+            </a:xfrm>
+            <a:prstGeom prst="rightArrow">
+              <a:avLst/>
+            </a:prstGeom>
+          </p:spPr>
+          <p:style>
+            <a:lnRef idx="2">
+              <a:schemeClr val="accent1">
+                <a:shade val="50000"/>
+              </a:schemeClr>
+            </a:lnRef>
+            <a:fillRef idx="1">
+              <a:schemeClr val="accent1"/>
+            </a:fillRef>
+            <a:effectRef idx="0">
+              <a:schemeClr val="accent1"/>
+            </a:effectRef>
+            <a:fontRef idx="minor">
+              <a:schemeClr val="lt1"/>
+            </a:fontRef>
+          </p:style>
+          <p:txBody>
+            <a:bodyPr rtlCol="0" anchor="ctr"/>
+            <a:lstStyle/>
+            <a:p>
+              <a:pPr marL="0" marR="0" lvl="0" indent="0" algn="ctr" defTabSz="914400" rtl="0" eaLnBrk="1" fontAlgn="auto" latinLnBrk="0" hangingPunct="1">
+                <a:lnSpc>
+                  <a:spcPct val="100000"/>
+                </a:lnSpc>
+                <a:spcBef>
+                  <a:spcPts val="0"/>
+                </a:spcBef>
+                <a:spcAft>
+                  <a:spcPts val="0"/>
+                </a:spcAft>
+                <a:buClrTx/>
+                <a:buSzTx/>
+                <a:buFontTx/>
+                <a:buNone/>
+                <a:tabLst/>
+                <a:defRPr/>
+              </a:pPr>
+              <a:endParaRPr kumimoji="0" lang="en-US" sz="1800" b="0" i="0" u="none" strike="noStrike" kern="1200" cap="none" spc="0" normalizeH="0" baseline="0" noProof="0">
+                <a:ln>
+                  <a:noFill/>
+                </a:ln>
+                <a:solidFill>
+                  <a:srgbClr val="FFFFFF"/>
+                </a:solidFill>
+                <a:effectLst/>
+                <a:uLnTx/>
+                <a:uFillTx/>
+                <a:latin typeface="Arial" panose="020B0604020202020204"/>
+                <a:ea typeface="+mn-ea"/>
+                <a:cs typeface="+mn-cs"/>
+              </a:endParaRPr>
+            </a:p>
+          </p:txBody>
+        </p:sp>
+      </p:grpSp>
+      <p:sp>
+        <p:nvSpPr>
+          <p:cNvPr id="109" name="TextBox 108">
+            <a:extLst>
+              <a:ext uri="{FF2B5EF4-FFF2-40B4-BE49-F238E27FC236}">
+                <a16:creationId xmlns:a16="http://schemas.microsoft.com/office/drawing/2014/main" id="{9A934E96-463A-0440-A42D-F97DC15561CB}"/>
+              </a:ext>
+            </a:extLst>
+          </p:cNvPr>
+          <p:cNvSpPr txBox="1"/>
+          <p:nvPr/>
+        </p:nvSpPr>
+        <p:spPr>
+          <a:xfrm>
+            <a:off x="6795077" y="2305192"/>
+            <a:ext cx="1133644" cy="369332"/>
+          </a:xfrm>
+          <a:prstGeom prst="rect">
+            <a:avLst/>
+          </a:prstGeom>
+          <a:noFill/>
+        </p:spPr>
+        <p:txBody>
+          <a:bodyPr wrap="none" rtlCol="0">
+            <a:spAutoFit/>
+          </a:bodyPr>
+          <a:lstStyle/>
+          <a:p>
+            <a:pPr marL="0" marR="0" lvl="0" indent="0" algn="l" defTabSz="914400" rtl="0" eaLnBrk="1" fontAlgn="auto" latinLnBrk="0" hangingPunct="1">
+              <a:lnSpc>
+                <a:spcPct val="100000"/>
+              </a:lnSpc>
+              <a:spcBef>
+                <a:spcPts val="0"/>
+              </a:spcBef>
+              <a:spcAft>
+                <a:spcPts val="0"/>
+              </a:spcAft>
+              <a:buClrTx/>
+              <a:buSzTx/>
+              <a:buFontTx/>
+              <a:buNone/>
+              <a:tabLst/>
+              <a:defRPr/>
+            </a:pPr>
+            <a:r>
+              <a:rPr kumimoji="0" lang="en-US" sz="1800" b="0" i="0" u="none" strike="noStrike" kern="1200" cap="none" spc="0" normalizeH="0" baseline="0" noProof="0" dirty="0">
+                <a:ln>
+                  <a:noFill/>
+                </a:ln>
+                <a:solidFill>
+                  <a:srgbClr val="000000"/>
+                </a:solidFill>
+                <a:effectLst/>
+                <a:uLnTx/>
+                <a:uFillTx/>
+                <a:latin typeface="Arial" panose="020B0604020202020204"/>
+                <a:ea typeface="+mn-ea"/>
+                <a:cs typeface="+mn-cs"/>
+              </a:rPr>
+              <a:t>Module 1</a:t>
+            </a:r>
+          </a:p>
+        </p:txBody>
+      </p:sp>
+      <p:sp>
+        <p:nvSpPr>
+          <p:cNvPr id="110" name="Right Brace 109">
+            <a:extLst>
+              <a:ext uri="{FF2B5EF4-FFF2-40B4-BE49-F238E27FC236}">
+                <a16:creationId xmlns:a16="http://schemas.microsoft.com/office/drawing/2014/main" id="{254D9A82-629B-A248-A0BE-A7D5433691F6}"/>
+              </a:ext>
+            </a:extLst>
+          </p:cNvPr>
+          <p:cNvSpPr/>
+          <p:nvPr/>
+        </p:nvSpPr>
+        <p:spPr>
+          <a:xfrm rot="-5400000">
+            <a:off x="7227092" y="1675696"/>
+            <a:ext cx="274320" cy="2331720"/>
+          </a:xfrm>
+          <a:prstGeom prst="rightBrace">
+            <a:avLst/>
+          </a:prstGeom>
+          <a:ln w="31750" cap="flat">
+            <a:miter lim="800000"/>
+          </a:ln>
+        </p:spPr>
+        <p:style>
+          <a:lnRef idx="1">
+            <a:schemeClr val="accent1"/>
+          </a:lnRef>
+          <a:fillRef idx="0">
+            <a:schemeClr val="accent1"/>
+          </a:fillRef>
+          <a:effectRef idx="0">
+            <a:schemeClr val="accent1"/>
+          </a:effectRef>
+          <a:fontRef idx="minor">
+            <a:schemeClr val="tx1"/>
+          </a:fontRef>
+        </p:style>
+        <p:txBody>
+          <a:bodyPr rtlCol="0" anchor="ctr"/>
+          <a:lstStyle/>
+          <a:p>
+            <a:pPr marL="0" marR="0" lvl="0" indent="0" algn="ctr" defTabSz="914400" rtl="0" eaLnBrk="1" fontAlgn="auto" latinLnBrk="0" hangingPunct="1">
+              <a:lnSpc>
+                <a:spcPct val="100000"/>
+              </a:lnSpc>
+              <a:spcBef>
+                <a:spcPts val="0"/>
+              </a:spcBef>
+              <a:spcAft>
+                <a:spcPts val="0"/>
+              </a:spcAft>
+              <a:buClrTx/>
+              <a:buSzTx/>
+              <a:buFontTx/>
+              <a:buNone/>
+              <a:tabLst/>
+              <a:defRPr/>
+            </a:pPr>
+            <a:endParaRPr kumimoji="0" lang="en-US" sz="1800" b="0" i="0" u="none" strike="noStrike" kern="1200" cap="none" spc="0" normalizeH="0" baseline="0" noProof="0">
+              <a:ln>
+                <a:noFill/>
+              </a:ln>
+              <a:solidFill>
+                <a:srgbClr val="000000"/>
+              </a:solidFill>
+              <a:effectLst/>
+              <a:uLnTx/>
+              <a:uFillTx/>
+              <a:latin typeface="Arial" panose="020B0604020202020204"/>
+              <a:ea typeface="+mn-ea"/>
+              <a:cs typeface="+mn-cs"/>
+            </a:endParaRPr>
+          </a:p>
+        </p:txBody>
+      </p:sp>
+      <p:sp>
+        <p:nvSpPr>
+          <p:cNvPr id="111" name="TextBox 110">
+            <a:extLst>
+              <a:ext uri="{FF2B5EF4-FFF2-40B4-BE49-F238E27FC236}">
+                <a16:creationId xmlns:a16="http://schemas.microsoft.com/office/drawing/2014/main" id="{8A0FE001-436E-ED4F-98EB-8778FA9AAE34}"/>
+              </a:ext>
+            </a:extLst>
+          </p:cNvPr>
+          <p:cNvSpPr txBox="1"/>
+          <p:nvPr/>
+        </p:nvSpPr>
+        <p:spPr>
+          <a:xfrm>
+            <a:off x="2368853" y="2305192"/>
+            <a:ext cx="1133644" cy="369332"/>
+          </a:xfrm>
+          <a:prstGeom prst="rect">
+            <a:avLst/>
+          </a:prstGeom>
+          <a:noFill/>
+        </p:spPr>
+        <p:txBody>
+          <a:bodyPr wrap="none" rtlCol="0">
+            <a:spAutoFit/>
+          </a:bodyPr>
+          <a:lstStyle/>
+          <a:p>
+            <a:pPr marL="0" marR="0" lvl="0" indent="0" algn="l" defTabSz="914400" rtl="0" eaLnBrk="1" fontAlgn="auto" latinLnBrk="0" hangingPunct="1">
+              <a:lnSpc>
+                <a:spcPct val="100000"/>
+              </a:lnSpc>
+              <a:spcBef>
+                <a:spcPts val="0"/>
+              </a:spcBef>
+              <a:spcAft>
+                <a:spcPts val="0"/>
+              </a:spcAft>
+              <a:buClrTx/>
+              <a:buSzTx/>
+              <a:buFontTx/>
+              <a:buNone/>
+              <a:tabLst/>
+              <a:defRPr/>
+            </a:pPr>
+            <a:r>
+              <a:rPr kumimoji="0" lang="en-US" sz="1800" b="0" i="0" u="none" strike="noStrike" kern="1200" cap="none" spc="0" normalizeH="0" baseline="0" noProof="0" dirty="0">
+                <a:ln>
+                  <a:noFill/>
+                </a:ln>
+                <a:solidFill>
+                  <a:srgbClr val="000000"/>
+                </a:solidFill>
+                <a:effectLst/>
+                <a:uLnTx/>
+                <a:uFillTx/>
+                <a:latin typeface="Arial" panose="020B0604020202020204"/>
+                <a:ea typeface="+mn-ea"/>
+                <a:cs typeface="+mn-cs"/>
+              </a:rPr>
+              <a:t>Module 2</a:t>
+            </a:r>
+          </a:p>
+        </p:txBody>
+      </p:sp>
+      <p:sp>
+        <p:nvSpPr>
+          <p:cNvPr id="112" name="Right Brace 111">
+            <a:extLst>
+              <a:ext uri="{FF2B5EF4-FFF2-40B4-BE49-F238E27FC236}">
+                <a16:creationId xmlns:a16="http://schemas.microsoft.com/office/drawing/2014/main" id="{44924311-BD86-D840-BB22-6D984C9E88C2}"/>
+              </a:ext>
+            </a:extLst>
+          </p:cNvPr>
+          <p:cNvSpPr/>
+          <p:nvPr/>
+        </p:nvSpPr>
+        <p:spPr>
+          <a:xfrm rot="-5400000">
+            <a:off x="2799672" y="203511"/>
+            <a:ext cx="274320" cy="5276088"/>
+          </a:xfrm>
+          <a:prstGeom prst="rightBrace">
+            <a:avLst/>
+          </a:prstGeom>
+          <a:ln w="31750" cap="flat">
+            <a:miter lim="800000"/>
+          </a:ln>
+        </p:spPr>
+        <p:style>
+          <a:lnRef idx="1">
+            <a:schemeClr val="accent1"/>
+          </a:lnRef>
+          <a:fillRef idx="0">
+            <a:schemeClr val="accent1"/>
+          </a:fillRef>
+          <a:effectRef idx="0">
+            <a:schemeClr val="accent1"/>
+          </a:effectRef>
+          <a:fontRef idx="minor">
+            <a:schemeClr val="tx1"/>
+          </a:fontRef>
+        </p:style>
+        <p:txBody>
+          <a:bodyPr rtlCol="0" anchor="ctr"/>
+          <a:lstStyle/>
+          <a:p>
+            <a:pPr marL="0" marR="0" lvl="0" indent="0" algn="ctr" defTabSz="914400" rtl="0" eaLnBrk="1" fontAlgn="auto" latinLnBrk="0" hangingPunct="1">
+              <a:lnSpc>
+                <a:spcPct val="100000"/>
+              </a:lnSpc>
+              <a:spcBef>
+                <a:spcPts val="0"/>
+              </a:spcBef>
+              <a:spcAft>
+                <a:spcPts val="0"/>
+              </a:spcAft>
+              <a:buClrTx/>
+              <a:buSzTx/>
+              <a:buFontTx/>
+              <a:buNone/>
+              <a:tabLst/>
+              <a:defRPr/>
+            </a:pPr>
+            <a:endParaRPr kumimoji="0" lang="en-US" sz="1800" b="0" i="0" u="none" strike="noStrike" kern="1200" cap="none" spc="0" normalizeH="0" baseline="0" noProof="0">
+              <a:ln>
+                <a:noFill/>
+              </a:ln>
+              <a:solidFill>
+                <a:srgbClr val="000000"/>
+              </a:solidFill>
+              <a:effectLst/>
+              <a:uLnTx/>
+              <a:uFillTx/>
+              <a:latin typeface="Arial" panose="020B0604020202020204"/>
+              <a:ea typeface="+mn-ea"/>
+              <a:cs typeface="+mn-cs"/>
+            </a:endParaRPr>
+          </a:p>
+        </p:txBody>
+      </p:sp>
+      <p:sp>
+        <p:nvSpPr>
+          <p:cNvPr id="113" name="Arrow: Bent 74">
+            <a:extLst>
+              <a:ext uri="{FF2B5EF4-FFF2-40B4-BE49-F238E27FC236}">
+                <a16:creationId xmlns:a16="http://schemas.microsoft.com/office/drawing/2014/main" id="{5E9E6031-7562-FE4A-9614-5C0B0B71C442}"/>
+              </a:ext>
+            </a:extLst>
+          </p:cNvPr>
+          <p:cNvSpPr/>
+          <p:nvPr/>
+        </p:nvSpPr>
+        <p:spPr>
+          <a:xfrm rot="16200000">
+            <a:off x="1098783" y="5103364"/>
+            <a:ext cx="960120" cy="521208"/>
+          </a:xfrm>
+          <a:prstGeom prst="bentArrow">
+            <a:avLst/>
+          </a:prstGeom>
+        </p:spPr>
+        <p:style>
+          <a:lnRef idx="2">
+            <a:schemeClr val="accent1">
+              <a:shade val="50000"/>
+            </a:schemeClr>
+          </a:lnRef>
+          <a:fillRef idx="1">
+            <a:schemeClr val="accent1"/>
+          </a:fillRef>
+          <a:effectRef idx="0">
+            <a:schemeClr val="accent1"/>
+          </a:effectRef>
+          <a:fontRef idx="minor">
+            <a:schemeClr val="lt1"/>
+          </a:fontRef>
+        </p:style>
+        <p:txBody>
+          <a:bodyPr rtlCol="0" anchor="ctr"/>
+          <a:lstStyle/>
+          <a:p>
+            <a:pPr marL="0" marR="0" lvl="0" indent="0" algn="ctr" defTabSz="914400" rtl="0" eaLnBrk="1" fontAlgn="auto" latinLnBrk="0" hangingPunct="1">
+              <a:lnSpc>
+                <a:spcPct val="100000"/>
+              </a:lnSpc>
+              <a:spcBef>
+                <a:spcPts val="0"/>
+              </a:spcBef>
+              <a:spcAft>
+                <a:spcPts val="0"/>
+              </a:spcAft>
+              <a:buClrTx/>
+              <a:buSzTx/>
+              <a:buFontTx/>
+              <a:buNone/>
+              <a:tabLst/>
+              <a:defRPr/>
+            </a:pPr>
+            <a:endParaRPr kumimoji="0" lang="en-US" sz="1800" b="0" i="0" u="none" strike="noStrike" kern="1200" cap="none" spc="0" normalizeH="0" baseline="0" noProof="0">
+              <a:ln>
+                <a:noFill/>
+              </a:ln>
+              <a:solidFill>
+                <a:srgbClr val="000000"/>
+              </a:solidFill>
+              <a:effectLst/>
+              <a:uLnTx/>
+              <a:uFillTx/>
+              <a:latin typeface="Arial" panose="020B0604020202020204"/>
+              <a:ea typeface="+mn-ea"/>
+              <a:cs typeface="+mn-cs"/>
+            </a:endParaRPr>
+          </a:p>
+        </p:txBody>
+      </p:sp>
+      <p:sp>
+        <p:nvSpPr>
+          <p:cNvPr id="40" name="Rectangle 39">
+            <a:extLst>
+              <a:ext uri="{FF2B5EF4-FFF2-40B4-BE49-F238E27FC236}">
+                <a16:creationId xmlns:a16="http://schemas.microsoft.com/office/drawing/2014/main" id="{D06A7E67-1463-4B8A-ADF1-9E23CEF7D86E}"/>
+              </a:ext>
+            </a:extLst>
+          </p:cNvPr>
+          <p:cNvSpPr/>
+          <p:nvPr/>
+        </p:nvSpPr>
+        <p:spPr>
+          <a:xfrm>
+            <a:off x="7332956" y="97648"/>
+            <a:ext cx="2982896" cy="2129487"/>
+          </a:xfrm>
+          <a:prstGeom prst="rect">
+            <a:avLst/>
+          </a:prstGeom>
+          <a:noFill/>
+          <a:ln w="57150">
+            <a:solidFill>
+              <a:schemeClr val="accent1"/>
+            </a:solidFill>
+          </a:ln>
+        </p:spPr>
+        <p:style>
+          <a:lnRef idx="2">
+            <a:schemeClr val="accent1">
+              <a:shade val="50000"/>
+            </a:schemeClr>
+          </a:lnRef>
+          <a:fillRef idx="1">
+            <a:schemeClr val="accent1"/>
+          </a:fillRef>
+          <a:effectRef idx="0">
+            <a:schemeClr val="accent1"/>
+          </a:effectRef>
+          <a:fontRef idx="minor">
+            <a:schemeClr val="lt1"/>
+          </a:fontRef>
+        </p:style>
+        <p:txBody>
+          <a:bodyPr rtlCol="0" anchor="ctr"/>
+          <a:lstStyle/>
+          <a:p>
+            <a:pPr marL="0" marR="0" lvl="0" indent="0" algn="ctr" defTabSz="914400" rtl="0" eaLnBrk="1" fontAlgn="auto" latinLnBrk="0" hangingPunct="1">
+              <a:lnSpc>
+                <a:spcPct val="100000"/>
+              </a:lnSpc>
+              <a:spcBef>
+                <a:spcPts val="0"/>
+              </a:spcBef>
+              <a:spcAft>
+                <a:spcPts val="0"/>
+              </a:spcAft>
+              <a:buClrTx/>
+              <a:buSzTx/>
+              <a:buFontTx/>
+              <a:buNone/>
+              <a:tabLst/>
+              <a:defRPr/>
+            </a:pPr>
+            <a:endParaRPr kumimoji="0" lang="en-US" sz="1800" b="0" i="0" u="none" strike="noStrike" kern="1200" cap="none" spc="0" normalizeH="0" baseline="0" noProof="0">
+              <a:ln>
+                <a:noFill/>
+              </a:ln>
+              <a:solidFill>
+                <a:srgbClr val="FFFFFF"/>
+              </a:solidFill>
+              <a:effectLst/>
+              <a:uLnTx/>
+              <a:uFillTx/>
+              <a:latin typeface="Arial" panose="020B0604020202020204"/>
+              <a:ea typeface="+mn-ea"/>
+              <a:cs typeface="+mn-cs"/>
+            </a:endParaRPr>
+          </a:p>
+        </p:txBody>
+      </p:sp>
+    </p:spTree>
+    <p:extLst>
+      <p:ext uri="{BB962C8B-B14F-4D97-AF65-F5344CB8AC3E}">
+        <p14:creationId xmlns:p14="http://schemas.microsoft.com/office/powerpoint/2010/main" val="4172219543"/>
+      </p:ext>
+    </p:extLst>
+  </p:cSld>
+  <p:clrMapOvr>
+    <a:masterClrMapping/>
+  </p:clrMapOvr>
+</p:sld>
+</file>
+
+<file path=ppt/slides/slide4.xml><?xml version="1.0" encoding="utf-8"?>
 <p:sld xmlns:a="http://schemas.openxmlformats.org/drawingml/2006/main" xmlns:r="http://schemas.openxmlformats.org/officeDocument/2006/relationships" xmlns:p="http://schemas.openxmlformats.org/presentationml/2006/main">
   <p:cSld>
     <p:spTree>
@@ -3489,7 +10597,7 @@
 </p:sld>
 </file>
 
-<file path=ppt/slides/slide3.xml><?xml version="1.0" encoding="utf-8"?>
+<file path=ppt/slides/slide5.xml><?xml version="1.0" encoding="utf-8"?>
 <p:sld xmlns:a="http://schemas.openxmlformats.org/drawingml/2006/main" xmlns:r="http://schemas.openxmlformats.org/officeDocument/2006/relationships" xmlns:p="http://schemas.openxmlformats.org/presentationml/2006/main">
   <p:cSld>
     <p:spTree>
@@ -3635,7 +10743,7 @@
           <a:p>
             <a:fld id="{256CE055-ECFD-9048-9FD8-7E2D8656A4F7}" type="slidenum">
               <a:rPr lang="en-US" smtClean="0"/>
-              <a:t>3</a:t>
+              <a:t>5</a:t>
             </a:fld>
             <a:endParaRPr lang="en-US" dirty="0"/>
           </a:p>
@@ -3968,7 +11076,7 @@
 </p:sld>
 </file>
 
-<file path=ppt/slides/slide4.xml><?xml version="1.0" encoding="utf-8"?>
+<file path=ppt/slides/slide6.xml><?xml version="1.0" encoding="utf-8"?>
 <p:sld xmlns:a="http://schemas.openxmlformats.org/drawingml/2006/main" xmlns:r="http://schemas.openxmlformats.org/officeDocument/2006/relationships" xmlns:p="http://schemas.openxmlformats.org/presentationml/2006/main">
   <p:cSld>
     <p:spTree>
@@ -4090,7 +11198,7 @@
           <a:p>
             <a:fld id="{256CE055-ECFD-9048-9FD8-7E2D8656A4F7}" type="slidenum">
               <a:rPr lang="en-US" smtClean="0"/>
-              <a:t>4</a:t>
+              <a:t>6</a:t>
             </a:fld>
             <a:endParaRPr lang="en-US" dirty="0"/>
           </a:p>
@@ -4312,7 +11420,7 @@
 </p:sld>
 </file>
 
-<file path=ppt/slides/slide5.xml><?xml version="1.0" encoding="utf-8"?>
+<file path=ppt/slides/slide7.xml><?xml version="1.0" encoding="utf-8"?>
 <p:sld xmlns:a="http://schemas.openxmlformats.org/drawingml/2006/main" xmlns:r="http://schemas.openxmlformats.org/officeDocument/2006/relationships" xmlns:p="http://schemas.openxmlformats.org/presentationml/2006/main">
   <p:cSld>
     <p:spTree>
@@ -4370,7 +11478,7 @@
 </p:sld>
 </file>
 
-<file path=ppt/slides/slide6.xml><?xml version="1.0" encoding="utf-8"?>
+<file path=ppt/slides/slide8.xml><?xml version="1.0" encoding="utf-8"?>
 <p:sld xmlns:a="http://schemas.openxmlformats.org/drawingml/2006/main" xmlns:r="http://schemas.openxmlformats.org/officeDocument/2006/relationships" xmlns:p="http://schemas.openxmlformats.org/presentationml/2006/main">
   <p:cSld>
     <p:spTree>
@@ -4519,7 +11627,7 @@
           <a:p>
             <a:fld id="{256CE055-ECFD-9048-9FD8-7E2D8656A4F7}" type="slidenum">
               <a:rPr lang="en-US" smtClean="0"/>
-              <a:t>6</a:t>
+              <a:t>8</a:t>
             </a:fld>
             <a:endParaRPr lang="en-US" dirty="0"/>
           </a:p>
@@ -4538,7 +11646,7 @@
 </p:sld>
 </file>
 
-<file path=ppt/slides/slide7.xml><?xml version="1.0" encoding="utf-8"?>
+<file path=ppt/slides/slide9.xml><?xml version="1.0" encoding="utf-8"?>
 <p:sld xmlns:a="http://schemas.openxmlformats.org/drawingml/2006/main" xmlns:r="http://schemas.openxmlformats.org/officeDocument/2006/relationships" xmlns:p="http://schemas.openxmlformats.org/presentationml/2006/main">
   <p:cSld>
     <p:spTree>
@@ -4593,720 +11701,6 @@
   <p:clrMapOvr>
     <a:masterClrMapping/>
   </p:clrMapOvr>
-</p:sld>
-</file>
-
-<file path=ppt/slides/slide8.xml><?xml version="1.0" encoding="utf-8"?>
-<p:sld xmlns:a="http://schemas.openxmlformats.org/drawingml/2006/main" xmlns:r="http://schemas.openxmlformats.org/officeDocument/2006/relationships" xmlns:p="http://schemas.openxmlformats.org/presentationml/2006/main">
-  <p:cSld>
-    <p:spTree>
-      <p:nvGrpSpPr>
-        <p:cNvPr id="1" name=""/>
-        <p:cNvGrpSpPr/>
-        <p:nvPr/>
-      </p:nvGrpSpPr>
-      <p:grpSpPr>
-        <a:xfrm>
-          <a:off x="0" y="0"/>
-          <a:ext cx="0" cy="0"/>
-          <a:chOff x="0" y="0"/>
-          <a:chExt cx="0" cy="0"/>
-        </a:xfrm>
-      </p:grpSpPr>
-      <p:sp>
-        <p:nvSpPr>
-          <p:cNvPr id="2" name="Title 1">
-            <a:extLst>
-              <a:ext uri="{FF2B5EF4-FFF2-40B4-BE49-F238E27FC236}">
-                <a16:creationId xmlns:a16="http://schemas.microsoft.com/office/drawing/2014/main" id="{779BAE3F-225F-E54E-8145-ECACD7C376FB}"/>
-              </a:ext>
-            </a:extLst>
-          </p:cNvPr>
-          <p:cNvSpPr>
-            <a:spLocks noGrp="1"/>
-          </p:cNvSpPr>
-          <p:nvPr>
-            <p:ph type="title"/>
-          </p:nvPr>
-        </p:nvSpPr>
-        <p:spPr/>
-        <p:txBody>
-          <a:bodyPr/>
-          <a:lstStyle/>
-          <a:p>
-            <a:r>
-              <a:rPr lang="en-US" dirty="0"/>
-              <a:t>Characterizing Missing Data</a:t>
-            </a:r>
-          </a:p>
-        </p:txBody>
-      </p:sp>
-      <p:sp>
-        <p:nvSpPr>
-          <p:cNvPr id="3" name="Content Placeholder 2">
-            <a:extLst>
-              <a:ext uri="{FF2B5EF4-FFF2-40B4-BE49-F238E27FC236}">
-                <a16:creationId xmlns:a16="http://schemas.microsoft.com/office/drawing/2014/main" id="{45C23EAD-4ED8-3F43-8F36-E906632ACC3D}"/>
-              </a:ext>
-            </a:extLst>
-          </p:cNvPr>
-          <p:cNvSpPr>
-            <a:spLocks noGrp="1"/>
-          </p:cNvSpPr>
-          <p:nvPr>
-            <p:ph idx="1"/>
-          </p:nvPr>
-        </p:nvSpPr>
-        <p:spPr/>
-        <p:txBody>
-          <a:bodyPr>
-            <a:normAutofit/>
-          </a:bodyPr>
-          <a:lstStyle/>
-          <a:p>
-            <a:r>
-              <a:rPr lang="en-US" b="1" dirty="0"/>
-              <a:t>Missing Completely at Random (MCAR):</a:t>
-            </a:r>
-            <a:r>
-              <a:rPr lang="en-US" dirty="0"/>
-              <a:t> Probability of missing data in X is unrelated to values of X and unrelated to other attributes</a:t>
-            </a:r>
-          </a:p>
-          <a:p>
-            <a:r>
-              <a:rPr lang="en-US" b="1" dirty="0"/>
-              <a:t>Missing at Random (MAR):</a:t>
-            </a:r>
-            <a:r>
-              <a:rPr lang="en-US" dirty="0"/>
-              <a:t> Probability of missing data in attribute X depends on some other attribute, Y, but not the values of X</a:t>
-            </a:r>
-          </a:p>
-          <a:p>
-            <a:r>
-              <a:rPr lang="en-US" b="1" dirty="0"/>
-              <a:t>Missing Not at Random (MNAR):</a:t>
-            </a:r>
-            <a:r>
-              <a:rPr lang="en-US" dirty="0"/>
-              <a:t> Probability of missing data in attribute X is related to the values of X</a:t>
-            </a:r>
-          </a:p>
-          <a:p>
-            <a:pPr lvl="1"/>
-            <a:endParaRPr lang="en-US" dirty="0"/>
-          </a:p>
-          <a:p>
-            <a:endParaRPr lang="en-US" dirty="0"/>
-          </a:p>
-        </p:txBody>
-      </p:sp>
-      <p:sp>
-        <p:nvSpPr>
-          <p:cNvPr id="4" name="Slide Number Placeholder 3">
-            <a:extLst>
-              <a:ext uri="{FF2B5EF4-FFF2-40B4-BE49-F238E27FC236}">
-                <a16:creationId xmlns:a16="http://schemas.microsoft.com/office/drawing/2014/main" id="{710826A1-E1B7-5743-A0FB-29635DC386DF}"/>
-              </a:ext>
-            </a:extLst>
-          </p:cNvPr>
-          <p:cNvSpPr>
-            <a:spLocks noGrp="1"/>
-          </p:cNvSpPr>
-          <p:nvPr>
-            <p:ph type="sldNum" sz="quarter" idx="12"/>
-          </p:nvPr>
-        </p:nvSpPr>
-        <p:spPr/>
-        <p:txBody>
-          <a:bodyPr/>
-          <a:lstStyle/>
-          <a:p>
-            <a:fld id="{256CE055-ECFD-9048-9FD8-7E2D8656A4F7}" type="slidenum">
-              <a:rPr lang="en-US" smtClean="0"/>
-              <a:t>8</a:t>
-            </a:fld>
-            <a:endParaRPr lang="en-US" dirty="0"/>
-          </a:p>
-        </p:txBody>
-      </p:sp>
-    </p:spTree>
-    <p:extLst>
-      <p:ext uri="{BB962C8B-B14F-4D97-AF65-F5344CB8AC3E}">
-        <p14:creationId xmlns:p14="http://schemas.microsoft.com/office/powerpoint/2010/main" val="2998855554"/>
-      </p:ext>
-    </p:extLst>
-  </p:cSld>
-  <p:clrMapOvr>
-    <a:masterClrMapping/>
-  </p:clrMapOvr>
-  <p:timing>
-    <p:tnLst>
-      <p:par>
-        <p:cTn id="1" dur="indefinite" restart="never" nodeType="tmRoot">
-          <p:childTnLst>
-            <p:seq concurrent="1" nextAc="seek">
-              <p:cTn id="2" dur="indefinite" nodeType="mainSeq">
-                <p:childTnLst>
-                  <p:par>
-                    <p:cTn id="3" fill="hold">
-                      <p:stCondLst>
-                        <p:cond delay="indefinite"/>
-                      </p:stCondLst>
-                      <p:childTnLst>
-                        <p:par>
-                          <p:cTn id="4" fill="hold">
-                            <p:stCondLst>
-                              <p:cond delay="0"/>
-                            </p:stCondLst>
-                            <p:childTnLst>
-                              <p:par>
-                                <p:cTn id="5" presetID="1" presetClass="entr" presetSubtype="0" fill="hold" nodeType="clickEffect">
-                                  <p:stCondLst>
-                                    <p:cond delay="0"/>
-                                  </p:stCondLst>
-                                  <p:childTnLst>
-                                    <p:set>
-                                      <p:cBhvr>
-                                        <p:cTn id="6" dur="1" fill="hold">
-                                          <p:stCondLst>
-                                            <p:cond delay="0"/>
-                                          </p:stCondLst>
-                                        </p:cTn>
-                                        <p:tgtEl>
-                                          <p:spTgt spid="3">
-                                            <p:txEl>
-                                              <p:pRg st="0" end="0"/>
-                                            </p:txEl>
-                                          </p:spTgt>
-                                        </p:tgtEl>
-                                        <p:attrNameLst>
-                                          <p:attrName>style.visibility</p:attrName>
-                                        </p:attrNameLst>
-                                      </p:cBhvr>
-                                      <p:to>
-                                        <p:strVal val="visible"/>
-                                      </p:to>
-                                    </p:set>
-                                  </p:childTnLst>
-                                </p:cTn>
-                              </p:par>
-                              <p:par>
-                                <p:cTn id="7" presetID="1" presetClass="entr" presetSubtype="0" fill="hold" nodeType="withEffect">
-                                  <p:stCondLst>
-                                    <p:cond delay="0"/>
-                                  </p:stCondLst>
-                                  <p:childTnLst>
-                                    <p:set>
-                                      <p:cBhvr>
-                                        <p:cTn id="8" dur="1" fill="hold">
-                                          <p:stCondLst>
-                                            <p:cond delay="0"/>
-                                          </p:stCondLst>
-                                        </p:cTn>
-                                        <p:tgtEl>
-                                          <p:spTgt spid="3">
-                                            <p:txEl>
-                                              <p:pRg st="1" end="1"/>
-                                            </p:txEl>
-                                          </p:spTgt>
-                                        </p:tgtEl>
-                                        <p:attrNameLst>
-                                          <p:attrName>style.visibility</p:attrName>
-                                        </p:attrNameLst>
-                                      </p:cBhvr>
-                                      <p:to>
-                                        <p:strVal val="visible"/>
-                                      </p:to>
-                                    </p:set>
-                                  </p:childTnLst>
-                                </p:cTn>
-                              </p:par>
-                              <p:par>
-                                <p:cTn id="9" presetID="1" presetClass="entr" presetSubtype="0" fill="hold" nodeType="withEffect">
-                                  <p:stCondLst>
-                                    <p:cond delay="0"/>
-                                  </p:stCondLst>
-                                  <p:childTnLst>
-                                    <p:set>
-                                      <p:cBhvr>
-                                        <p:cTn id="10" dur="1" fill="hold">
-                                          <p:stCondLst>
-                                            <p:cond delay="0"/>
-                                          </p:stCondLst>
-                                        </p:cTn>
-                                        <p:tgtEl>
-                                          <p:spTgt spid="3">
-                                            <p:txEl>
-                                              <p:pRg st="2" end="2"/>
-                                            </p:txEl>
-                                          </p:spTgt>
-                                        </p:tgtEl>
-                                        <p:attrNameLst>
-                                          <p:attrName>style.visibility</p:attrName>
-                                        </p:attrNameLst>
-                                      </p:cBhvr>
-                                      <p:to>
-                                        <p:strVal val="visible"/>
-                                      </p:to>
-                                    </p:set>
-                                  </p:childTnLst>
-                                </p:cTn>
-                              </p:par>
-                            </p:childTnLst>
-                          </p:cTn>
-                        </p:par>
-                      </p:childTnLst>
-                    </p:cTn>
-                  </p:par>
-                </p:childTnLst>
-              </p:cTn>
-              <p:prevCondLst>
-                <p:cond evt="onPrev" delay="0">
-                  <p:tgtEl>
-                    <p:sldTgt/>
-                  </p:tgtEl>
-                </p:cond>
-              </p:prevCondLst>
-              <p:nextCondLst>
-                <p:cond evt="onNext" delay="0">
-                  <p:tgtEl>
-                    <p:sldTgt/>
-                  </p:tgtEl>
-                </p:cond>
-              </p:nextCondLst>
-            </p:seq>
-          </p:childTnLst>
-        </p:cTn>
-      </p:par>
-    </p:tnLst>
-  </p:timing>
-</p:sld>
-</file>
-
-<file path=ppt/slides/slide9.xml><?xml version="1.0" encoding="utf-8"?>
-<p:sld xmlns:a="http://schemas.openxmlformats.org/drawingml/2006/main" xmlns:r="http://schemas.openxmlformats.org/officeDocument/2006/relationships" xmlns:p="http://schemas.openxmlformats.org/presentationml/2006/main">
-  <p:cSld>
-    <p:spTree>
-      <p:nvGrpSpPr>
-        <p:cNvPr id="1" name=""/>
-        <p:cNvGrpSpPr/>
-        <p:nvPr/>
-      </p:nvGrpSpPr>
-      <p:grpSpPr>
-        <a:xfrm>
-          <a:off x="0" y="0"/>
-          <a:ext cx="0" cy="0"/>
-          <a:chOff x="0" y="0"/>
-          <a:chExt cx="0" cy="0"/>
-        </a:xfrm>
-      </p:grpSpPr>
-      <p:sp>
-        <p:nvSpPr>
-          <p:cNvPr id="2" name="Title 1">
-            <a:extLst>
-              <a:ext uri="{FF2B5EF4-FFF2-40B4-BE49-F238E27FC236}">
-                <a16:creationId xmlns:a16="http://schemas.microsoft.com/office/drawing/2014/main" id="{779BAE3F-225F-E54E-8145-ECACD7C376FB}"/>
-              </a:ext>
-            </a:extLst>
-          </p:cNvPr>
-          <p:cNvSpPr>
-            <a:spLocks noGrp="1"/>
-          </p:cNvSpPr>
-          <p:nvPr>
-            <p:ph type="title"/>
-          </p:nvPr>
-        </p:nvSpPr>
-        <p:spPr/>
-        <p:txBody>
-          <a:bodyPr/>
-          <a:lstStyle/>
-          <a:p>
-            <a:r>
-              <a:rPr lang="en-US" dirty="0"/>
-              <a:t>Dealing With Missing Data</a:t>
-            </a:r>
-          </a:p>
-        </p:txBody>
-      </p:sp>
-      <p:sp>
-        <p:nvSpPr>
-          <p:cNvPr id="3" name="Content Placeholder 2">
-            <a:extLst>
-              <a:ext uri="{FF2B5EF4-FFF2-40B4-BE49-F238E27FC236}">
-                <a16:creationId xmlns:a16="http://schemas.microsoft.com/office/drawing/2014/main" id="{45C23EAD-4ED8-3F43-8F36-E906632ACC3D}"/>
-              </a:ext>
-            </a:extLst>
-          </p:cNvPr>
-          <p:cNvSpPr>
-            <a:spLocks noGrp="1"/>
-          </p:cNvSpPr>
-          <p:nvPr>
-            <p:ph idx="1"/>
-          </p:nvPr>
-        </p:nvSpPr>
-        <p:spPr/>
-        <p:txBody>
-          <a:bodyPr>
-            <a:normAutofit/>
-          </a:bodyPr>
-          <a:lstStyle/>
-          <a:p>
-            <a:r>
-              <a:rPr lang="en-US" dirty="0"/>
-              <a:t>Do we simply set missing values to NULL / NA?</a:t>
-            </a:r>
-          </a:p>
-          <a:p>
-            <a:pPr lvl="1"/>
-            <a:r>
-              <a:rPr lang="en-US" dirty="0"/>
-              <a:t>How will this impact our ML model?</a:t>
-            </a:r>
-          </a:p>
-          <a:p>
-            <a:r>
-              <a:rPr lang="en-US" dirty="0"/>
-              <a:t>Do we drop the rows (observations) when there is missing data?</a:t>
-            </a:r>
-          </a:p>
-          <a:p>
-            <a:pPr lvl="1"/>
-            <a:r>
-              <a:rPr lang="en-US" dirty="0"/>
-              <a:t>How will this impact our ML model?</a:t>
-            </a:r>
-          </a:p>
-          <a:p>
-            <a:r>
-              <a:rPr lang="en-US" dirty="0"/>
-              <a:t>Do we insert average / estimated values for missing values?</a:t>
-            </a:r>
-          </a:p>
-          <a:p>
-            <a:pPr lvl="1"/>
-            <a:r>
-              <a:rPr lang="en-US" dirty="0"/>
-              <a:t>How will this impact our ML model?</a:t>
-            </a:r>
-          </a:p>
-          <a:p>
-            <a:r>
-              <a:rPr lang="en-US" b="1" dirty="0">
-                <a:solidFill>
-                  <a:schemeClr val="accent1"/>
-                </a:solidFill>
-              </a:rPr>
-              <a:t>How does our decision relate to ML fairness?</a:t>
-            </a:r>
-          </a:p>
-        </p:txBody>
-      </p:sp>
-      <p:sp>
-        <p:nvSpPr>
-          <p:cNvPr id="4" name="Slide Number Placeholder 3">
-            <a:extLst>
-              <a:ext uri="{FF2B5EF4-FFF2-40B4-BE49-F238E27FC236}">
-                <a16:creationId xmlns:a16="http://schemas.microsoft.com/office/drawing/2014/main" id="{710826A1-E1B7-5743-A0FB-29635DC386DF}"/>
-              </a:ext>
-            </a:extLst>
-          </p:cNvPr>
-          <p:cNvSpPr>
-            <a:spLocks noGrp="1"/>
-          </p:cNvSpPr>
-          <p:nvPr>
-            <p:ph type="sldNum" sz="quarter" idx="12"/>
-          </p:nvPr>
-        </p:nvSpPr>
-        <p:spPr/>
-        <p:txBody>
-          <a:bodyPr/>
-          <a:lstStyle/>
-          <a:p>
-            <a:fld id="{256CE055-ECFD-9048-9FD8-7E2D8656A4F7}" type="slidenum">
-              <a:rPr lang="en-US" smtClean="0"/>
-              <a:t>9</a:t>
-            </a:fld>
-            <a:endParaRPr lang="en-US" dirty="0"/>
-          </a:p>
-        </p:txBody>
-      </p:sp>
-    </p:spTree>
-    <p:extLst>
-      <p:ext uri="{BB962C8B-B14F-4D97-AF65-F5344CB8AC3E}">
-        <p14:creationId xmlns:p14="http://schemas.microsoft.com/office/powerpoint/2010/main" val="2981147952"/>
-      </p:ext>
-    </p:extLst>
-  </p:cSld>
-  <p:clrMapOvr>
-    <a:masterClrMapping/>
-  </p:clrMapOvr>
-  <p:timing>
-    <p:tnLst>
-      <p:par>
-        <p:cTn id="1" dur="indefinite" restart="never" nodeType="tmRoot">
-          <p:childTnLst>
-            <p:seq concurrent="1" nextAc="seek">
-              <p:cTn id="2" dur="indefinite" nodeType="mainSeq">
-                <p:childTnLst>
-                  <p:par>
-                    <p:cTn id="3" fill="hold">
-                      <p:stCondLst>
-                        <p:cond delay="indefinite"/>
-                      </p:stCondLst>
-                      <p:childTnLst>
-                        <p:par>
-                          <p:cTn id="4" fill="hold">
-                            <p:stCondLst>
-                              <p:cond delay="0"/>
-                            </p:stCondLst>
-                            <p:childTnLst>
-                              <p:par>
-                                <p:cTn id="5" presetID="1" presetClass="entr" presetSubtype="0" fill="hold" nodeType="clickEffect">
-                                  <p:stCondLst>
-                                    <p:cond delay="0"/>
-                                  </p:stCondLst>
-                                  <p:childTnLst>
-                                    <p:set>
-                                      <p:cBhvr>
-                                        <p:cTn id="6" dur="1" fill="hold">
-                                          <p:stCondLst>
-                                            <p:cond delay="0"/>
-                                          </p:stCondLst>
-                                        </p:cTn>
-                                        <p:tgtEl>
-                                          <p:spTgt spid="3">
-                                            <p:txEl>
-                                              <p:pRg st="0" end="0"/>
-                                            </p:txEl>
-                                          </p:spTgt>
-                                        </p:tgtEl>
-                                        <p:attrNameLst>
-                                          <p:attrName>style.visibility</p:attrName>
-                                        </p:attrNameLst>
-                                      </p:cBhvr>
-                                      <p:to>
-                                        <p:strVal val="visible"/>
-                                      </p:to>
-                                    </p:set>
-                                  </p:childTnLst>
-                                </p:cTn>
-                              </p:par>
-                              <p:par>
-                                <p:cTn id="7" presetID="1" presetClass="entr" presetSubtype="0" fill="hold" nodeType="withEffect">
-                                  <p:stCondLst>
-                                    <p:cond delay="0"/>
-                                  </p:stCondLst>
-                                  <p:childTnLst>
-                                    <p:set>
-                                      <p:cBhvr>
-                                        <p:cTn id="8" dur="1" fill="hold">
-                                          <p:stCondLst>
-                                            <p:cond delay="0"/>
-                                          </p:stCondLst>
-                                        </p:cTn>
-                                        <p:tgtEl>
-                                          <p:spTgt spid="3">
-                                            <p:txEl>
-                                              <p:pRg st="1" end="1"/>
-                                            </p:txEl>
-                                          </p:spTgt>
-                                        </p:tgtEl>
-                                        <p:attrNameLst>
-                                          <p:attrName>style.visibility</p:attrName>
-                                        </p:attrNameLst>
-                                      </p:cBhvr>
-                                      <p:to>
-                                        <p:strVal val="visible"/>
-                                      </p:to>
-                                    </p:set>
-                                  </p:childTnLst>
-                                </p:cTn>
-                              </p:par>
-                              <p:par>
-                                <p:cTn id="9" presetID="1" presetClass="entr" presetSubtype="0" fill="hold" nodeType="withEffect">
-                                  <p:stCondLst>
-                                    <p:cond delay="0"/>
-                                  </p:stCondLst>
-                                  <p:childTnLst>
-                                    <p:set>
-                                      <p:cBhvr>
-                                        <p:cTn id="10" dur="1" fill="hold">
-                                          <p:stCondLst>
-                                            <p:cond delay="0"/>
-                                          </p:stCondLst>
-                                        </p:cTn>
-                                        <p:tgtEl>
-                                          <p:spTgt spid="3">
-                                            <p:txEl>
-                                              <p:pRg st="2" end="2"/>
-                                            </p:txEl>
-                                          </p:spTgt>
-                                        </p:tgtEl>
-                                        <p:attrNameLst>
-                                          <p:attrName>style.visibility</p:attrName>
-                                        </p:attrNameLst>
-                                      </p:cBhvr>
-                                      <p:to>
-                                        <p:strVal val="visible"/>
-                                      </p:to>
-                                    </p:set>
-                                  </p:childTnLst>
-                                </p:cTn>
-                              </p:par>
-                              <p:par>
-                                <p:cTn id="11" presetID="1" presetClass="entr" presetSubtype="0" fill="hold" nodeType="withEffect">
-                                  <p:stCondLst>
-                                    <p:cond delay="0"/>
-                                  </p:stCondLst>
-                                  <p:childTnLst>
-                                    <p:set>
-                                      <p:cBhvr>
-                                        <p:cTn id="12" dur="1" fill="hold">
-                                          <p:stCondLst>
-                                            <p:cond delay="0"/>
-                                          </p:stCondLst>
-                                        </p:cTn>
-                                        <p:tgtEl>
-                                          <p:spTgt spid="3">
-                                            <p:txEl>
-                                              <p:pRg st="3" end="3"/>
-                                            </p:txEl>
-                                          </p:spTgt>
-                                        </p:tgtEl>
-                                        <p:attrNameLst>
-                                          <p:attrName>style.visibility</p:attrName>
-                                        </p:attrNameLst>
-                                      </p:cBhvr>
-                                      <p:to>
-                                        <p:strVal val="visible"/>
-                                      </p:to>
-                                    </p:set>
-                                  </p:childTnLst>
-                                </p:cTn>
-                              </p:par>
-                              <p:par>
-                                <p:cTn id="13" presetID="1" presetClass="entr" presetSubtype="0" fill="hold" nodeType="withEffect">
-                                  <p:stCondLst>
-                                    <p:cond delay="0"/>
-                                  </p:stCondLst>
-                                  <p:childTnLst>
-                                    <p:set>
-                                      <p:cBhvr>
-                                        <p:cTn id="14" dur="1" fill="hold">
-                                          <p:stCondLst>
-                                            <p:cond delay="0"/>
-                                          </p:stCondLst>
-                                        </p:cTn>
-                                        <p:tgtEl>
-                                          <p:spTgt spid="3">
-                                            <p:txEl>
-                                              <p:pRg st="4" end="4"/>
-                                            </p:txEl>
-                                          </p:spTgt>
-                                        </p:tgtEl>
-                                        <p:attrNameLst>
-                                          <p:attrName>style.visibility</p:attrName>
-                                        </p:attrNameLst>
-                                      </p:cBhvr>
-                                      <p:to>
-                                        <p:strVal val="visible"/>
-                                      </p:to>
-                                    </p:set>
-                                  </p:childTnLst>
-                                </p:cTn>
-                              </p:par>
-                              <p:par>
-                                <p:cTn id="15" presetID="1" presetClass="entr" presetSubtype="0" fill="hold" nodeType="withEffect">
-                                  <p:stCondLst>
-                                    <p:cond delay="0"/>
-                                  </p:stCondLst>
-                                  <p:childTnLst>
-                                    <p:set>
-                                      <p:cBhvr>
-                                        <p:cTn id="16" dur="1" fill="hold">
-                                          <p:stCondLst>
-                                            <p:cond delay="0"/>
-                                          </p:stCondLst>
-                                        </p:cTn>
-                                        <p:tgtEl>
-                                          <p:spTgt spid="3">
-                                            <p:txEl>
-                                              <p:pRg st="5" end="5"/>
-                                            </p:txEl>
-                                          </p:spTgt>
-                                        </p:tgtEl>
-                                        <p:attrNameLst>
-                                          <p:attrName>style.visibility</p:attrName>
-                                        </p:attrNameLst>
-                                      </p:cBhvr>
-                                      <p:to>
-                                        <p:strVal val="visible"/>
-                                      </p:to>
-                                    </p:set>
-                                  </p:childTnLst>
-                                </p:cTn>
-                              </p:par>
-                              <p:par>
-                                <p:cTn id="17" presetID="1" presetClass="entr" presetSubtype="0" fill="hold" nodeType="withEffect">
-                                  <p:stCondLst>
-                                    <p:cond delay="0"/>
-                                  </p:stCondLst>
-                                  <p:childTnLst>
-                                    <p:set>
-                                      <p:cBhvr>
-                                        <p:cTn id="18" dur="1" fill="hold">
-                                          <p:stCondLst>
-                                            <p:cond delay="0"/>
-                                          </p:stCondLst>
-                                        </p:cTn>
-                                        <p:tgtEl>
-                                          <p:spTgt spid="3">
-                                            <p:txEl>
-                                              <p:pRg st="6" end="6"/>
-                                            </p:txEl>
-                                          </p:spTgt>
-                                        </p:tgtEl>
-                                        <p:attrNameLst>
-                                          <p:attrName>style.visibility</p:attrName>
-                                        </p:attrNameLst>
-                                      </p:cBhvr>
-                                      <p:to>
-                                        <p:strVal val="visible"/>
-                                      </p:to>
-                                    </p:set>
-                                  </p:childTnLst>
-                                </p:cTn>
-                              </p:par>
-                            </p:childTnLst>
-                          </p:cTn>
-                        </p:par>
-                      </p:childTnLst>
-                    </p:cTn>
-                  </p:par>
-                </p:childTnLst>
-              </p:cTn>
-              <p:prevCondLst>
-                <p:cond evt="onPrev" delay="0">
-                  <p:tgtEl>
-                    <p:sldTgt/>
-                  </p:tgtEl>
-                </p:cond>
-              </p:prevCondLst>
-              <p:nextCondLst>
-                <p:cond evt="onNext" delay="0">
-                  <p:tgtEl>
-                    <p:sldTgt/>
-                  </p:tgtEl>
-                </p:cond>
-              </p:nextCondLst>
-            </p:seq>
-          </p:childTnLst>
-        </p:cTn>
-      </p:par>
-    </p:tnLst>
-  </p:timing>
 </p:sld>
 </file>
 
